--- a/TrekGuide_Connect_Presentation.pptx
+++ b/TrekGuide_Connect_Presentation.pptx
@@ -2,19 +2,24 @@
 <file path=ppt/presentation.xml><?xml version="1.0" encoding="utf-8"?>
 <p:presentation xmlns:a="http://schemas.openxmlformats.org/drawingml/2006/main" xmlns:r="http://schemas.openxmlformats.org/officeDocument/2006/relationships" xmlns:p="http://schemas.openxmlformats.org/presentationml/2006/main" saveSubsetFonts="1" autoCompressPictures="0">
   <p:sldMasterIdLst>
-    <p:sldMasterId id="2147483648" r:id="rId1"/>
+    <p:sldMasterId id="2147483696" r:id="rId1"/>
   </p:sldMasterIdLst>
+  <p:notesMasterIdLst>
+    <p:notesMasterId r:id="rId14"/>
+  </p:notesMasterIdLst>
   <p:sldIdLst>
-    <p:sldId id="256" r:id="rId7"/>
-    <p:sldId id="257" r:id="rId8"/>
-    <p:sldId id="258" r:id="rId9"/>
-    <p:sldId id="259" r:id="rId10"/>
-    <p:sldId id="260" r:id="rId11"/>
-    <p:sldId id="261" r:id="rId12"/>
-    <p:sldId id="262" r:id="rId13"/>
-    <p:sldId id="263" r:id="rId14"/>
-    <p:sldId id="264" r:id="rId15"/>
-    <p:sldId id="265" r:id="rId16"/>
+    <p:sldId id="256" r:id="rId2"/>
+    <p:sldId id="266" r:id="rId3"/>
+    <p:sldId id="267" r:id="rId4"/>
+    <p:sldId id="268" r:id="rId5"/>
+    <p:sldId id="270" r:id="rId6"/>
+    <p:sldId id="257" r:id="rId7"/>
+    <p:sldId id="258" r:id="rId8"/>
+    <p:sldId id="259" r:id="rId9"/>
+    <p:sldId id="269" r:id="rId10"/>
+    <p:sldId id="261" r:id="rId11"/>
+    <p:sldId id="262" r:id="rId12"/>
+    <p:sldId id="265" r:id="rId13"/>
   </p:sldIdLst>
   <p:sldSz cx="9144000" cy="6858000" type="screen4x3"/>
   <p:notesSz cx="6858000" cy="9144000"/>
@@ -113,7 +118,2290 @@
       </a:defRPr>
     </a:lvl9pPr>
   </p:defaultTextStyle>
+  <p:extLst>
+    <p:ext uri="{EFAFB233-063F-42B5-8137-9DF3F51BA10A}">
+      <p15:sldGuideLst xmlns:p15="http://schemas.microsoft.com/office/powerpoint/2012/main">
+        <p15:guide id="1" orient="horz" pos="2160">
+          <p15:clr>
+            <a:srgbClr val="A4A3A4"/>
+          </p15:clr>
+        </p15:guide>
+        <p15:guide id="2" pos="2880">
+          <p15:clr>
+            <a:srgbClr val="A4A3A4"/>
+          </p15:clr>
+        </p15:guide>
+      </p15:sldGuideLst>
+    </p:ext>
+  </p:extLst>
 </p:presentation>
+</file>
+
+<file path=ppt/charts/chart1.xml><?xml version="1.0" encoding="utf-8"?>
+<c:chartSpace xmlns:c="http://schemas.openxmlformats.org/drawingml/2006/chart" xmlns:a="http://schemas.openxmlformats.org/drawingml/2006/main" xmlns:r="http://schemas.openxmlformats.org/officeDocument/2006/relationships" xmlns:c16r2="http://schemas.microsoft.com/office/drawing/2015/06/chart">
+  <c:date1904 val="0"/>
+  <c:lang val="en-US"/>
+  <c:roundedCorners val="0"/>
+  <mc:AlternateContent xmlns:mc="http://schemas.openxmlformats.org/markup-compatibility/2006">
+    <mc:Choice xmlns:c14="http://schemas.microsoft.com/office/drawing/2007/8/2/chart" Requires="c14">
+      <c14:style val="102"/>
+    </mc:Choice>
+    <mc:Fallback>
+      <c:style val="2"/>
+    </mc:Fallback>
+  </mc:AlternateContent>
+  <c:chart>
+    <c:title>
+      <c:tx>
+        <c:rich>
+          <a:bodyPr rot="0" spcFirstLastPara="1" vertOverflow="ellipsis" vert="horz" wrap="square" anchor="ctr" anchorCtr="1"/>
+          <a:lstStyle/>
+          <a:p>
+            <a:pPr>
+              <a:defRPr sz="1862" b="0" i="0" u="none" strike="noStrike" kern="1200" spc="0" baseline="0">
+                <a:solidFill>
+                  <a:schemeClr val="tx1">
+                    <a:lumMod val="65000"/>
+                    <a:lumOff val="35000"/>
+                  </a:schemeClr>
+                </a:solidFill>
+                <a:latin typeface="+mn-lt"/>
+                <a:ea typeface="+mn-ea"/>
+                <a:cs typeface="+mn-cs"/>
+              </a:defRPr>
+            </a:pPr>
+            <a:r>
+              <a:rPr lang="en-US"/>
+              <a:t>Tourist</a:t>
+            </a:r>
+          </a:p>
+        </c:rich>
+      </c:tx>
+      <c:overlay val="0"/>
+      <c:spPr>
+        <a:noFill/>
+        <a:ln>
+          <a:noFill/>
+        </a:ln>
+        <a:effectLst/>
+      </c:spPr>
+      <c:txPr>
+        <a:bodyPr rot="0" spcFirstLastPara="1" vertOverflow="ellipsis" vert="horz" wrap="square" anchor="ctr" anchorCtr="1"/>
+        <a:lstStyle/>
+        <a:p>
+          <a:pPr>
+            <a:defRPr sz="1862" b="0" i="0" u="none" strike="noStrike" kern="1200" spc="0" baseline="0">
+              <a:solidFill>
+                <a:schemeClr val="tx1">
+                  <a:lumMod val="65000"/>
+                  <a:lumOff val="35000"/>
+                </a:schemeClr>
+              </a:solidFill>
+              <a:latin typeface="+mn-lt"/>
+              <a:ea typeface="+mn-ea"/>
+              <a:cs typeface="+mn-cs"/>
+            </a:defRPr>
+          </a:pPr>
+          <a:endParaRPr lang="en-US"/>
+        </a:p>
+      </c:txPr>
+    </c:title>
+    <c:autoTitleDeleted val="0"/>
+    <c:plotArea>
+      <c:layout/>
+      <c:barChart>
+        <c:barDir val="col"/>
+        <c:grouping val="clustered"/>
+        <c:varyColors val="0"/>
+        <c:ser>
+          <c:idx val="0"/>
+          <c:order val="0"/>
+          <c:tx>
+            <c:strRef>
+              <c:f>Sheet1!$B$1</c:f>
+              <c:strCache>
+                <c:ptCount val="1"/>
+                <c:pt idx="0">
+                  <c:v>Tourist</c:v>
+                </c:pt>
+              </c:strCache>
+            </c:strRef>
+          </c:tx>
+          <c:spPr>
+            <a:solidFill>
+              <a:schemeClr val="accent1"/>
+            </a:solidFill>
+            <a:ln>
+              <a:noFill/>
+            </a:ln>
+            <a:effectLst/>
+          </c:spPr>
+          <c:invertIfNegative val="0"/>
+          <c:dLbls>
+            <c:dLbl>
+              <c:idx val="0"/>
+              <c:tx>
+                <c:rich>
+                  <a:bodyPr/>
+                  <a:lstStyle/>
+                  <a:p>
+                    <a:r>
+                      <a:rPr lang="en-US" dirty="0"/>
+                      <a:t>6,14,869</a:t>
+                    </a:r>
+                  </a:p>
+                </c:rich>
+              </c:tx>
+              <c:dLblPos val="outEnd"/>
+              <c:showLegendKey val="0"/>
+              <c:showVal val="1"/>
+              <c:showCatName val="0"/>
+              <c:showSerName val="0"/>
+              <c:showPercent val="0"/>
+              <c:showBubbleSize val="0"/>
+              <c:extLst>
+                <c:ext xmlns:c15="http://schemas.microsoft.com/office/drawing/2012/chart" uri="{CE6537A1-D6FC-4f65-9D91-7224C49458BB}">
+                  <c15:showDataLabelsRange val="0"/>
+                </c:ext>
+                <c:ext xmlns:c16="http://schemas.microsoft.com/office/drawing/2014/chart" uri="{C3380CC4-5D6E-409C-BE32-E72D297353CC}">
+                  <c16:uniqueId val="{00000003-6494-4F94-A50F-F587FBF5F0EA}"/>
+                </c:ext>
+              </c:extLst>
+            </c:dLbl>
+            <c:dLbl>
+              <c:idx val="1"/>
+              <c:tx>
+                <c:rich>
+                  <a:bodyPr/>
+                  <a:lstStyle/>
+                  <a:p>
+                    <a:r>
+                      <a:rPr lang="en-US" dirty="0"/>
+                      <a:t>18,89,492</a:t>
+                    </a:r>
+                  </a:p>
+                </c:rich>
+              </c:tx>
+              <c:dLblPos val="outEnd"/>
+              <c:showLegendKey val="0"/>
+              <c:showVal val="1"/>
+              <c:showCatName val="0"/>
+              <c:showSerName val="0"/>
+              <c:showPercent val="0"/>
+              <c:showBubbleSize val="0"/>
+              <c:extLst>
+                <c:ext xmlns:c15="http://schemas.microsoft.com/office/drawing/2012/chart" uri="{CE6537A1-D6FC-4f65-9D91-7224C49458BB}">
+                  <c15:showDataLabelsRange val="0"/>
+                </c:ext>
+                <c:ext xmlns:c16="http://schemas.microsoft.com/office/drawing/2014/chart" uri="{C3380CC4-5D6E-409C-BE32-E72D297353CC}">
+                  <c16:uniqueId val="{00000004-6494-4F94-A50F-F587FBF5F0EA}"/>
+                </c:ext>
+              </c:extLst>
+            </c:dLbl>
+            <c:spPr>
+              <a:noFill/>
+              <a:ln>
+                <a:noFill/>
+              </a:ln>
+              <a:effectLst/>
+            </c:spPr>
+            <c:txPr>
+              <a:bodyPr rot="0" spcFirstLastPara="1" vertOverflow="ellipsis" vert="horz" wrap="square" lIns="38100" tIns="19050" rIns="38100" bIns="19050" anchor="ctr" anchorCtr="1">
+                <a:spAutoFit/>
+              </a:bodyPr>
+              <a:lstStyle/>
+              <a:p>
+                <a:pPr>
+                  <a:defRPr sz="1197" b="0" i="0" u="none" strike="noStrike" kern="1200" baseline="0">
+                    <a:solidFill>
+                      <a:schemeClr val="tx1">
+                        <a:lumMod val="75000"/>
+                        <a:lumOff val="25000"/>
+                      </a:schemeClr>
+                    </a:solidFill>
+                    <a:latin typeface="+mn-lt"/>
+                    <a:ea typeface="+mn-ea"/>
+                    <a:cs typeface="+mn-cs"/>
+                  </a:defRPr>
+                </a:pPr>
+                <a:endParaRPr lang="en-US"/>
+              </a:p>
+            </c:txPr>
+            <c:dLblPos val="outEnd"/>
+            <c:showLegendKey val="0"/>
+            <c:showVal val="1"/>
+            <c:showCatName val="0"/>
+            <c:showSerName val="0"/>
+            <c:showPercent val="0"/>
+            <c:showBubbleSize val="0"/>
+            <c:showLeaderLines val="0"/>
+            <c:extLst>
+              <c:ext xmlns:c15="http://schemas.microsoft.com/office/drawing/2012/chart" uri="{CE6537A1-D6FC-4f65-9D91-7224C49458BB}">
+                <c15:showLeaderLines val="1"/>
+                <c15:leaderLines>
+                  <c:spPr>
+                    <a:ln w="9525" cap="flat" cmpd="sng" algn="ctr">
+                      <a:solidFill>
+                        <a:schemeClr val="tx1">
+                          <a:lumMod val="35000"/>
+                          <a:lumOff val="65000"/>
+                        </a:schemeClr>
+                      </a:solidFill>
+                      <a:round/>
+                    </a:ln>
+                    <a:effectLst/>
+                  </c:spPr>
+                </c15:leaderLines>
+              </c:ext>
+            </c:extLst>
+          </c:dLbls>
+          <c:cat>
+            <c:numRef>
+              <c:f>Sheet1!$A$2:$A$3</c:f>
+              <c:numCache>
+                <c:formatCode>General</c:formatCode>
+                <c:ptCount val="2"/>
+                <c:pt idx="0">
+                  <c:v>2022</c:v>
+                </c:pt>
+                <c:pt idx="1">
+                  <c:v>2023</c:v>
+                </c:pt>
+              </c:numCache>
+            </c:numRef>
+          </c:cat>
+          <c:val>
+            <c:numRef>
+              <c:f>Sheet1!$B$2:$B$3</c:f>
+              <c:numCache>
+                <c:formatCode>General</c:formatCode>
+                <c:ptCount val="2"/>
+                <c:pt idx="0">
+                  <c:v>614869</c:v>
+                </c:pt>
+                <c:pt idx="1">
+                  <c:v>1889492</c:v>
+                </c:pt>
+              </c:numCache>
+            </c:numRef>
+          </c:val>
+          <c:extLst>
+            <c:ext xmlns:c16="http://schemas.microsoft.com/office/drawing/2014/chart" uri="{C3380CC4-5D6E-409C-BE32-E72D297353CC}">
+              <c16:uniqueId val="{00000000-6494-4F94-A50F-F587FBF5F0EA}"/>
+            </c:ext>
+          </c:extLst>
+        </c:ser>
+        <c:ser>
+          <c:idx val="1"/>
+          <c:order val="1"/>
+          <c:tx>
+            <c:strRef>
+              <c:f>Sheet1!$C$1</c:f>
+              <c:strCache>
+                <c:ptCount val="1"/>
+                <c:pt idx="0">
+                  <c:v>Trekking</c:v>
+                </c:pt>
+              </c:strCache>
+            </c:strRef>
+          </c:tx>
+          <c:spPr>
+            <a:solidFill>
+              <a:schemeClr val="accent2"/>
+            </a:solidFill>
+            <a:ln>
+              <a:noFill/>
+            </a:ln>
+            <a:effectLst/>
+          </c:spPr>
+          <c:invertIfNegative val="0"/>
+          <c:dLbls>
+            <c:dLbl>
+              <c:idx val="0"/>
+              <c:tx>
+                <c:rich>
+                  <a:bodyPr/>
+                  <a:lstStyle/>
+                  <a:p>
+                    <a:r>
+                      <a:rPr lang="en-US" dirty="0"/>
+                      <a:t>61,701</a:t>
+                    </a:r>
+                  </a:p>
+                </c:rich>
+              </c:tx>
+              <c:dLblPos val="outEnd"/>
+              <c:showLegendKey val="0"/>
+              <c:showVal val="1"/>
+              <c:showCatName val="0"/>
+              <c:showSerName val="0"/>
+              <c:showPercent val="0"/>
+              <c:showBubbleSize val="0"/>
+              <c:extLst>
+                <c:ext xmlns:c15="http://schemas.microsoft.com/office/drawing/2012/chart" uri="{CE6537A1-D6FC-4f65-9D91-7224C49458BB}">
+                  <c15:showDataLabelsRange val="0"/>
+                </c:ext>
+                <c:ext xmlns:c16="http://schemas.microsoft.com/office/drawing/2014/chart" uri="{C3380CC4-5D6E-409C-BE32-E72D297353CC}">
+                  <c16:uniqueId val="{00000006-6494-4F94-A50F-F587FBF5F0EA}"/>
+                </c:ext>
+              </c:extLst>
+            </c:dLbl>
+            <c:dLbl>
+              <c:idx val="1"/>
+              <c:tx>
+                <c:rich>
+                  <a:bodyPr/>
+                  <a:lstStyle/>
+                  <a:p>
+                    <a:r>
+                      <a:rPr lang="en-US" dirty="0"/>
+                      <a:t>1,89,516</a:t>
+                    </a:r>
+                  </a:p>
+                </c:rich>
+              </c:tx>
+              <c:dLblPos val="outEnd"/>
+              <c:showLegendKey val="0"/>
+              <c:showVal val="1"/>
+              <c:showCatName val="0"/>
+              <c:showSerName val="0"/>
+              <c:showPercent val="0"/>
+              <c:showBubbleSize val="0"/>
+              <c:extLst>
+                <c:ext xmlns:c15="http://schemas.microsoft.com/office/drawing/2012/chart" uri="{CE6537A1-D6FC-4f65-9D91-7224C49458BB}">
+                  <c15:showDataLabelsRange val="0"/>
+                </c:ext>
+                <c:ext xmlns:c16="http://schemas.microsoft.com/office/drawing/2014/chart" uri="{C3380CC4-5D6E-409C-BE32-E72D297353CC}">
+                  <c16:uniqueId val="{00000007-6494-4F94-A50F-F587FBF5F0EA}"/>
+                </c:ext>
+              </c:extLst>
+            </c:dLbl>
+            <c:spPr>
+              <a:noFill/>
+              <a:ln>
+                <a:noFill/>
+              </a:ln>
+              <a:effectLst/>
+            </c:spPr>
+            <c:txPr>
+              <a:bodyPr rot="0" spcFirstLastPara="1" vertOverflow="ellipsis" vert="horz" wrap="square" lIns="38100" tIns="19050" rIns="38100" bIns="19050" anchor="ctr" anchorCtr="1">
+                <a:spAutoFit/>
+              </a:bodyPr>
+              <a:lstStyle/>
+              <a:p>
+                <a:pPr>
+                  <a:defRPr sz="1197" b="0" i="0" u="none" strike="noStrike" kern="1200" baseline="0">
+                    <a:solidFill>
+                      <a:schemeClr val="tx1">
+                        <a:lumMod val="75000"/>
+                        <a:lumOff val="25000"/>
+                      </a:schemeClr>
+                    </a:solidFill>
+                    <a:latin typeface="+mn-lt"/>
+                    <a:ea typeface="+mn-ea"/>
+                    <a:cs typeface="+mn-cs"/>
+                  </a:defRPr>
+                </a:pPr>
+                <a:endParaRPr lang="en-US"/>
+              </a:p>
+            </c:txPr>
+            <c:dLblPos val="outEnd"/>
+            <c:showLegendKey val="0"/>
+            <c:showVal val="1"/>
+            <c:showCatName val="0"/>
+            <c:showSerName val="0"/>
+            <c:showPercent val="0"/>
+            <c:showBubbleSize val="0"/>
+            <c:showLeaderLines val="0"/>
+            <c:extLst>
+              <c:ext xmlns:c15="http://schemas.microsoft.com/office/drawing/2012/chart" uri="{CE6537A1-D6FC-4f65-9D91-7224C49458BB}">
+                <c15:showLeaderLines val="1"/>
+                <c15:leaderLines>
+                  <c:spPr>
+                    <a:ln w="9525" cap="flat" cmpd="sng" algn="ctr">
+                      <a:solidFill>
+                        <a:schemeClr val="tx1">
+                          <a:lumMod val="35000"/>
+                          <a:lumOff val="65000"/>
+                        </a:schemeClr>
+                      </a:solidFill>
+                      <a:round/>
+                    </a:ln>
+                    <a:effectLst/>
+                  </c:spPr>
+                </c15:leaderLines>
+              </c:ext>
+            </c:extLst>
+          </c:dLbls>
+          <c:cat>
+            <c:numRef>
+              <c:f>Sheet1!$A$2:$A$3</c:f>
+              <c:numCache>
+                <c:formatCode>General</c:formatCode>
+                <c:ptCount val="2"/>
+                <c:pt idx="0">
+                  <c:v>2022</c:v>
+                </c:pt>
+                <c:pt idx="1">
+                  <c:v>2023</c:v>
+                </c:pt>
+              </c:numCache>
+            </c:numRef>
+          </c:cat>
+          <c:val>
+            <c:numRef>
+              <c:f>Sheet1!$C$2:$C$3</c:f>
+              <c:numCache>
+                <c:formatCode>General</c:formatCode>
+                <c:ptCount val="2"/>
+                <c:pt idx="0">
+                  <c:v>61701</c:v>
+                </c:pt>
+                <c:pt idx="1">
+                  <c:v>189516</c:v>
+                </c:pt>
+              </c:numCache>
+            </c:numRef>
+          </c:val>
+          <c:extLst>
+            <c:ext xmlns:c16="http://schemas.microsoft.com/office/drawing/2014/chart" uri="{C3380CC4-5D6E-409C-BE32-E72D297353CC}">
+              <c16:uniqueId val="{00000005-6494-4F94-A50F-F587FBF5F0EA}"/>
+            </c:ext>
+          </c:extLst>
+        </c:ser>
+        <c:dLbls>
+          <c:dLblPos val="outEnd"/>
+          <c:showLegendKey val="0"/>
+          <c:showVal val="1"/>
+          <c:showCatName val="0"/>
+          <c:showSerName val="0"/>
+          <c:showPercent val="0"/>
+          <c:showBubbleSize val="0"/>
+        </c:dLbls>
+        <c:gapWidth val="219"/>
+        <c:overlap val="-27"/>
+        <c:axId val="81646848"/>
+        <c:axId val="81647328"/>
+      </c:barChart>
+      <c:catAx>
+        <c:axId val="81646848"/>
+        <c:scaling>
+          <c:orientation val="minMax"/>
+        </c:scaling>
+        <c:delete val="0"/>
+        <c:axPos val="b"/>
+        <c:numFmt formatCode="General" sourceLinked="1"/>
+        <c:majorTickMark val="none"/>
+        <c:minorTickMark val="none"/>
+        <c:tickLblPos val="nextTo"/>
+        <c:spPr>
+          <a:noFill/>
+          <a:ln w="9525" cap="flat" cmpd="sng" algn="ctr">
+            <a:solidFill>
+              <a:schemeClr val="tx1">
+                <a:lumMod val="15000"/>
+                <a:lumOff val="85000"/>
+              </a:schemeClr>
+            </a:solidFill>
+            <a:round/>
+          </a:ln>
+          <a:effectLst/>
+        </c:spPr>
+        <c:txPr>
+          <a:bodyPr rot="-60000000" spcFirstLastPara="1" vertOverflow="ellipsis" vert="horz" wrap="square" anchor="ctr" anchorCtr="1"/>
+          <a:lstStyle/>
+          <a:p>
+            <a:pPr>
+              <a:defRPr sz="1197" b="0" i="0" u="none" strike="noStrike" kern="1200" baseline="0">
+                <a:solidFill>
+                  <a:schemeClr val="tx1">
+                    <a:lumMod val="65000"/>
+                    <a:lumOff val="35000"/>
+                  </a:schemeClr>
+                </a:solidFill>
+                <a:latin typeface="+mn-lt"/>
+                <a:ea typeface="+mn-ea"/>
+                <a:cs typeface="+mn-cs"/>
+              </a:defRPr>
+            </a:pPr>
+            <a:endParaRPr lang="en-US"/>
+          </a:p>
+        </c:txPr>
+        <c:crossAx val="81647328"/>
+        <c:crosses val="autoZero"/>
+        <c:auto val="1"/>
+        <c:lblAlgn val="ctr"/>
+        <c:lblOffset val="100"/>
+        <c:noMultiLvlLbl val="0"/>
+      </c:catAx>
+      <c:valAx>
+        <c:axId val="81647328"/>
+        <c:scaling>
+          <c:orientation val="minMax"/>
+        </c:scaling>
+        <c:delete val="0"/>
+        <c:axPos val="l"/>
+        <c:majorGridlines>
+          <c:spPr>
+            <a:ln w="9525" cap="flat" cmpd="sng" algn="ctr">
+              <a:solidFill>
+                <a:schemeClr val="tx1">
+                  <a:lumMod val="15000"/>
+                  <a:lumOff val="85000"/>
+                </a:schemeClr>
+              </a:solidFill>
+              <a:round/>
+            </a:ln>
+            <a:effectLst/>
+          </c:spPr>
+        </c:majorGridlines>
+        <c:numFmt formatCode="General" sourceLinked="1"/>
+        <c:majorTickMark val="none"/>
+        <c:minorTickMark val="none"/>
+        <c:tickLblPos val="nextTo"/>
+        <c:spPr>
+          <a:noFill/>
+          <a:ln>
+            <a:noFill/>
+          </a:ln>
+          <a:effectLst/>
+        </c:spPr>
+        <c:txPr>
+          <a:bodyPr rot="-60000000" spcFirstLastPara="1" vertOverflow="ellipsis" vert="horz" wrap="square" anchor="ctr" anchorCtr="1"/>
+          <a:lstStyle/>
+          <a:p>
+            <a:pPr>
+              <a:defRPr sz="1197" b="0" i="0" u="none" strike="noStrike" kern="1200" baseline="0">
+                <a:solidFill>
+                  <a:schemeClr val="tx1">
+                    <a:lumMod val="65000"/>
+                    <a:lumOff val="35000"/>
+                  </a:schemeClr>
+                </a:solidFill>
+                <a:latin typeface="+mn-lt"/>
+                <a:ea typeface="+mn-ea"/>
+                <a:cs typeface="+mn-cs"/>
+              </a:defRPr>
+            </a:pPr>
+            <a:endParaRPr lang="en-US"/>
+          </a:p>
+        </c:txPr>
+        <c:crossAx val="81646848"/>
+        <c:crosses val="autoZero"/>
+        <c:crossBetween val="between"/>
+      </c:valAx>
+      <c:spPr>
+        <a:noFill/>
+        <a:ln>
+          <a:noFill/>
+        </a:ln>
+        <a:effectLst/>
+      </c:spPr>
+    </c:plotArea>
+    <c:legend>
+      <c:legendPos val="b"/>
+      <c:overlay val="0"/>
+      <c:spPr>
+        <a:noFill/>
+        <a:ln>
+          <a:noFill/>
+        </a:ln>
+        <a:effectLst/>
+      </c:spPr>
+      <c:txPr>
+        <a:bodyPr rot="0" spcFirstLastPara="1" vertOverflow="ellipsis" vert="horz" wrap="square" anchor="ctr" anchorCtr="1"/>
+        <a:lstStyle/>
+        <a:p>
+          <a:pPr>
+            <a:defRPr sz="1197" b="0" i="0" u="none" strike="noStrike" kern="1200" baseline="0">
+              <a:solidFill>
+                <a:schemeClr val="tx1">
+                  <a:lumMod val="65000"/>
+                  <a:lumOff val="35000"/>
+                </a:schemeClr>
+              </a:solidFill>
+              <a:latin typeface="+mn-lt"/>
+              <a:ea typeface="+mn-ea"/>
+              <a:cs typeface="+mn-cs"/>
+            </a:defRPr>
+          </a:pPr>
+          <a:endParaRPr lang="en-US"/>
+        </a:p>
+      </c:txPr>
+    </c:legend>
+    <c:plotVisOnly val="1"/>
+    <c:dispBlanksAs val="gap"/>
+    <c:extLst>
+      <c:ext xmlns:c16r3="http://schemas.microsoft.com/office/drawing/2017/03/chart" uri="{56B9EC1D-385E-4148-901F-78D8002777C0}">
+        <c16r3:dataDisplayOptions16>
+          <c16r3:dispNaAsBlank val="1"/>
+        </c16r3:dataDisplayOptions16>
+      </c:ext>
+    </c:extLst>
+    <c:showDLblsOverMax val="0"/>
+  </c:chart>
+  <c:spPr>
+    <a:noFill/>
+    <a:ln>
+      <a:noFill/>
+    </a:ln>
+    <a:effectLst/>
+  </c:spPr>
+  <c:txPr>
+    <a:bodyPr/>
+    <a:lstStyle/>
+    <a:p>
+      <a:pPr>
+        <a:defRPr/>
+      </a:pPr>
+      <a:endParaRPr lang="en-US"/>
+    </a:p>
+  </c:txPr>
+  <c:externalData r:id="rId3">
+    <c:autoUpdate val="0"/>
+  </c:externalData>
+</c:chartSpace>
+</file>
+
+<file path=ppt/charts/chartEx1.xml><?xml version="1.0" encoding="utf-8"?>
+<cx:chartSpace xmlns:a="http://schemas.openxmlformats.org/drawingml/2006/main" xmlns:r="http://schemas.openxmlformats.org/officeDocument/2006/relationships" xmlns:cx="http://schemas.microsoft.com/office/drawing/2014/chartex">
+  <cx:chartData>
+    <cx:externalData r:id="rId1" cx:autoUpdate="0"/>
+    <cx:data id="0">
+      <cx:strDim type="cat">
+        <cx:f>Sheet1!$A$2:$A$5</cx:f>
+        <cx:lvl ptCount="4">
+          <cx:pt idx="0">Target Audience</cx:pt>
+          <cx:pt idx="1">Marketing (50%)</cx:pt>
+          <cx:pt idx="2">Lead (30%)</cx:pt>
+          <cx:pt idx="3">Clients (5%)</cx:pt>
+        </cx:lvl>
+      </cx:strDim>
+      <cx:numDim type="val">
+        <cx:f>Sheet1!$B$2:$B$5</cx:f>
+        <cx:lvl ptCount="4" formatCode="General">
+          <cx:pt idx="0">189516</cx:pt>
+          <cx:pt idx="1">94758</cx:pt>
+          <cx:pt idx="2">28247</cx:pt>
+          <cx:pt idx="3">1421</cx:pt>
+        </cx:lvl>
+      </cx:numDim>
+    </cx:data>
+  </cx:chartData>
+  <cx:chart>
+    <cx:title pos="t" align="ctr" overlay="0">
+      <cx:txPr>
+        <a:bodyPr spcFirstLastPara="1" vertOverflow="ellipsis" horzOverflow="overflow" wrap="square" lIns="0" tIns="0" rIns="0" bIns="0" anchor="ctr" anchorCtr="1"/>
+        <a:lstStyle/>
+        <a:p>
+          <a:pPr algn="ctr" rtl="0">
+            <a:defRPr/>
+          </a:pPr>
+          <a:endParaRPr lang="en-US" sz="2200" b="1" i="0" u="none" strike="noStrike" baseline="0" dirty="0">
+            <a:solidFill>
+              <a:prstClr val="black">
+                <a:lumMod val="75000"/>
+                <a:lumOff val="25000"/>
+              </a:prstClr>
+            </a:solidFill>
+            <a:latin typeface="Calibri"/>
+          </a:endParaRPr>
+        </a:p>
+      </cx:txPr>
+    </cx:title>
+    <cx:plotArea>
+      <cx:plotAreaRegion>
+        <cx:series layoutId="funnel" uniqueId="{A208538E-7F14-4932-A03C-34A7101756B5}">
+          <cx:tx>
+            <cx:txData>
+              <cx:f>Sheet1!$B$1</cx:f>
+              <cx:v>Series1</cx:v>
+            </cx:txData>
+          </cx:tx>
+          <cx:dataLabels>
+            <cx:visibility seriesName="0" categoryName="0" value="1"/>
+          </cx:dataLabels>
+          <cx:dataId val="0"/>
+        </cx:series>
+      </cx:plotAreaRegion>
+      <cx:axis id="0">
+        <cx:catScaling gapWidth="0.150000006"/>
+        <cx:tickLabels/>
+      </cx:axis>
+    </cx:plotArea>
+  </cx:chart>
+</cx:chartSpace>
+</file>
+
+<file path=ppt/charts/colors1.xml><?xml version="1.0" encoding="utf-8"?>
+<cs:colorStyle xmlns:cs="http://schemas.microsoft.com/office/drawing/2012/chartStyle" xmlns:a="http://schemas.openxmlformats.org/drawingml/2006/main" meth="cycle" id="10">
+  <a:schemeClr val="accent1"/>
+  <a:schemeClr val="accent2"/>
+  <a:schemeClr val="accent3"/>
+  <a:schemeClr val="accent4"/>
+  <a:schemeClr val="accent5"/>
+  <a:schemeClr val="accent6"/>
+  <cs:variation/>
+  <cs:variation>
+    <a:lumMod val="60000"/>
+  </cs:variation>
+  <cs:variation>
+    <a:lumMod val="80000"/>
+    <a:lumOff val="20000"/>
+  </cs:variation>
+  <cs:variation>
+    <a:lumMod val="80000"/>
+  </cs:variation>
+  <cs:variation>
+    <a:lumMod val="60000"/>
+    <a:lumOff val="40000"/>
+  </cs:variation>
+  <cs:variation>
+    <a:lumMod val="50000"/>
+  </cs:variation>
+  <cs:variation>
+    <a:lumMod val="70000"/>
+    <a:lumOff val="30000"/>
+  </cs:variation>
+  <cs:variation>
+    <a:lumMod val="70000"/>
+  </cs:variation>
+  <cs:variation>
+    <a:lumMod val="50000"/>
+    <a:lumOff val="50000"/>
+  </cs:variation>
+</cs:colorStyle>
+</file>
+
+<file path=ppt/charts/colors2.xml><?xml version="1.0" encoding="utf-8"?>
+<cs:colorStyle xmlns:cs="http://schemas.microsoft.com/office/drawing/2012/chartStyle" xmlns:a="http://schemas.openxmlformats.org/drawingml/2006/main" meth="cycle" id="10">
+  <a:schemeClr val="accent1"/>
+  <a:schemeClr val="accent2"/>
+  <a:schemeClr val="accent3"/>
+  <a:schemeClr val="accent4"/>
+  <a:schemeClr val="accent5"/>
+  <a:schemeClr val="accent6"/>
+  <cs:variation/>
+  <cs:variation>
+    <a:lumMod val="60000"/>
+  </cs:variation>
+  <cs:variation>
+    <a:lumMod val="80000"/>
+    <a:lumOff val="20000"/>
+  </cs:variation>
+  <cs:variation>
+    <a:lumMod val="80000"/>
+  </cs:variation>
+  <cs:variation>
+    <a:lumMod val="60000"/>
+    <a:lumOff val="40000"/>
+  </cs:variation>
+  <cs:variation>
+    <a:lumMod val="50000"/>
+  </cs:variation>
+  <cs:variation>
+    <a:lumMod val="70000"/>
+    <a:lumOff val="30000"/>
+  </cs:variation>
+  <cs:variation>
+    <a:lumMod val="70000"/>
+  </cs:variation>
+  <cs:variation>
+    <a:lumMod val="50000"/>
+    <a:lumOff val="50000"/>
+  </cs:variation>
+</cs:colorStyle>
+</file>
+
+<file path=ppt/charts/style1.xml><?xml version="1.0" encoding="utf-8"?>
+<cs:chartStyle xmlns:cs="http://schemas.microsoft.com/office/drawing/2012/chartStyle" xmlns:a="http://schemas.openxmlformats.org/drawingml/2006/main" id="201">
+  <cs:axisTitle>
+    <cs:lnRef idx="0"/>
+    <cs:fillRef idx="0"/>
+    <cs:effectRef idx="0"/>
+    <cs:fontRef idx="minor">
+      <a:schemeClr val="tx1">
+        <a:lumMod val="65000"/>
+        <a:lumOff val="35000"/>
+      </a:schemeClr>
+    </cs:fontRef>
+    <cs:defRPr sz="1330" kern="1200"/>
+  </cs:axisTitle>
+  <cs:categoryAxis>
+    <cs:lnRef idx="0"/>
+    <cs:fillRef idx="0"/>
+    <cs:effectRef idx="0"/>
+    <cs:fontRef idx="minor">
+      <a:schemeClr val="tx1">
+        <a:lumMod val="65000"/>
+        <a:lumOff val="35000"/>
+      </a:schemeClr>
+    </cs:fontRef>
+    <cs:spPr>
+      <a:ln w="9525" cap="flat" cmpd="sng" algn="ctr">
+        <a:solidFill>
+          <a:schemeClr val="tx1">
+            <a:lumMod val="15000"/>
+            <a:lumOff val="85000"/>
+          </a:schemeClr>
+        </a:solidFill>
+        <a:round/>
+      </a:ln>
+    </cs:spPr>
+    <cs:defRPr sz="1197" kern="1200"/>
+  </cs:categoryAxis>
+  <cs:chartArea mods="allowNoFillOverride allowNoLineOverride">
+    <cs:lnRef idx="0"/>
+    <cs:fillRef idx="0"/>
+    <cs:effectRef idx="0"/>
+    <cs:fontRef idx="minor">
+      <a:schemeClr val="tx1"/>
+    </cs:fontRef>
+    <cs:spPr>
+      <a:solidFill>
+        <a:schemeClr val="bg1"/>
+      </a:solidFill>
+      <a:ln w="9525" cap="flat" cmpd="sng" algn="ctr">
+        <a:solidFill>
+          <a:schemeClr val="tx1">
+            <a:lumMod val="15000"/>
+            <a:lumOff val="85000"/>
+          </a:schemeClr>
+        </a:solidFill>
+        <a:round/>
+      </a:ln>
+    </cs:spPr>
+    <cs:defRPr sz="1330" kern="1200"/>
+  </cs:chartArea>
+  <cs:dataLabel>
+    <cs:lnRef idx="0"/>
+    <cs:fillRef idx="0"/>
+    <cs:effectRef idx="0"/>
+    <cs:fontRef idx="minor">
+      <a:schemeClr val="tx1">
+        <a:lumMod val="75000"/>
+        <a:lumOff val="25000"/>
+      </a:schemeClr>
+    </cs:fontRef>
+    <cs:defRPr sz="1197" kern="1200"/>
+  </cs:dataLabel>
+  <cs:dataLabelCallout>
+    <cs:lnRef idx="0"/>
+    <cs:fillRef idx="0"/>
+    <cs:effectRef idx="0"/>
+    <cs:fontRef idx="minor">
+      <a:schemeClr val="dk1">
+        <a:lumMod val="65000"/>
+        <a:lumOff val="35000"/>
+      </a:schemeClr>
+    </cs:fontRef>
+    <cs:spPr>
+      <a:solidFill>
+        <a:schemeClr val="lt1"/>
+      </a:solidFill>
+      <a:ln>
+        <a:solidFill>
+          <a:schemeClr val="dk1">
+            <a:lumMod val="25000"/>
+            <a:lumOff val="75000"/>
+          </a:schemeClr>
+        </a:solidFill>
+      </a:ln>
+    </cs:spPr>
+    <cs:defRPr sz="1197" kern="1200"/>
+    <cs:bodyPr rot="0" spcFirstLastPara="1" vertOverflow="clip" horzOverflow="clip" vert="horz" wrap="square" lIns="36576" tIns="18288" rIns="36576" bIns="18288" anchor="ctr" anchorCtr="1">
+      <a:spAutoFit/>
+    </cs:bodyPr>
+  </cs:dataLabelCallout>
+  <cs:dataPoint>
+    <cs:lnRef idx="0"/>
+    <cs:fillRef idx="1">
+      <cs:styleClr val="auto"/>
+    </cs:fillRef>
+    <cs:effectRef idx="0"/>
+    <cs:fontRef idx="minor">
+      <a:schemeClr val="tx1"/>
+    </cs:fontRef>
+  </cs:dataPoint>
+  <cs:dataPoint3D>
+    <cs:lnRef idx="0"/>
+    <cs:fillRef idx="1">
+      <cs:styleClr val="auto"/>
+    </cs:fillRef>
+    <cs:effectRef idx="0"/>
+    <cs:fontRef idx="minor">
+      <a:schemeClr val="tx1"/>
+    </cs:fontRef>
+  </cs:dataPoint3D>
+  <cs:dataPointLine>
+    <cs:lnRef idx="0">
+      <cs:styleClr val="auto"/>
+    </cs:lnRef>
+    <cs:fillRef idx="1"/>
+    <cs:effectRef idx="0"/>
+    <cs:fontRef idx="minor">
+      <a:schemeClr val="tx1"/>
+    </cs:fontRef>
+    <cs:spPr>
+      <a:ln w="28575" cap="rnd">
+        <a:solidFill>
+          <a:schemeClr val="phClr"/>
+        </a:solidFill>
+        <a:round/>
+      </a:ln>
+    </cs:spPr>
+  </cs:dataPointLine>
+  <cs:dataPointMarker>
+    <cs:lnRef idx="0">
+      <cs:styleClr val="auto"/>
+    </cs:lnRef>
+    <cs:fillRef idx="1">
+      <cs:styleClr val="auto"/>
+    </cs:fillRef>
+    <cs:effectRef idx="0"/>
+    <cs:fontRef idx="minor">
+      <a:schemeClr val="tx1"/>
+    </cs:fontRef>
+    <cs:spPr>
+      <a:ln w="9525">
+        <a:solidFill>
+          <a:schemeClr val="phClr"/>
+        </a:solidFill>
+      </a:ln>
+    </cs:spPr>
+  </cs:dataPointMarker>
+  <cs:dataPointMarkerLayout symbol="circle" size="5"/>
+  <cs:dataPointWireframe>
+    <cs:lnRef idx="0">
+      <cs:styleClr val="auto"/>
+    </cs:lnRef>
+    <cs:fillRef idx="1"/>
+    <cs:effectRef idx="0"/>
+    <cs:fontRef idx="minor">
+      <a:schemeClr val="tx1"/>
+    </cs:fontRef>
+    <cs:spPr>
+      <a:ln w="9525" cap="rnd">
+        <a:solidFill>
+          <a:schemeClr val="phClr"/>
+        </a:solidFill>
+        <a:round/>
+      </a:ln>
+    </cs:spPr>
+  </cs:dataPointWireframe>
+  <cs:dataTable>
+    <cs:lnRef idx="0"/>
+    <cs:fillRef idx="0"/>
+    <cs:effectRef idx="0"/>
+    <cs:fontRef idx="minor">
+      <a:schemeClr val="tx1">
+        <a:lumMod val="65000"/>
+        <a:lumOff val="35000"/>
+      </a:schemeClr>
+    </cs:fontRef>
+    <cs:spPr>
+      <a:noFill/>
+      <a:ln w="9525" cap="flat" cmpd="sng" algn="ctr">
+        <a:solidFill>
+          <a:schemeClr val="tx1">
+            <a:lumMod val="15000"/>
+            <a:lumOff val="85000"/>
+          </a:schemeClr>
+        </a:solidFill>
+        <a:round/>
+      </a:ln>
+    </cs:spPr>
+    <cs:defRPr sz="1197" kern="1200"/>
+  </cs:dataTable>
+  <cs:downBar>
+    <cs:lnRef idx="0"/>
+    <cs:fillRef idx="0"/>
+    <cs:effectRef idx="0"/>
+    <cs:fontRef idx="minor">
+      <a:schemeClr val="dk1"/>
+    </cs:fontRef>
+    <cs:spPr>
+      <a:solidFill>
+        <a:schemeClr val="dk1">
+          <a:lumMod val="65000"/>
+          <a:lumOff val="35000"/>
+        </a:schemeClr>
+      </a:solidFill>
+      <a:ln w="9525">
+        <a:solidFill>
+          <a:schemeClr val="tx1">
+            <a:lumMod val="65000"/>
+            <a:lumOff val="35000"/>
+          </a:schemeClr>
+        </a:solidFill>
+      </a:ln>
+    </cs:spPr>
+  </cs:downBar>
+  <cs:dropLine>
+    <cs:lnRef idx="0"/>
+    <cs:fillRef idx="0"/>
+    <cs:effectRef idx="0"/>
+    <cs:fontRef idx="minor">
+      <a:schemeClr val="tx1"/>
+    </cs:fontRef>
+    <cs:spPr>
+      <a:ln w="9525" cap="flat" cmpd="sng" algn="ctr">
+        <a:solidFill>
+          <a:schemeClr val="tx1">
+            <a:lumMod val="35000"/>
+            <a:lumOff val="65000"/>
+          </a:schemeClr>
+        </a:solidFill>
+        <a:round/>
+      </a:ln>
+    </cs:spPr>
+  </cs:dropLine>
+  <cs:errorBar>
+    <cs:lnRef idx="0"/>
+    <cs:fillRef idx="0"/>
+    <cs:effectRef idx="0"/>
+    <cs:fontRef idx="minor">
+      <a:schemeClr val="tx1"/>
+    </cs:fontRef>
+    <cs:spPr>
+      <a:ln w="9525" cap="flat" cmpd="sng" algn="ctr">
+        <a:solidFill>
+          <a:schemeClr val="tx1">
+            <a:lumMod val="65000"/>
+            <a:lumOff val="35000"/>
+          </a:schemeClr>
+        </a:solidFill>
+        <a:round/>
+      </a:ln>
+    </cs:spPr>
+  </cs:errorBar>
+  <cs:floor>
+    <cs:lnRef idx="0"/>
+    <cs:fillRef idx="0"/>
+    <cs:effectRef idx="0"/>
+    <cs:fontRef idx="minor">
+      <a:schemeClr val="tx1"/>
+    </cs:fontRef>
+    <cs:spPr>
+      <a:noFill/>
+      <a:ln>
+        <a:noFill/>
+      </a:ln>
+    </cs:spPr>
+  </cs:floor>
+  <cs:gridlineMajor>
+    <cs:lnRef idx="0"/>
+    <cs:fillRef idx="0"/>
+    <cs:effectRef idx="0"/>
+    <cs:fontRef idx="minor">
+      <a:schemeClr val="tx1"/>
+    </cs:fontRef>
+    <cs:spPr>
+      <a:ln w="9525" cap="flat" cmpd="sng" algn="ctr">
+        <a:solidFill>
+          <a:schemeClr val="tx1">
+            <a:lumMod val="15000"/>
+            <a:lumOff val="85000"/>
+          </a:schemeClr>
+        </a:solidFill>
+        <a:round/>
+      </a:ln>
+    </cs:spPr>
+  </cs:gridlineMajor>
+  <cs:gridlineMinor>
+    <cs:lnRef idx="0"/>
+    <cs:fillRef idx="0"/>
+    <cs:effectRef idx="0"/>
+    <cs:fontRef idx="minor">
+      <a:schemeClr val="tx1"/>
+    </cs:fontRef>
+    <cs:spPr>
+      <a:ln w="9525" cap="flat" cmpd="sng" algn="ctr">
+        <a:solidFill>
+          <a:schemeClr val="tx1">
+            <a:lumMod val="5000"/>
+            <a:lumOff val="95000"/>
+          </a:schemeClr>
+        </a:solidFill>
+        <a:round/>
+      </a:ln>
+    </cs:spPr>
+  </cs:gridlineMinor>
+  <cs:hiLoLine>
+    <cs:lnRef idx="0"/>
+    <cs:fillRef idx="0"/>
+    <cs:effectRef idx="0"/>
+    <cs:fontRef idx="minor">
+      <a:schemeClr val="tx1"/>
+    </cs:fontRef>
+    <cs:spPr>
+      <a:ln w="9525" cap="flat" cmpd="sng" algn="ctr">
+        <a:solidFill>
+          <a:schemeClr val="tx1">
+            <a:lumMod val="75000"/>
+            <a:lumOff val="25000"/>
+          </a:schemeClr>
+        </a:solidFill>
+        <a:round/>
+      </a:ln>
+    </cs:spPr>
+  </cs:hiLoLine>
+  <cs:leaderLine>
+    <cs:lnRef idx="0"/>
+    <cs:fillRef idx="0"/>
+    <cs:effectRef idx="0"/>
+    <cs:fontRef idx="minor">
+      <a:schemeClr val="tx1"/>
+    </cs:fontRef>
+    <cs:spPr>
+      <a:ln w="9525" cap="flat" cmpd="sng" algn="ctr">
+        <a:solidFill>
+          <a:schemeClr val="tx1">
+            <a:lumMod val="35000"/>
+            <a:lumOff val="65000"/>
+          </a:schemeClr>
+        </a:solidFill>
+        <a:round/>
+      </a:ln>
+    </cs:spPr>
+  </cs:leaderLine>
+  <cs:legend>
+    <cs:lnRef idx="0"/>
+    <cs:fillRef idx="0"/>
+    <cs:effectRef idx="0"/>
+    <cs:fontRef idx="minor">
+      <a:schemeClr val="tx1">
+        <a:lumMod val="65000"/>
+        <a:lumOff val="35000"/>
+      </a:schemeClr>
+    </cs:fontRef>
+    <cs:defRPr sz="1197" kern="1200"/>
+  </cs:legend>
+  <cs:plotArea mods="allowNoFillOverride allowNoLineOverride">
+    <cs:lnRef idx="0"/>
+    <cs:fillRef idx="0"/>
+    <cs:effectRef idx="0"/>
+    <cs:fontRef idx="minor">
+      <a:schemeClr val="tx1"/>
+    </cs:fontRef>
+  </cs:plotArea>
+  <cs:plotArea3D mods="allowNoFillOverride allowNoLineOverride">
+    <cs:lnRef idx="0"/>
+    <cs:fillRef idx="0"/>
+    <cs:effectRef idx="0"/>
+    <cs:fontRef idx="minor">
+      <a:schemeClr val="tx1"/>
+    </cs:fontRef>
+  </cs:plotArea3D>
+  <cs:seriesAxis>
+    <cs:lnRef idx="0"/>
+    <cs:fillRef idx="0"/>
+    <cs:effectRef idx="0"/>
+    <cs:fontRef idx="minor">
+      <a:schemeClr val="tx1">
+        <a:lumMod val="65000"/>
+        <a:lumOff val="35000"/>
+      </a:schemeClr>
+    </cs:fontRef>
+    <cs:defRPr sz="1197" kern="1200"/>
+  </cs:seriesAxis>
+  <cs:seriesLine>
+    <cs:lnRef idx="0"/>
+    <cs:fillRef idx="0"/>
+    <cs:effectRef idx="0"/>
+    <cs:fontRef idx="minor">
+      <a:schemeClr val="tx1"/>
+    </cs:fontRef>
+    <cs:spPr>
+      <a:ln w="9525" cap="flat" cmpd="sng" algn="ctr">
+        <a:solidFill>
+          <a:schemeClr val="tx1">
+            <a:lumMod val="35000"/>
+            <a:lumOff val="65000"/>
+          </a:schemeClr>
+        </a:solidFill>
+        <a:round/>
+      </a:ln>
+    </cs:spPr>
+  </cs:seriesLine>
+  <cs:title>
+    <cs:lnRef idx="0"/>
+    <cs:fillRef idx="0"/>
+    <cs:effectRef idx="0"/>
+    <cs:fontRef idx="minor">
+      <a:schemeClr val="tx1">
+        <a:lumMod val="65000"/>
+        <a:lumOff val="35000"/>
+      </a:schemeClr>
+    </cs:fontRef>
+    <cs:defRPr sz="1862" b="0" kern="1200" spc="0" baseline="0"/>
+  </cs:title>
+  <cs:trendline>
+    <cs:lnRef idx="0">
+      <cs:styleClr val="auto"/>
+    </cs:lnRef>
+    <cs:fillRef idx="0"/>
+    <cs:effectRef idx="0"/>
+    <cs:fontRef idx="minor">
+      <a:schemeClr val="tx1"/>
+    </cs:fontRef>
+    <cs:spPr>
+      <a:ln w="19050" cap="rnd">
+        <a:solidFill>
+          <a:schemeClr val="phClr"/>
+        </a:solidFill>
+        <a:prstDash val="sysDot"/>
+      </a:ln>
+    </cs:spPr>
+  </cs:trendline>
+  <cs:trendlineLabel>
+    <cs:lnRef idx="0"/>
+    <cs:fillRef idx="0"/>
+    <cs:effectRef idx="0"/>
+    <cs:fontRef idx="minor">
+      <a:schemeClr val="tx1">
+        <a:lumMod val="65000"/>
+        <a:lumOff val="35000"/>
+      </a:schemeClr>
+    </cs:fontRef>
+    <cs:defRPr sz="1197" kern="1200"/>
+  </cs:trendlineLabel>
+  <cs:upBar>
+    <cs:lnRef idx="0"/>
+    <cs:fillRef idx="0"/>
+    <cs:effectRef idx="0"/>
+    <cs:fontRef idx="minor">
+      <a:schemeClr val="dk1"/>
+    </cs:fontRef>
+    <cs:spPr>
+      <a:solidFill>
+        <a:schemeClr val="lt1"/>
+      </a:solidFill>
+      <a:ln w="9525">
+        <a:solidFill>
+          <a:schemeClr val="tx1">
+            <a:lumMod val="15000"/>
+            <a:lumOff val="85000"/>
+          </a:schemeClr>
+        </a:solidFill>
+      </a:ln>
+    </cs:spPr>
+  </cs:upBar>
+  <cs:valueAxis>
+    <cs:lnRef idx="0"/>
+    <cs:fillRef idx="0"/>
+    <cs:effectRef idx="0"/>
+    <cs:fontRef idx="minor">
+      <a:schemeClr val="tx1">
+        <a:lumMod val="65000"/>
+        <a:lumOff val="35000"/>
+      </a:schemeClr>
+    </cs:fontRef>
+    <cs:defRPr sz="1197" kern="1200"/>
+  </cs:valueAxis>
+  <cs:wall>
+    <cs:lnRef idx="0"/>
+    <cs:fillRef idx="0"/>
+    <cs:effectRef idx="0"/>
+    <cs:fontRef idx="minor">
+      <a:schemeClr val="tx1"/>
+    </cs:fontRef>
+    <cs:spPr>
+      <a:noFill/>
+      <a:ln>
+        <a:noFill/>
+      </a:ln>
+    </cs:spPr>
+  </cs:wall>
+</cs:chartStyle>
+</file>
+
+<file path=ppt/charts/style2.xml><?xml version="1.0" encoding="utf-8"?>
+<cs:chartStyle xmlns:cs="http://schemas.microsoft.com/office/drawing/2012/chartStyle" xmlns:a="http://schemas.openxmlformats.org/drawingml/2006/main" id="424">
+  <cs:axisTitle>
+    <cs:lnRef idx="0"/>
+    <cs:fillRef idx="0"/>
+    <cs:effectRef idx="0"/>
+    <cs:fontRef idx="minor">
+      <a:schemeClr val="dk1">
+        <a:lumMod val="75000"/>
+        <a:lumOff val="25000"/>
+      </a:schemeClr>
+    </cs:fontRef>
+    <cs:defRPr sz="1197"/>
+  </cs:axisTitle>
+  <cs:categoryAxis>
+    <cs:lnRef idx="0"/>
+    <cs:fillRef idx="0"/>
+    <cs:effectRef idx="0"/>
+    <cs:fontRef idx="minor">
+      <a:schemeClr val="dk1">
+        <a:lumMod val="75000"/>
+        <a:lumOff val="25000"/>
+      </a:schemeClr>
+    </cs:fontRef>
+    <cs:spPr>
+      <a:ln w="19050" cap="flat" cmpd="sng" algn="ctr">
+        <a:solidFill>
+          <a:schemeClr val="dk1">
+            <a:lumMod val="75000"/>
+            <a:lumOff val="25000"/>
+          </a:schemeClr>
+        </a:solidFill>
+        <a:round/>
+      </a:ln>
+    </cs:spPr>
+    <cs:defRPr sz="1197"/>
+  </cs:categoryAxis>
+  <cs:chartArea>
+    <cs:lnRef idx="0"/>
+    <cs:fillRef idx="0"/>
+    <cs:effectRef idx="0"/>
+    <cs:fontRef idx="minor">
+      <a:schemeClr val="dk1"/>
+    </cs:fontRef>
+    <cs:spPr>
+      <a:gradFill flip="none" rotWithShape="1">
+        <a:gsLst>
+          <a:gs pos="0">
+            <a:schemeClr val="lt1"/>
+          </a:gs>
+          <a:gs pos="39000">
+            <a:schemeClr val="lt1"/>
+          </a:gs>
+          <a:gs pos="100000">
+            <a:schemeClr val="lt1">
+              <a:lumMod val="75000"/>
+            </a:schemeClr>
+          </a:gs>
+        </a:gsLst>
+        <a:path path="circle">
+          <a:fillToRect l="50000" t="-80000" r="50000" b="180000"/>
+        </a:path>
+        <a:tileRect/>
+      </a:gradFill>
+      <a:ln w="9525" cap="flat" cmpd="sng" algn="ctr">
+        <a:solidFill>
+          <a:schemeClr val="dk1">
+            <a:lumMod val="25000"/>
+            <a:lumOff val="75000"/>
+          </a:schemeClr>
+        </a:solidFill>
+        <a:round/>
+      </a:ln>
+    </cs:spPr>
+    <cs:defRPr sz="1197"/>
+  </cs:chartArea>
+  <cs:dataLabel>
+    <cs:lnRef idx="0"/>
+    <cs:fillRef idx="0"/>
+    <cs:effectRef idx="0"/>
+    <cs:fontRef idx="minor">
+      <a:schemeClr val="dk1"/>
+    </cs:fontRef>
+    <cs:defRPr sz="1197"/>
+  </cs:dataLabel>
+  <cs:dataLabelCallout>
+    <cs:lnRef idx="0"/>
+    <cs:fillRef idx="0"/>
+    <cs:effectRef idx="0"/>
+    <cs:fontRef idx="minor">
+      <a:schemeClr val="lt1"/>
+    </cs:fontRef>
+    <cs:spPr>
+      <a:solidFill>
+        <a:schemeClr val="dk1">
+          <a:lumMod val="65000"/>
+          <a:lumOff val="35000"/>
+          <a:alpha val="75000"/>
+        </a:schemeClr>
+      </a:solidFill>
+    </cs:spPr>
+    <cs:defRPr sz="1197"/>
+    <cs:bodyPr rot="0" spcFirstLastPara="1" vertOverflow="clip" horzOverflow="clip" vert="horz" wrap="square" lIns="36576" tIns="18288" rIns="36576" bIns="18288" anchor="ctr" anchorCtr="1">
+      <a:spAutoFit/>
+    </cs:bodyPr>
+  </cs:dataLabelCallout>
+  <cs:dataPoint>
+    <cs:lnRef idx="0"/>
+    <cs:fillRef idx="0">
+      <cs:styleClr val="auto"/>
+    </cs:fillRef>
+    <cs:effectRef idx="0"/>
+    <cs:fontRef idx="minor">
+      <a:schemeClr val="dk1"/>
+    </cs:fontRef>
+    <cs:spPr>
+      <a:solidFill>
+        <a:schemeClr val="phClr"/>
+      </a:solidFill>
+    </cs:spPr>
+  </cs:dataPoint>
+  <cs:dataPoint3D>
+    <cs:lnRef idx="0"/>
+    <cs:fillRef idx="0">
+      <cs:styleClr val="auto"/>
+    </cs:fillRef>
+    <cs:effectRef idx="0"/>
+    <cs:fontRef idx="minor">
+      <a:schemeClr val="dk1"/>
+    </cs:fontRef>
+    <cs:spPr>
+      <a:solidFill>
+        <a:schemeClr val="phClr"/>
+      </a:solidFill>
+      <a:ln w="9525" cap="flat" cmpd="sng" algn="ctr">
+        <a:solidFill>
+          <a:schemeClr val="lt1">
+            <a:alpha val="50000"/>
+          </a:schemeClr>
+        </a:solidFill>
+        <a:round/>
+      </a:ln>
+    </cs:spPr>
+  </cs:dataPoint3D>
+  <cs:dataPointLine>
+    <cs:lnRef idx="0">
+      <cs:styleClr val="auto"/>
+    </cs:lnRef>
+    <cs:fillRef idx="0"/>
+    <cs:effectRef idx="0"/>
+    <cs:fontRef idx="minor">
+      <a:schemeClr val="dk1"/>
+    </cs:fontRef>
+    <cs:spPr>
+      <a:ln w="28575" cap="rnd">
+        <a:solidFill>
+          <a:schemeClr val="phClr"/>
+        </a:solidFill>
+        <a:round/>
+      </a:ln>
+    </cs:spPr>
+  </cs:dataPointLine>
+  <cs:dataPointMarker>
+    <cs:lnRef idx="0"/>
+    <cs:fillRef idx="0">
+      <cs:styleClr val="auto"/>
+    </cs:fillRef>
+    <cs:effectRef idx="0"/>
+    <cs:fontRef idx="minor">
+      <a:schemeClr val="dk1"/>
+    </cs:fontRef>
+    <cs:spPr>
+      <a:solidFill>
+        <a:schemeClr val="phClr"/>
+      </a:solidFill>
+      <a:ln w="9525">
+        <a:solidFill>
+          <a:schemeClr val="lt1"/>
+        </a:solidFill>
+      </a:ln>
+    </cs:spPr>
+  </cs:dataPointMarker>
+  <cs:dataPointMarkerLayout symbol="circle" size="6"/>
+  <cs:dataPointWireframe>
+    <cs:lnRef idx="0">
+      <cs:styleClr val="auto"/>
+    </cs:lnRef>
+    <cs:fillRef idx="0"/>
+    <cs:effectRef idx="0"/>
+    <cs:fontRef idx="minor">
+      <a:schemeClr val="dk1"/>
+    </cs:fontRef>
+    <cs:spPr>
+      <a:ln w="28575" cap="rnd">
+        <a:solidFill>
+          <a:schemeClr val="phClr"/>
+        </a:solidFill>
+        <a:round/>
+      </a:ln>
+    </cs:spPr>
+  </cs:dataPointWireframe>
+  <cs:dataTable>
+    <cs:lnRef idx="0"/>
+    <cs:fillRef idx="0"/>
+    <cs:effectRef idx="0"/>
+    <cs:fontRef idx="minor">
+      <a:schemeClr val="dk1">
+        <a:lumMod val="75000"/>
+        <a:lumOff val="25000"/>
+      </a:schemeClr>
+    </cs:fontRef>
+    <cs:spPr>
+      <a:ln w="9525">
+        <a:solidFill>
+          <a:schemeClr val="dk1">
+            <a:lumMod val="75000"/>
+            <a:lumOff val="25000"/>
+          </a:schemeClr>
+        </a:solidFill>
+      </a:ln>
+    </cs:spPr>
+    <cs:defRPr sz="1197"/>
+  </cs:dataTable>
+  <cs:downBar>
+    <cs:lnRef idx="0"/>
+    <cs:fillRef idx="0"/>
+    <cs:effectRef idx="0"/>
+    <cs:fontRef idx="minor">
+      <a:schemeClr val="dk1"/>
+    </cs:fontRef>
+    <cs:spPr>
+      <a:solidFill>
+        <a:schemeClr val="dk1">
+          <a:lumMod val="50000"/>
+          <a:lumOff val="50000"/>
+        </a:schemeClr>
+      </a:solidFill>
+      <a:ln w="9525">
+        <a:solidFill>
+          <a:schemeClr val="dk1">
+            <a:lumMod val="65000"/>
+            <a:lumOff val="35000"/>
+          </a:schemeClr>
+        </a:solidFill>
+      </a:ln>
+    </cs:spPr>
+  </cs:downBar>
+  <cs:dropLine>
+    <cs:lnRef idx="0"/>
+    <cs:fillRef idx="0"/>
+    <cs:effectRef idx="0"/>
+    <cs:fontRef idx="minor">
+      <a:schemeClr val="dk1"/>
+    </cs:fontRef>
+    <cs:spPr>
+      <a:ln w="9525">
+        <a:solidFill>
+          <a:schemeClr val="dk1">
+            <a:lumMod val="35000"/>
+            <a:lumOff val="65000"/>
+          </a:schemeClr>
+        </a:solidFill>
+        <a:prstDash val="dash"/>
+      </a:ln>
+    </cs:spPr>
+  </cs:dropLine>
+  <cs:errorBar>
+    <cs:lnRef idx="0"/>
+    <cs:fillRef idx="0"/>
+    <cs:effectRef idx="0"/>
+    <cs:fontRef idx="minor">
+      <a:schemeClr val="tx1"/>
+    </cs:fontRef>
+    <cs:spPr>
+      <a:ln w="9525" cap="flat" cmpd="sng" algn="ctr">
+        <a:solidFill>
+          <a:schemeClr val="tx1">
+            <a:lumMod val="65000"/>
+            <a:lumOff val="35000"/>
+          </a:schemeClr>
+        </a:solidFill>
+        <a:round/>
+      </a:ln>
+    </cs:spPr>
+  </cs:errorBar>
+  <cs:floor>
+    <cs:lnRef idx="0"/>
+    <cs:fillRef idx="0"/>
+    <cs:effectRef idx="0"/>
+    <cs:fontRef idx="minor">
+      <a:schemeClr val="dk1"/>
+    </cs:fontRef>
+  </cs:floor>
+  <cs:gridlineMajor>
+    <cs:lnRef idx="0"/>
+    <cs:fillRef idx="0"/>
+    <cs:effectRef idx="0"/>
+    <cs:fontRef idx="minor">
+      <a:schemeClr val="dk1"/>
+    </cs:fontRef>
+    <cs:spPr>
+      <a:ln w="9525" cap="flat" cmpd="sng" algn="ctr">
+        <a:gradFill>
+          <a:gsLst>
+            <a:gs pos="100000">
+              <a:schemeClr val="dk1">
+                <a:lumMod val="95000"/>
+                <a:lumOff val="5000"/>
+                <a:alpha val="42000"/>
+              </a:schemeClr>
+            </a:gs>
+            <a:gs pos="0">
+              <a:schemeClr val="lt1">
+                <a:lumMod val="75000"/>
+                <a:alpha val="36000"/>
+              </a:schemeClr>
+            </a:gs>
+          </a:gsLst>
+          <a:lin ang="5400000" scaled="0"/>
+        </a:gradFill>
+        <a:round/>
+      </a:ln>
+    </cs:spPr>
+  </cs:gridlineMajor>
+  <cs:gridlineMinor>
+    <cs:lnRef idx="0"/>
+    <cs:fillRef idx="0"/>
+    <cs:effectRef idx="0"/>
+    <cs:fontRef idx="minor">
+      <a:schemeClr val="dk1"/>
+    </cs:fontRef>
+    <cs:spPr>
+      <a:ln>
+        <a:gradFill>
+          <a:gsLst>
+            <a:gs pos="100000">
+              <a:schemeClr val="dk1">
+                <a:lumMod val="95000"/>
+                <a:lumOff val="5000"/>
+                <a:alpha val="42000"/>
+                <a:lumOff val="10000"/>
+              </a:schemeClr>
+            </a:gs>
+            <a:gs pos="0">
+              <a:schemeClr val="lt1">
+                <a:lumMod val="75000"/>
+                <a:alpha val="36000"/>
+                <a:lumOff val="10000"/>
+              </a:schemeClr>
+            </a:gs>
+          </a:gsLst>
+          <a:lin ang="5400000" scaled="0"/>
+        </a:gradFill>
+      </a:ln>
+    </cs:spPr>
+  </cs:gridlineMinor>
+  <cs:hiLoLine>
+    <cs:lnRef idx="0"/>
+    <cs:fillRef idx="0"/>
+    <cs:effectRef idx="0"/>
+    <cs:fontRef idx="minor">
+      <a:schemeClr val="dk1"/>
+    </cs:fontRef>
+    <cs:spPr>
+      <a:ln w="9525">
+        <a:solidFill>
+          <a:schemeClr val="dk1">
+            <a:lumMod val="35000"/>
+            <a:lumOff val="65000"/>
+          </a:schemeClr>
+        </a:solidFill>
+        <a:prstDash val="dash"/>
+      </a:ln>
+    </cs:spPr>
+  </cs:hiLoLine>
+  <cs:leaderLine>
+    <cs:lnRef idx="0"/>
+    <cs:fillRef idx="0"/>
+    <cs:effectRef idx="0"/>
+    <cs:fontRef idx="minor">
+      <a:schemeClr val="dk1"/>
+    </cs:fontRef>
+    <cs:spPr>
+      <a:ln w="9525" cap="flat" cmpd="sng" algn="ctr">
+        <a:solidFill>
+          <a:schemeClr val="dk1">
+            <a:lumMod val="35000"/>
+            <a:lumOff val="65000"/>
+          </a:schemeClr>
+        </a:solidFill>
+        <a:round/>
+      </a:ln>
+    </cs:spPr>
+  </cs:leaderLine>
+  <cs:legend>
+    <cs:lnRef idx="0"/>
+    <cs:fillRef idx="0"/>
+    <cs:effectRef idx="0"/>
+    <cs:fontRef idx="minor">
+      <a:schemeClr val="dk1">
+        <a:lumMod val="75000"/>
+        <a:lumOff val="25000"/>
+      </a:schemeClr>
+    </cs:fontRef>
+    <cs:spPr>
+      <a:solidFill>
+        <a:schemeClr val="lt1">
+          <a:lumMod val="95000"/>
+          <a:alpha val="39000"/>
+        </a:schemeClr>
+      </a:solidFill>
+    </cs:spPr>
+    <cs:defRPr sz="1197"/>
+  </cs:legend>
+  <cs:plotArea>
+    <cs:lnRef idx="0"/>
+    <cs:fillRef idx="0"/>
+    <cs:effectRef idx="0"/>
+    <cs:fontRef idx="minor">
+      <a:schemeClr val="dk1"/>
+    </cs:fontRef>
+  </cs:plotArea>
+  <cs:plotArea3D>
+    <cs:lnRef idx="0"/>
+    <cs:fillRef idx="0"/>
+    <cs:effectRef idx="0"/>
+    <cs:fontRef idx="minor">
+      <a:schemeClr val="dk1"/>
+    </cs:fontRef>
+  </cs:plotArea3D>
+  <cs:seriesAxis>
+    <cs:lnRef idx="0"/>
+    <cs:fillRef idx="0"/>
+    <cs:effectRef idx="0"/>
+    <cs:fontRef idx="minor">
+      <a:schemeClr val="dk1">
+        <a:lumMod val="75000"/>
+        <a:lumOff val="25000"/>
+      </a:schemeClr>
+    </cs:fontRef>
+    <cs:spPr>
+      <a:ln w="19050" cap="flat" cmpd="sng" algn="ctr">
+        <a:solidFill>
+          <a:schemeClr val="dk1">
+            <a:lumMod val="75000"/>
+            <a:lumOff val="25000"/>
+          </a:schemeClr>
+        </a:solidFill>
+        <a:round/>
+      </a:ln>
+    </cs:spPr>
+    <cs:defRPr sz="1197"/>
+  </cs:seriesAxis>
+  <cs:seriesLine>
+    <cs:lnRef idx="0"/>
+    <cs:fillRef idx="0"/>
+    <cs:effectRef idx="0"/>
+    <cs:fontRef idx="minor">
+      <a:schemeClr val="dk1"/>
+    </cs:fontRef>
+    <cs:spPr>
+      <a:ln w="9525" cap="flat">
+        <a:solidFill>
+          <a:schemeClr val="bg1">
+            <a:lumMod val="50000"/>
+          </a:schemeClr>
+        </a:solidFill>
+        <a:round/>
+      </a:ln>
+    </cs:spPr>
+  </cs:seriesLine>
+  <cs:title>
+    <cs:lnRef idx="0"/>
+    <cs:fillRef idx="0"/>
+    <cs:effectRef idx="0"/>
+    <cs:fontRef idx="minor">
+      <a:schemeClr val="dk1">
+        <a:lumMod val="75000"/>
+        <a:lumOff val="25000"/>
+      </a:schemeClr>
+    </cs:fontRef>
+    <cs:defRPr sz="2200" b="1"/>
+  </cs:title>
+  <cs:trendline>
+    <cs:lnRef idx="0"/>
+    <cs:fillRef idx="0"/>
+    <cs:effectRef idx="0"/>
+    <cs:fontRef idx="minor">
+      <a:schemeClr val="dk1"/>
+    </cs:fontRef>
+    <cs:spPr>
+      <a:ln w="19050" cap="rnd">
+        <a:solidFill>
+          <a:schemeClr val="phClr"/>
+        </a:solidFill>
+        <a:prstDash val="sysDash"/>
+      </a:ln>
+    </cs:spPr>
+  </cs:trendline>
+  <cs:trendlineLabel>
+    <cs:lnRef idx="0"/>
+    <cs:fillRef idx="0"/>
+    <cs:effectRef idx="0"/>
+    <cs:fontRef idx="minor">
+      <a:schemeClr val="dk1">
+        <a:lumMod val="75000"/>
+        <a:lumOff val="25000"/>
+      </a:schemeClr>
+    </cs:fontRef>
+    <cs:defRPr sz="1197"/>
+  </cs:trendlineLabel>
+  <cs:upBar>
+    <cs:lnRef idx="0"/>
+    <cs:fillRef idx="0"/>
+    <cs:effectRef idx="0"/>
+    <cs:fontRef idx="minor">
+      <a:schemeClr val="dk1"/>
+    </cs:fontRef>
+    <cs:spPr>
+      <a:solidFill>
+        <a:schemeClr val="lt1"/>
+      </a:solidFill>
+      <a:ln w="9525">
+        <a:solidFill>
+          <a:schemeClr val="dk1">
+            <a:lumMod val="65000"/>
+            <a:lumOff val="35000"/>
+          </a:schemeClr>
+        </a:solidFill>
+      </a:ln>
+    </cs:spPr>
+  </cs:upBar>
+  <cs:valueAxis>
+    <cs:lnRef idx="0"/>
+    <cs:fillRef idx="0"/>
+    <cs:effectRef idx="0"/>
+    <cs:fontRef idx="minor">
+      <a:schemeClr val="dk1">
+        <a:lumMod val="75000"/>
+        <a:lumOff val="25000"/>
+      </a:schemeClr>
+    </cs:fontRef>
+    <cs:defRPr sz="1197"/>
+  </cs:valueAxis>
+  <cs:wall>
+    <cs:lnRef idx="0"/>
+    <cs:fillRef idx="0"/>
+    <cs:effectRef idx="0"/>
+    <cs:fontRef idx="minor">
+      <a:schemeClr val="dk1"/>
+    </cs:fontRef>
+  </cs:wall>
+</cs:chartStyle>
+</file>
+
+<file path=ppt/notesMasters/notesMaster1.xml><?xml version="1.0" encoding="utf-8"?>
+<p:notesMaster xmlns:a="http://schemas.openxmlformats.org/drawingml/2006/main" xmlns:r="http://schemas.openxmlformats.org/officeDocument/2006/relationships" xmlns:p="http://schemas.openxmlformats.org/presentationml/2006/main">
+  <p:cSld>
+    <p:bg>
+      <p:bgRef idx="1001">
+        <a:schemeClr val="bg1"/>
+      </p:bgRef>
+    </p:bg>
+    <p:spTree>
+      <p:nvGrpSpPr>
+        <p:cNvPr id="1" name=""/>
+        <p:cNvGrpSpPr/>
+        <p:nvPr/>
+      </p:nvGrpSpPr>
+      <p:grpSpPr>
+        <a:xfrm>
+          <a:off x="0" y="0"/>
+          <a:ext cx="0" cy="0"/>
+          <a:chOff x="0" y="0"/>
+          <a:chExt cx="0" cy="0"/>
+        </a:xfrm>
+      </p:grpSpPr>
+      <p:sp>
+        <p:nvSpPr>
+          <p:cNvPr id="2" name="Header Placeholder 1"/>
+          <p:cNvSpPr>
+            <a:spLocks noGrp="1"/>
+          </p:cNvSpPr>
+          <p:nvPr>
+            <p:ph type="hdr" sz="quarter"/>
+          </p:nvPr>
+        </p:nvSpPr>
+        <p:spPr>
+          <a:xfrm>
+            <a:off x="0" y="0"/>
+            <a:ext cx="2971800" cy="458788"/>
+          </a:xfrm>
+          <a:prstGeom prst="rect">
+            <a:avLst/>
+          </a:prstGeom>
+        </p:spPr>
+        <p:txBody>
+          <a:bodyPr vert="horz" lIns="91440" tIns="45720" rIns="91440" bIns="45720" rtlCol="0"/>
+          <a:lstStyle>
+            <a:lvl1pPr algn="l">
+              <a:defRPr sz="1200"/>
+            </a:lvl1pPr>
+          </a:lstStyle>
+          <a:p>
+            <a:endParaRPr lang="en-US"/>
+          </a:p>
+        </p:txBody>
+      </p:sp>
+      <p:sp>
+        <p:nvSpPr>
+          <p:cNvPr id="3" name="Date Placeholder 2"/>
+          <p:cNvSpPr>
+            <a:spLocks noGrp="1"/>
+          </p:cNvSpPr>
+          <p:nvPr>
+            <p:ph type="dt" idx="1"/>
+          </p:nvPr>
+        </p:nvSpPr>
+        <p:spPr>
+          <a:xfrm>
+            <a:off x="3884613" y="0"/>
+            <a:ext cx="2971800" cy="458788"/>
+          </a:xfrm>
+          <a:prstGeom prst="rect">
+            <a:avLst/>
+          </a:prstGeom>
+        </p:spPr>
+        <p:txBody>
+          <a:bodyPr vert="horz" lIns="91440" tIns="45720" rIns="91440" bIns="45720" rtlCol="0"/>
+          <a:lstStyle>
+            <a:lvl1pPr algn="r">
+              <a:defRPr sz="1200"/>
+            </a:lvl1pPr>
+          </a:lstStyle>
+          <a:p>
+            <a:fld id="{69241CAA-FB96-4B51-B107-BF41FDCFFF00}" type="datetimeFigureOut">
+              <a:rPr lang="en-US" smtClean="0"/>
+              <a:t>5/21/2024</a:t>
+            </a:fld>
+            <a:endParaRPr lang="en-US"/>
+          </a:p>
+        </p:txBody>
+      </p:sp>
+      <p:sp>
+        <p:nvSpPr>
+          <p:cNvPr id="4" name="Slide Image Placeholder 3"/>
+          <p:cNvSpPr>
+            <a:spLocks noGrp="1" noRot="1" noChangeAspect="1"/>
+          </p:cNvSpPr>
+          <p:nvPr>
+            <p:ph type="sldImg" idx="2"/>
+          </p:nvPr>
+        </p:nvSpPr>
+        <p:spPr>
+          <a:xfrm>
+            <a:off x="1371600" y="1143000"/>
+            <a:ext cx="4114800" cy="3086100"/>
+          </a:xfrm>
+          <a:prstGeom prst="rect">
+            <a:avLst/>
+          </a:prstGeom>
+          <a:noFill/>
+          <a:ln w="12700">
+            <a:solidFill>
+              <a:prstClr val="black"/>
+            </a:solidFill>
+          </a:ln>
+        </p:spPr>
+        <p:txBody>
+          <a:bodyPr vert="horz" lIns="91440" tIns="45720" rIns="91440" bIns="45720" rtlCol="0" anchor="ctr"/>
+          <a:lstStyle/>
+          <a:p>
+            <a:endParaRPr lang="en-US"/>
+          </a:p>
+        </p:txBody>
+      </p:sp>
+      <p:sp>
+        <p:nvSpPr>
+          <p:cNvPr id="5" name="Notes Placeholder 4"/>
+          <p:cNvSpPr>
+            <a:spLocks noGrp="1"/>
+          </p:cNvSpPr>
+          <p:nvPr>
+            <p:ph type="body" sz="quarter" idx="3"/>
+          </p:nvPr>
+        </p:nvSpPr>
+        <p:spPr>
+          <a:xfrm>
+            <a:off x="685800" y="4400550"/>
+            <a:ext cx="5486400" cy="3600450"/>
+          </a:xfrm>
+          <a:prstGeom prst="rect">
+            <a:avLst/>
+          </a:prstGeom>
+        </p:spPr>
+        <p:txBody>
+          <a:bodyPr vert="horz" lIns="91440" tIns="45720" rIns="91440" bIns="45720" rtlCol="0"/>
+          <a:lstStyle/>
+          <a:p>
+            <a:pPr lvl="0"/>
+            <a:r>
+              <a:rPr lang="en-US"/>
+              <a:t>Click to edit Master text styles</a:t>
+            </a:r>
+          </a:p>
+          <a:p>
+            <a:pPr lvl="1"/>
+            <a:r>
+              <a:rPr lang="en-US"/>
+              <a:t>Second level</a:t>
+            </a:r>
+          </a:p>
+          <a:p>
+            <a:pPr lvl="2"/>
+            <a:r>
+              <a:rPr lang="en-US"/>
+              <a:t>Third level</a:t>
+            </a:r>
+          </a:p>
+          <a:p>
+            <a:pPr lvl="3"/>
+            <a:r>
+              <a:rPr lang="en-US"/>
+              <a:t>Fourth level</a:t>
+            </a:r>
+          </a:p>
+          <a:p>
+            <a:pPr lvl="4"/>
+            <a:r>
+              <a:rPr lang="en-US"/>
+              <a:t>Fifth level</a:t>
+            </a:r>
+          </a:p>
+        </p:txBody>
+      </p:sp>
+      <p:sp>
+        <p:nvSpPr>
+          <p:cNvPr id="6" name="Footer Placeholder 5"/>
+          <p:cNvSpPr>
+            <a:spLocks noGrp="1"/>
+          </p:cNvSpPr>
+          <p:nvPr>
+            <p:ph type="ftr" sz="quarter" idx="4"/>
+          </p:nvPr>
+        </p:nvSpPr>
+        <p:spPr>
+          <a:xfrm>
+            <a:off x="0" y="8685213"/>
+            <a:ext cx="2971800" cy="458787"/>
+          </a:xfrm>
+          <a:prstGeom prst="rect">
+            <a:avLst/>
+          </a:prstGeom>
+        </p:spPr>
+        <p:txBody>
+          <a:bodyPr vert="horz" lIns="91440" tIns="45720" rIns="91440" bIns="45720" rtlCol="0" anchor="b"/>
+          <a:lstStyle>
+            <a:lvl1pPr algn="l">
+              <a:defRPr sz="1200"/>
+            </a:lvl1pPr>
+          </a:lstStyle>
+          <a:p>
+            <a:endParaRPr lang="en-US"/>
+          </a:p>
+        </p:txBody>
+      </p:sp>
+      <p:sp>
+        <p:nvSpPr>
+          <p:cNvPr id="7" name="Slide Number Placeholder 6"/>
+          <p:cNvSpPr>
+            <a:spLocks noGrp="1"/>
+          </p:cNvSpPr>
+          <p:nvPr>
+            <p:ph type="sldNum" sz="quarter" idx="5"/>
+          </p:nvPr>
+        </p:nvSpPr>
+        <p:spPr>
+          <a:xfrm>
+            <a:off x="3884613" y="8685213"/>
+            <a:ext cx="2971800" cy="458787"/>
+          </a:xfrm>
+          <a:prstGeom prst="rect">
+            <a:avLst/>
+          </a:prstGeom>
+        </p:spPr>
+        <p:txBody>
+          <a:bodyPr vert="horz" lIns="91440" tIns="45720" rIns="91440" bIns="45720" rtlCol="0" anchor="b"/>
+          <a:lstStyle>
+            <a:lvl1pPr algn="r">
+              <a:defRPr sz="1200"/>
+            </a:lvl1pPr>
+          </a:lstStyle>
+          <a:p>
+            <a:fld id="{7F20F945-831C-4EDB-8158-A55587C1E09B}" type="slidenum">
+              <a:rPr lang="en-US" smtClean="0"/>
+              <a:t>‹#›</a:t>
+            </a:fld>
+            <a:endParaRPr lang="en-US"/>
+          </a:p>
+        </p:txBody>
+      </p:sp>
+    </p:spTree>
+    <p:extLst>
+      <p:ext uri="{BB962C8B-B14F-4D97-AF65-F5344CB8AC3E}">
+        <p14:creationId xmlns:p14="http://schemas.microsoft.com/office/powerpoint/2010/main" val="3596481832"/>
+      </p:ext>
+    </p:extLst>
+  </p:cSld>
+  <p:clrMap bg1="lt1" tx1="dk1" bg2="lt2" tx2="dk2" accent1="accent1" accent2="accent2" accent3="accent3" accent4="accent4" accent5="accent5" accent6="accent6" hlink="hlink" folHlink="folHlink"/>
+  <p:notesStyle>
+    <a:lvl1pPr marL="0" algn="l" defTabSz="914400" rtl="0" eaLnBrk="1" latinLnBrk="0" hangingPunct="1">
+      <a:defRPr sz="1200" kern="1200">
+        <a:solidFill>
+          <a:schemeClr val="tx1"/>
+        </a:solidFill>
+        <a:latin typeface="+mn-lt"/>
+        <a:ea typeface="+mn-ea"/>
+        <a:cs typeface="+mn-cs"/>
+      </a:defRPr>
+    </a:lvl1pPr>
+    <a:lvl2pPr marL="457200" algn="l" defTabSz="914400" rtl="0" eaLnBrk="1" latinLnBrk="0" hangingPunct="1">
+      <a:defRPr sz="1200" kern="1200">
+        <a:solidFill>
+          <a:schemeClr val="tx1"/>
+        </a:solidFill>
+        <a:latin typeface="+mn-lt"/>
+        <a:ea typeface="+mn-ea"/>
+        <a:cs typeface="+mn-cs"/>
+      </a:defRPr>
+    </a:lvl2pPr>
+    <a:lvl3pPr marL="914400" algn="l" defTabSz="914400" rtl="0" eaLnBrk="1" latinLnBrk="0" hangingPunct="1">
+      <a:defRPr sz="1200" kern="1200">
+        <a:solidFill>
+          <a:schemeClr val="tx1"/>
+        </a:solidFill>
+        <a:latin typeface="+mn-lt"/>
+        <a:ea typeface="+mn-ea"/>
+        <a:cs typeface="+mn-cs"/>
+      </a:defRPr>
+    </a:lvl3pPr>
+    <a:lvl4pPr marL="1371600" algn="l" defTabSz="914400" rtl="0" eaLnBrk="1" latinLnBrk="0" hangingPunct="1">
+      <a:defRPr sz="1200" kern="1200">
+        <a:solidFill>
+          <a:schemeClr val="tx1"/>
+        </a:solidFill>
+        <a:latin typeface="+mn-lt"/>
+        <a:ea typeface="+mn-ea"/>
+        <a:cs typeface="+mn-cs"/>
+      </a:defRPr>
+    </a:lvl4pPr>
+    <a:lvl5pPr marL="1828800" algn="l" defTabSz="914400" rtl="0" eaLnBrk="1" latinLnBrk="0" hangingPunct="1">
+      <a:defRPr sz="1200" kern="1200">
+        <a:solidFill>
+          <a:schemeClr val="tx1"/>
+        </a:solidFill>
+        <a:latin typeface="+mn-lt"/>
+        <a:ea typeface="+mn-ea"/>
+        <a:cs typeface="+mn-cs"/>
+      </a:defRPr>
+    </a:lvl5pPr>
+    <a:lvl6pPr marL="2286000" algn="l" defTabSz="914400" rtl="0" eaLnBrk="1" latinLnBrk="0" hangingPunct="1">
+      <a:defRPr sz="1200" kern="1200">
+        <a:solidFill>
+          <a:schemeClr val="tx1"/>
+        </a:solidFill>
+        <a:latin typeface="+mn-lt"/>
+        <a:ea typeface="+mn-ea"/>
+        <a:cs typeface="+mn-cs"/>
+      </a:defRPr>
+    </a:lvl6pPr>
+    <a:lvl7pPr marL="2743200" algn="l" defTabSz="914400" rtl="0" eaLnBrk="1" latinLnBrk="0" hangingPunct="1">
+      <a:defRPr sz="1200" kern="1200">
+        <a:solidFill>
+          <a:schemeClr val="tx1"/>
+        </a:solidFill>
+        <a:latin typeface="+mn-lt"/>
+        <a:ea typeface="+mn-ea"/>
+        <a:cs typeface="+mn-cs"/>
+      </a:defRPr>
+    </a:lvl7pPr>
+    <a:lvl8pPr marL="3200400" algn="l" defTabSz="914400" rtl="0" eaLnBrk="1" latinLnBrk="0" hangingPunct="1">
+      <a:defRPr sz="1200" kern="1200">
+        <a:solidFill>
+          <a:schemeClr val="tx1"/>
+        </a:solidFill>
+        <a:latin typeface="+mn-lt"/>
+        <a:ea typeface="+mn-ea"/>
+        <a:cs typeface="+mn-cs"/>
+      </a:defRPr>
+    </a:lvl8pPr>
+    <a:lvl9pPr marL="3657600" algn="l" defTabSz="914400" rtl="0" eaLnBrk="1" latinLnBrk="0" hangingPunct="1">
+      <a:defRPr sz="1200" kern="1200">
+        <a:solidFill>
+          <a:schemeClr val="tx1"/>
+        </a:solidFill>
+        <a:latin typeface="+mn-lt"/>
+        <a:ea typeface="+mn-ea"/>
+        <a:cs typeface="+mn-cs"/>
+      </a:defRPr>
+    </a:lvl9pPr>
+  </p:notesStyle>
+</p:notesMaster>
+</file>
+
+<file path=ppt/notesSlides/notesSlide1.xml><?xml version="1.0" encoding="utf-8"?>
+<p:notes xmlns:a="http://schemas.openxmlformats.org/drawingml/2006/main" xmlns:r="http://schemas.openxmlformats.org/officeDocument/2006/relationships" xmlns:p="http://schemas.openxmlformats.org/presentationml/2006/main">
+  <p:cSld>
+    <p:spTree>
+      <p:nvGrpSpPr>
+        <p:cNvPr id="1" name=""/>
+        <p:cNvGrpSpPr/>
+        <p:nvPr/>
+      </p:nvGrpSpPr>
+      <p:grpSpPr>
+        <a:xfrm>
+          <a:off x="0" y="0"/>
+          <a:ext cx="0" cy="0"/>
+          <a:chOff x="0" y="0"/>
+          <a:chExt cx="0" cy="0"/>
+        </a:xfrm>
+      </p:grpSpPr>
+      <p:sp>
+        <p:nvSpPr>
+          <p:cNvPr id="2" name="Slide Image Placeholder 1"/>
+          <p:cNvSpPr>
+            <a:spLocks noGrp="1" noRot="1" noChangeAspect="1"/>
+          </p:cNvSpPr>
+          <p:nvPr>
+            <p:ph type="sldImg"/>
+          </p:nvPr>
+        </p:nvSpPr>
+        <p:spPr/>
+      </p:sp>
+      <p:sp>
+        <p:nvSpPr>
+          <p:cNvPr id="3" name="Notes Placeholder 2"/>
+          <p:cNvSpPr>
+            <a:spLocks noGrp="1"/>
+          </p:cNvSpPr>
+          <p:nvPr>
+            <p:ph type="body" idx="1"/>
+          </p:nvPr>
+        </p:nvSpPr>
+        <p:spPr/>
+        <p:txBody>
+          <a:bodyPr/>
+          <a:lstStyle/>
+          <a:p>
+            <a:endParaRPr lang="en-US" dirty="0"/>
+          </a:p>
+        </p:txBody>
+      </p:sp>
+      <p:sp>
+        <p:nvSpPr>
+          <p:cNvPr id="4" name="Slide Number Placeholder 3"/>
+          <p:cNvSpPr>
+            <a:spLocks noGrp="1"/>
+          </p:cNvSpPr>
+          <p:nvPr>
+            <p:ph type="sldNum" sz="quarter" idx="5"/>
+          </p:nvPr>
+        </p:nvSpPr>
+        <p:spPr/>
+        <p:txBody>
+          <a:bodyPr/>
+          <a:lstStyle/>
+          <a:p>
+            <a:fld id="{7F20F945-831C-4EDB-8158-A55587C1E09B}" type="slidenum">
+              <a:rPr lang="en-US" smtClean="0"/>
+              <a:t>12</a:t>
+            </a:fld>
+            <a:endParaRPr lang="en-US"/>
+          </a:p>
+        </p:txBody>
+      </p:sp>
+    </p:spTree>
+    <p:extLst>
+      <p:ext uri="{BB962C8B-B14F-4D97-AF65-F5344CB8AC3E}">
+        <p14:creationId xmlns:p14="http://schemas.microsoft.com/office/powerpoint/2010/main" val="3398287904"/>
+      </p:ext>
+    </p:extLst>
+  </p:cSld>
+  <p:clrMapOvr>
+    <a:masterClrMapping/>
+  </p:clrMapOvr>
+</p:notes>
 </file>
 
 <file path=ppt/slideLayouts/slideLayout1.xml><?xml version="1.0" encoding="utf-8"?>
@@ -145,19 +2433,40 @@
         </p:nvSpPr>
         <p:spPr>
           <a:xfrm>
-            <a:off x="685800" y="2130425"/>
-            <a:ext cx="7772400" cy="1470025"/>
+            <a:off x="819314" y="596019"/>
+            <a:ext cx="7510506" cy="3213982"/>
           </a:xfrm>
         </p:spPr>
         <p:txBody>
-          <a:bodyPr/>
-          <a:lstStyle/>
-          <a:p>
-            <a:r>
-              <a:rPr lang="en-US" smtClean="0"/>
+          <a:bodyPr anchor="b">
+            <a:normAutofit/>
+          </a:bodyPr>
+          <a:lstStyle>
+            <a:lvl1pPr algn="ctr">
+              <a:defRPr sz="4000">
+                <a:effectLst>
+                  <a:glow rad="38100">
+                    <a:schemeClr val="bg1">
+                      <a:lumMod val="65000"/>
+                      <a:lumOff val="35000"/>
+                      <a:alpha val="50000"/>
+                    </a:schemeClr>
+                  </a:glow>
+                  <a:outerShdw blurRad="28575" dist="31750" dir="13200000" algn="tl" rotWithShape="0">
+                    <a:srgbClr val="000000">
+                      <a:alpha val="25000"/>
+                    </a:srgbClr>
+                  </a:outerShdw>
+                </a:effectLst>
+              </a:defRPr>
+            </a:lvl1pPr>
+          </a:lstStyle>
+          <a:p>
+            <a:r>
+              <a:rPr lang="en-US"/>
               <a:t>Click to edit Master title style</a:t>
             </a:r>
-            <a:endParaRPr lang="en-US"/>
+            <a:endParaRPr lang="en-US" dirty="0"/>
           </a:p>
         </p:txBody>
       </p:sp>
@@ -173,14 +2482,35 @@
         </p:nvSpPr>
         <p:spPr>
           <a:xfrm>
-            <a:off x="1371600" y="3886200"/>
-            <a:ext cx="6400800" cy="1752600"/>
+            <a:off x="819314" y="3886200"/>
+            <a:ext cx="7510506" cy="2219108"/>
           </a:xfrm>
         </p:spPr>
         <p:txBody>
-          <a:bodyPr/>
+          <a:bodyPr anchor="t">
+            <a:normAutofit/>
+          </a:bodyPr>
           <a:lstStyle>
             <a:lvl1pPr marL="0" indent="0" algn="ctr">
+              <a:buNone/>
+              <a:defRPr sz="1800">
+                <a:gradFill flip="none" rotWithShape="1">
+                  <a:gsLst>
+                    <a:gs pos="0">
+                      <a:schemeClr val="tx1"/>
+                    </a:gs>
+                    <a:gs pos="100000">
+                      <a:schemeClr val="tx1">
+                        <a:lumMod val="75000"/>
+                      </a:schemeClr>
+                    </a:gs>
+                  </a:gsLst>
+                  <a:lin ang="0" scaled="1"/>
+                  <a:tileRect/>
+                </a:gradFill>
+              </a:defRPr>
+            </a:lvl1pPr>
+            <a:lvl2pPr marL="457200" indent="0" algn="ctr">
               <a:buNone/>
               <a:defRPr>
                 <a:solidFill>
@@ -189,8 +2519,8 @@
                   </a:schemeClr>
                 </a:solidFill>
               </a:defRPr>
-            </a:lvl1pPr>
-            <a:lvl2pPr marL="457200" indent="0" algn="ctr">
+            </a:lvl2pPr>
+            <a:lvl3pPr marL="914400" indent="0" algn="ctr">
               <a:buNone/>
               <a:defRPr>
                 <a:solidFill>
@@ -199,8 +2529,8 @@
                   </a:schemeClr>
                 </a:solidFill>
               </a:defRPr>
-            </a:lvl2pPr>
-            <a:lvl3pPr marL="914400" indent="0" algn="ctr">
+            </a:lvl3pPr>
+            <a:lvl4pPr marL="1371600" indent="0" algn="ctr">
               <a:buNone/>
               <a:defRPr>
                 <a:solidFill>
@@ -209,8 +2539,8 @@
                   </a:schemeClr>
                 </a:solidFill>
               </a:defRPr>
-            </a:lvl3pPr>
-            <a:lvl4pPr marL="1371600" indent="0" algn="ctr">
+            </a:lvl4pPr>
+            <a:lvl5pPr marL="1828800" indent="0" algn="ctr">
               <a:buNone/>
               <a:defRPr>
                 <a:solidFill>
@@ -219,8 +2549,8 @@
                   </a:schemeClr>
                 </a:solidFill>
               </a:defRPr>
-            </a:lvl4pPr>
-            <a:lvl5pPr marL="1828800" indent="0" algn="ctr">
+            </a:lvl5pPr>
+            <a:lvl6pPr marL="2286000" indent="0" algn="ctr">
               <a:buNone/>
               <a:defRPr>
                 <a:solidFill>
@@ -229,8 +2559,8 @@
                   </a:schemeClr>
                 </a:solidFill>
               </a:defRPr>
-            </a:lvl5pPr>
-            <a:lvl6pPr marL="2286000" indent="0" algn="ctr">
+            </a:lvl6pPr>
+            <a:lvl7pPr marL="2743200" indent="0" algn="ctr">
               <a:buNone/>
               <a:defRPr>
                 <a:solidFill>
@@ -239,8 +2569,8 @@
                   </a:schemeClr>
                 </a:solidFill>
               </a:defRPr>
-            </a:lvl6pPr>
-            <a:lvl7pPr marL="2743200" indent="0" algn="ctr">
+            </a:lvl7pPr>
+            <a:lvl8pPr marL="3200400" indent="0" algn="ctr">
               <a:buNone/>
               <a:defRPr>
                 <a:solidFill>
@@ -249,8 +2579,8 @@
                   </a:schemeClr>
                 </a:solidFill>
               </a:defRPr>
-            </a:lvl7pPr>
-            <a:lvl8pPr marL="3200400" indent="0" algn="ctr">
+            </a:lvl8pPr>
+            <a:lvl9pPr marL="3657600" indent="0" algn="ctr">
               <a:buNone/>
               <a:defRPr>
                 <a:solidFill>
@@ -259,24 +2589,14 @@
                   </a:schemeClr>
                 </a:solidFill>
               </a:defRPr>
-            </a:lvl8pPr>
-            <a:lvl9pPr marL="3657600" indent="0" algn="ctr">
-              <a:buNone/>
-              <a:defRPr>
-                <a:solidFill>
-                  <a:schemeClr val="tx1">
-                    <a:tint val="75000"/>
-                  </a:schemeClr>
-                </a:solidFill>
-              </a:defRPr>
             </a:lvl9pPr>
           </a:lstStyle>
           <a:p>
             <a:r>
-              <a:rPr lang="en-US" smtClean="0"/>
+              <a:rPr lang="en-US"/>
               <a:t>Click to edit Master subtitle style</a:t>
             </a:r>
-            <a:endParaRPr lang="en-US"/>
+            <a:endParaRPr lang="en-US" dirty="0"/>
           </a:p>
         </p:txBody>
       </p:sp>
@@ -297,7 +2617,7 @@
           <a:p>
             <a:fld id="{5BCAD085-E8A6-8845-BD4E-CB4CCA059FC4}" type="datetimeFigureOut">
               <a:rPr lang="en-US" smtClean="0"/>
-              <a:t>1/27/13</a:t>
+              <a:t>5/21/2024</a:t>
             </a:fld>
             <a:endParaRPr lang="en-US"/>
           </a:p>
@@ -348,7 +2668,7 @@
     </p:spTree>
     <p:extLst>
       <p:ext uri="{BB962C8B-B14F-4D97-AF65-F5344CB8AC3E}">
-        <p14:creationId xmlns:p14="http://schemas.microsoft.com/office/powerpoint/2010/main" val="3168075583"/>
+        <p14:creationId xmlns:p14="http://schemas.microsoft.com/office/powerpoint/2010/main" val="2173422561"/>
       </p:ext>
     </p:extLst>
   </p:cSld>
@@ -359,6 +2679,2288 @@
 </file>
 
 <file path=ppt/slideLayouts/slideLayout10.xml><?xml version="1.0" encoding="utf-8"?>
+<p:sldLayout xmlns:a="http://schemas.openxmlformats.org/drawingml/2006/main" xmlns:r="http://schemas.openxmlformats.org/officeDocument/2006/relationships" xmlns:p="http://schemas.openxmlformats.org/presentationml/2006/main" preserve="1">
+  <p:cSld name="Panoramic Picture with Caption">
+    <p:spTree>
+      <p:nvGrpSpPr>
+        <p:cNvPr id="1" name=""/>
+        <p:cNvGrpSpPr/>
+        <p:nvPr/>
+      </p:nvGrpSpPr>
+      <p:grpSpPr>
+        <a:xfrm>
+          <a:off x="0" y="0"/>
+          <a:ext cx="0" cy="0"/>
+          <a:chOff x="0" y="0"/>
+          <a:chExt cx="0" cy="0"/>
+        </a:xfrm>
+      </p:grpSpPr>
+      <p:sp>
+        <p:nvSpPr>
+          <p:cNvPr id="2" name="Title 1"/>
+          <p:cNvSpPr>
+            <a:spLocks noGrp="1"/>
+          </p:cNvSpPr>
+          <p:nvPr>
+            <p:ph type="title"/>
+          </p:nvPr>
+        </p:nvSpPr>
+        <p:spPr>
+          <a:xfrm>
+            <a:off x="917677" y="4377485"/>
+            <a:ext cx="7413007" cy="907505"/>
+          </a:xfrm>
+        </p:spPr>
+        <p:txBody>
+          <a:bodyPr anchor="b">
+            <a:normAutofit/>
+          </a:bodyPr>
+          <a:lstStyle>
+            <a:lvl1pPr algn="l">
+              <a:defRPr sz="2000" b="0"/>
+            </a:lvl1pPr>
+          </a:lstStyle>
+          <a:p>
+            <a:r>
+              <a:rPr lang="en-US"/>
+              <a:t>Click to edit Master title style</a:t>
+            </a:r>
+            <a:endParaRPr lang="en-US" dirty="0"/>
+          </a:p>
+        </p:txBody>
+      </p:sp>
+      <p:sp>
+        <p:nvSpPr>
+          <p:cNvPr id="3" name="Picture Placeholder 2"/>
+          <p:cNvSpPr>
+            <a:spLocks noGrp="1" noChangeAspect="1"/>
+          </p:cNvSpPr>
+          <p:nvPr>
+            <p:ph type="pic" idx="1"/>
+          </p:nvPr>
+        </p:nvSpPr>
+        <p:spPr>
+          <a:xfrm>
+            <a:off x="917678" y="996188"/>
+            <a:ext cx="7301427" cy="2981126"/>
+          </a:xfrm>
+          <a:prstGeom prst="roundRect">
+            <a:avLst>
+              <a:gd name="adj" fmla="val 4380"/>
+            </a:avLst>
+          </a:prstGeom>
+          <a:ln w="38100">
+            <a:gradFill flip="none" rotWithShape="1">
+              <a:gsLst>
+                <a:gs pos="0">
+                  <a:schemeClr val="bg2"/>
+                </a:gs>
+                <a:gs pos="100000">
+                  <a:schemeClr val="bg2">
+                    <a:lumMod val="75000"/>
+                  </a:schemeClr>
+                </a:gs>
+              </a:gsLst>
+              <a:lin ang="5400000" scaled="0"/>
+              <a:tileRect/>
+            </a:gradFill>
+          </a:ln>
+          <a:effectLst>
+            <a:innerShdw blurRad="57150" dist="38100" dir="14460000">
+              <a:srgbClr val="000000">
+                <a:alpha val="70000"/>
+              </a:srgbClr>
+            </a:innerShdw>
+          </a:effectLst>
+        </p:spPr>
+        <p:txBody>
+          <a:bodyPr anchor="t">
+            <a:normAutofit/>
+          </a:bodyPr>
+          <a:lstStyle>
+            <a:lvl1pPr marL="0" indent="0" algn="ctr">
+              <a:buNone/>
+              <a:defRPr sz="1600"/>
+            </a:lvl1pPr>
+            <a:lvl2pPr marL="457200" indent="0">
+              <a:buNone/>
+              <a:defRPr sz="1600"/>
+            </a:lvl2pPr>
+            <a:lvl3pPr marL="914400" indent="0">
+              <a:buNone/>
+              <a:defRPr sz="1600"/>
+            </a:lvl3pPr>
+            <a:lvl4pPr marL="1371600" indent="0">
+              <a:buNone/>
+              <a:defRPr sz="1600"/>
+            </a:lvl4pPr>
+            <a:lvl5pPr marL="1828800" indent="0">
+              <a:buNone/>
+              <a:defRPr sz="1600"/>
+            </a:lvl5pPr>
+            <a:lvl6pPr marL="2286000" indent="0">
+              <a:buNone/>
+              <a:defRPr sz="1600"/>
+            </a:lvl6pPr>
+            <a:lvl7pPr marL="2743200" indent="0">
+              <a:buNone/>
+              <a:defRPr sz="1600"/>
+            </a:lvl7pPr>
+            <a:lvl8pPr marL="3200400" indent="0">
+              <a:buNone/>
+              <a:defRPr sz="1600"/>
+            </a:lvl8pPr>
+            <a:lvl9pPr marL="3657600" indent="0">
+              <a:buNone/>
+              <a:defRPr sz="1600"/>
+            </a:lvl9pPr>
+          </a:lstStyle>
+          <a:p>
+            <a:r>
+              <a:rPr lang="en-US"/>
+              <a:t>Click icon to add picture</a:t>
+            </a:r>
+            <a:endParaRPr lang="en-US" dirty="0"/>
+          </a:p>
+        </p:txBody>
+      </p:sp>
+      <p:sp>
+        <p:nvSpPr>
+          <p:cNvPr id="4" name="Text Placeholder 3"/>
+          <p:cNvSpPr>
+            <a:spLocks noGrp="1"/>
+          </p:cNvSpPr>
+          <p:nvPr>
+            <p:ph type="body" sz="half" idx="2"/>
+          </p:nvPr>
+        </p:nvSpPr>
+        <p:spPr>
+          <a:xfrm>
+            <a:off x="917677" y="5284990"/>
+            <a:ext cx="7413007" cy="817070"/>
+          </a:xfrm>
+        </p:spPr>
+        <p:txBody>
+          <a:bodyPr>
+            <a:normAutofit/>
+          </a:bodyPr>
+          <a:lstStyle>
+            <a:lvl1pPr marL="0" indent="0">
+              <a:buNone/>
+              <a:defRPr sz="1400"/>
+            </a:lvl1pPr>
+            <a:lvl2pPr marL="457200" indent="0">
+              <a:buNone/>
+              <a:defRPr sz="1200"/>
+            </a:lvl2pPr>
+            <a:lvl3pPr marL="914400" indent="0">
+              <a:buNone/>
+              <a:defRPr sz="1000"/>
+            </a:lvl3pPr>
+            <a:lvl4pPr marL="1371600" indent="0">
+              <a:buNone/>
+              <a:defRPr sz="900"/>
+            </a:lvl4pPr>
+            <a:lvl5pPr marL="1828800" indent="0">
+              <a:buNone/>
+              <a:defRPr sz="900"/>
+            </a:lvl5pPr>
+            <a:lvl6pPr marL="2286000" indent="0">
+              <a:buNone/>
+              <a:defRPr sz="900"/>
+            </a:lvl6pPr>
+            <a:lvl7pPr marL="2743200" indent="0">
+              <a:buNone/>
+              <a:defRPr sz="900"/>
+            </a:lvl7pPr>
+            <a:lvl8pPr marL="3200400" indent="0">
+              <a:buNone/>
+              <a:defRPr sz="900"/>
+            </a:lvl8pPr>
+            <a:lvl9pPr marL="3657600" indent="0">
+              <a:buNone/>
+              <a:defRPr sz="900"/>
+            </a:lvl9pPr>
+          </a:lstStyle>
+          <a:p>
+            <a:pPr lvl="0"/>
+            <a:r>
+              <a:rPr lang="en-US"/>
+              <a:t>Click to edit Master text styles</a:t>
+            </a:r>
+          </a:p>
+        </p:txBody>
+      </p:sp>
+      <p:sp>
+        <p:nvSpPr>
+          <p:cNvPr id="5" name="Date Placeholder 4"/>
+          <p:cNvSpPr>
+            <a:spLocks noGrp="1"/>
+          </p:cNvSpPr>
+          <p:nvPr>
+            <p:ph type="dt" sz="half" idx="10"/>
+          </p:nvPr>
+        </p:nvSpPr>
+        <p:spPr/>
+        <p:txBody>
+          <a:bodyPr/>
+          <a:lstStyle/>
+          <a:p>
+            <a:fld id="{5BCAD085-E8A6-8845-BD4E-CB4CCA059FC4}" type="datetimeFigureOut">
+              <a:rPr lang="en-US" smtClean="0"/>
+              <a:t>5/21/2024</a:t>
+            </a:fld>
+            <a:endParaRPr lang="en-US"/>
+          </a:p>
+        </p:txBody>
+      </p:sp>
+      <p:sp>
+        <p:nvSpPr>
+          <p:cNvPr id="6" name="Footer Placeholder 5"/>
+          <p:cNvSpPr>
+            <a:spLocks noGrp="1"/>
+          </p:cNvSpPr>
+          <p:nvPr>
+            <p:ph type="ftr" sz="quarter" idx="11"/>
+          </p:nvPr>
+        </p:nvSpPr>
+        <p:spPr>
+          <a:xfrm>
+            <a:off x="917678" y="6181344"/>
+            <a:ext cx="5337278" cy="365125"/>
+          </a:xfrm>
+        </p:spPr>
+        <p:txBody>
+          <a:bodyPr/>
+          <a:lstStyle/>
+          <a:p>
+            <a:endParaRPr lang="en-US"/>
+          </a:p>
+        </p:txBody>
+      </p:sp>
+      <p:sp>
+        <p:nvSpPr>
+          <p:cNvPr id="7" name="Slide Number Placeholder 6"/>
+          <p:cNvSpPr>
+            <a:spLocks noGrp="1"/>
+          </p:cNvSpPr>
+          <p:nvPr>
+            <p:ph type="sldNum" sz="quarter" idx="12"/>
+          </p:nvPr>
+        </p:nvSpPr>
+        <p:spPr/>
+        <p:txBody>
+          <a:bodyPr/>
+          <a:lstStyle/>
+          <a:p>
+            <a:fld id="{C1FF6DA9-008F-8B48-92A6-B652298478BF}" type="slidenum">
+              <a:rPr lang="en-US" smtClean="0"/>
+              <a:t>‹#›</a:t>
+            </a:fld>
+            <a:endParaRPr lang="en-US"/>
+          </a:p>
+        </p:txBody>
+      </p:sp>
+    </p:spTree>
+    <p:extLst>
+      <p:ext uri="{BB962C8B-B14F-4D97-AF65-F5344CB8AC3E}">
+        <p14:creationId xmlns:p14="http://schemas.microsoft.com/office/powerpoint/2010/main" val="3075853219"/>
+      </p:ext>
+    </p:extLst>
+  </p:cSld>
+  <p:clrMapOvr>
+    <a:masterClrMapping/>
+  </p:clrMapOvr>
+</p:sldLayout>
+</file>
+
+<file path=ppt/slideLayouts/slideLayout11.xml><?xml version="1.0" encoding="utf-8"?>
+<p:sldLayout xmlns:a="http://schemas.openxmlformats.org/drawingml/2006/main" xmlns:r="http://schemas.openxmlformats.org/officeDocument/2006/relationships" xmlns:p="http://schemas.openxmlformats.org/presentationml/2006/main" preserve="1">
+  <p:cSld name="Title and Caption">
+    <p:spTree>
+      <p:nvGrpSpPr>
+        <p:cNvPr id="1" name=""/>
+        <p:cNvGrpSpPr/>
+        <p:nvPr/>
+      </p:nvGrpSpPr>
+      <p:grpSpPr>
+        <a:xfrm>
+          <a:off x="0" y="0"/>
+          <a:ext cx="0" cy="0"/>
+          <a:chOff x="0" y="0"/>
+          <a:chExt cx="0" cy="0"/>
+        </a:xfrm>
+      </p:grpSpPr>
+      <p:sp>
+        <p:nvSpPr>
+          <p:cNvPr id="2" name="Title 1"/>
+          <p:cNvSpPr>
+            <a:spLocks noGrp="1"/>
+          </p:cNvSpPr>
+          <p:nvPr>
+            <p:ph type="title"/>
+          </p:nvPr>
+        </p:nvSpPr>
+        <p:spPr>
+          <a:xfrm>
+            <a:off x="818347" y="596018"/>
+            <a:ext cx="7511474" cy="3137782"/>
+          </a:xfrm>
+        </p:spPr>
+        <p:txBody>
+          <a:bodyPr anchor="ctr">
+            <a:normAutofit/>
+          </a:bodyPr>
+          <a:lstStyle>
+            <a:lvl1pPr algn="l">
+              <a:defRPr sz="2800" b="0" cap="all"/>
+            </a:lvl1pPr>
+          </a:lstStyle>
+          <a:p>
+            <a:r>
+              <a:rPr lang="en-US"/>
+              <a:t>Click to edit Master title style</a:t>
+            </a:r>
+            <a:endParaRPr lang="en-US" dirty="0"/>
+          </a:p>
+        </p:txBody>
+      </p:sp>
+      <p:sp>
+        <p:nvSpPr>
+          <p:cNvPr id="3" name="Text Placeholder 2"/>
+          <p:cNvSpPr>
+            <a:spLocks noGrp="1"/>
+          </p:cNvSpPr>
+          <p:nvPr>
+            <p:ph type="body" idx="1"/>
+          </p:nvPr>
+        </p:nvSpPr>
+        <p:spPr>
+          <a:xfrm>
+            <a:off x="818347" y="4343400"/>
+            <a:ext cx="7511474" cy="1758660"/>
+          </a:xfrm>
+        </p:spPr>
+        <p:txBody>
+          <a:bodyPr anchor="ctr">
+            <a:normAutofit/>
+          </a:bodyPr>
+          <a:lstStyle>
+            <a:lvl1pPr marL="0" indent="0" algn="l">
+              <a:buNone/>
+              <a:defRPr sz="1800">
+                <a:gradFill flip="none" rotWithShape="1">
+                  <a:gsLst>
+                    <a:gs pos="0">
+                      <a:schemeClr val="tx1"/>
+                    </a:gs>
+                    <a:gs pos="100000">
+                      <a:schemeClr val="tx1">
+                        <a:lumMod val="75000"/>
+                      </a:schemeClr>
+                    </a:gs>
+                  </a:gsLst>
+                  <a:lin ang="5400000" scaled="0"/>
+                  <a:tileRect/>
+                </a:gradFill>
+              </a:defRPr>
+            </a:lvl1pPr>
+            <a:lvl2pPr marL="457200" indent="0">
+              <a:buNone/>
+              <a:defRPr sz="1800">
+                <a:solidFill>
+                  <a:schemeClr val="tx1">
+                    <a:tint val="75000"/>
+                  </a:schemeClr>
+                </a:solidFill>
+              </a:defRPr>
+            </a:lvl2pPr>
+            <a:lvl3pPr marL="914400" indent="0">
+              <a:buNone/>
+              <a:defRPr sz="1600">
+                <a:solidFill>
+                  <a:schemeClr val="tx1">
+                    <a:tint val="75000"/>
+                  </a:schemeClr>
+                </a:solidFill>
+              </a:defRPr>
+            </a:lvl3pPr>
+            <a:lvl4pPr marL="1371600" indent="0">
+              <a:buNone/>
+              <a:defRPr sz="1400">
+                <a:solidFill>
+                  <a:schemeClr val="tx1">
+                    <a:tint val="75000"/>
+                  </a:schemeClr>
+                </a:solidFill>
+              </a:defRPr>
+            </a:lvl4pPr>
+            <a:lvl5pPr marL="1828800" indent="0">
+              <a:buNone/>
+              <a:defRPr sz="1400">
+                <a:solidFill>
+                  <a:schemeClr val="tx1">
+                    <a:tint val="75000"/>
+                  </a:schemeClr>
+                </a:solidFill>
+              </a:defRPr>
+            </a:lvl5pPr>
+            <a:lvl6pPr marL="2286000" indent="0">
+              <a:buNone/>
+              <a:defRPr sz="1400">
+                <a:solidFill>
+                  <a:schemeClr val="tx1">
+                    <a:tint val="75000"/>
+                  </a:schemeClr>
+                </a:solidFill>
+              </a:defRPr>
+            </a:lvl6pPr>
+            <a:lvl7pPr marL="2743200" indent="0">
+              <a:buNone/>
+              <a:defRPr sz="1400">
+                <a:solidFill>
+                  <a:schemeClr val="tx1">
+                    <a:tint val="75000"/>
+                  </a:schemeClr>
+                </a:solidFill>
+              </a:defRPr>
+            </a:lvl7pPr>
+            <a:lvl8pPr marL="3200400" indent="0">
+              <a:buNone/>
+              <a:defRPr sz="1400">
+                <a:solidFill>
+                  <a:schemeClr val="tx1">
+                    <a:tint val="75000"/>
+                  </a:schemeClr>
+                </a:solidFill>
+              </a:defRPr>
+            </a:lvl8pPr>
+            <a:lvl9pPr marL="3657600" indent="0">
+              <a:buNone/>
+              <a:defRPr sz="1400">
+                <a:solidFill>
+                  <a:schemeClr val="tx1">
+                    <a:tint val="75000"/>
+                  </a:schemeClr>
+                </a:solidFill>
+              </a:defRPr>
+            </a:lvl9pPr>
+          </a:lstStyle>
+          <a:p>
+            <a:pPr lvl="0"/>
+            <a:r>
+              <a:rPr lang="en-US"/>
+              <a:t>Click to edit Master text styles</a:t>
+            </a:r>
+          </a:p>
+        </p:txBody>
+      </p:sp>
+      <p:sp>
+        <p:nvSpPr>
+          <p:cNvPr id="4" name="Date Placeholder 3"/>
+          <p:cNvSpPr>
+            <a:spLocks noGrp="1"/>
+          </p:cNvSpPr>
+          <p:nvPr>
+            <p:ph type="dt" sz="half" idx="10"/>
+          </p:nvPr>
+        </p:nvSpPr>
+        <p:spPr/>
+        <p:txBody>
+          <a:bodyPr/>
+          <a:lstStyle/>
+          <a:p>
+            <a:fld id="{5BCAD085-E8A6-8845-BD4E-CB4CCA059FC4}" type="datetimeFigureOut">
+              <a:rPr lang="en-US" smtClean="0"/>
+              <a:t>5/21/2024</a:t>
+            </a:fld>
+            <a:endParaRPr lang="en-US"/>
+          </a:p>
+        </p:txBody>
+      </p:sp>
+      <p:sp>
+        <p:nvSpPr>
+          <p:cNvPr id="5" name="Footer Placeholder 4"/>
+          <p:cNvSpPr>
+            <a:spLocks noGrp="1"/>
+          </p:cNvSpPr>
+          <p:nvPr>
+            <p:ph type="ftr" sz="quarter" idx="11"/>
+          </p:nvPr>
+        </p:nvSpPr>
+        <p:spPr/>
+        <p:txBody>
+          <a:bodyPr/>
+          <a:lstStyle/>
+          <a:p>
+            <a:endParaRPr lang="en-US"/>
+          </a:p>
+        </p:txBody>
+      </p:sp>
+      <p:sp>
+        <p:nvSpPr>
+          <p:cNvPr id="6" name="Slide Number Placeholder 5"/>
+          <p:cNvSpPr>
+            <a:spLocks noGrp="1"/>
+          </p:cNvSpPr>
+          <p:nvPr>
+            <p:ph type="sldNum" sz="quarter" idx="12"/>
+          </p:nvPr>
+        </p:nvSpPr>
+        <p:spPr/>
+        <p:txBody>
+          <a:bodyPr/>
+          <a:lstStyle/>
+          <a:p>
+            <a:fld id="{C1FF6DA9-008F-8B48-92A6-B652298478BF}" type="slidenum">
+              <a:rPr lang="en-US" smtClean="0"/>
+              <a:t>‹#›</a:t>
+            </a:fld>
+            <a:endParaRPr lang="en-US"/>
+          </a:p>
+        </p:txBody>
+      </p:sp>
+    </p:spTree>
+    <p:extLst>
+      <p:ext uri="{BB962C8B-B14F-4D97-AF65-F5344CB8AC3E}">
+        <p14:creationId xmlns:p14="http://schemas.microsoft.com/office/powerpoint/2010/main" val="2483155782"/>
+      </p:ext>
+    </p:extLst>
+  </p:cSld>
+  <p:clrMapOvr>
+    <a:masterClrMapping/>
+  </p:clrMapOvr>
+</p:sldLayout>
+</file>
+
+<file path=ppt/slideLayouts/slideLayout12.xml><?xml version="1.0" encoding="utf-8"?>
+<p:sldLayout xmlns:a="http://schemas.openxmlformats.org/drawingml/2006/main" xmlns:r="http://schemas.openxmlformats.org/officeDocument/2006/relationships" xmlns:p="http://schemas.openxmlformats.org/presentationml/2006/main" preserve="1">
+  <p:cSld name="Quote with Caption">
+    <p:spTree>
+      <p:nvGrpSpPr>
+        <p:cNvPr id="1" name=""/>
+        <p:cNvGrpSpPr/>
+        <p:nvPr/>
+      </p:nvGrpSpPr>
+      <p:grpSpPr>
+        <a:xfrm>
+          <a:off x="0" y="0"/>
+          <a:ext cx="0" cy="0"/>
+          <a:chOff x="0" y="0"/>
+          <a:chExt cx="0" cy="0"/>
+        </a:xfrm>
+      </p:grpSpPr>
+      <p:sp>
+        <p:nvSpPr>
+          <p:cNvPr id="14" name="TextBox 13"/>
+          <p:cNvSpPr txBox="1"/>
+          <p:nvPr/>
+        </p:nvSpPr>
+        <p:spPr>
+          <a:xfrm>
+            <a:off x="583818" y="860276"/>
+            <a:ext cx="457319" cy="584776"/>
+          </a:xfrm>
+          <a:prstGeom prst="rect">
+            <a:avLst/>
+          </a:prstGeom>
+        </p:spPr>
+        <p:txBody>
+          <a:bodyPr vert="horz" lIns="91440" tIns="45720" rIns="91440" bIns="45720" rtlCol="0" anchor="ctr">
+            <a:noAutofit/>
+          </a:bodyPr>
+          <a:lstStyle>
+            <a:lvl1pPr>
+              <a:spcBef>
+                <a:spcPct val="0"/>
+              </a:spcBef>
+              <a:buNone/>
+              <a:defRPr sz="3200" b="0" cap="all">
+                <a:ln w="3175" cmpd="sng">
+                  <a:noFill/>
+                </a:ln>
+                <a:effectLst>
+                  <a:glow rad="38100">
+                    <a:schemeClr val="bg1">
+                      <a:lumMod val="65000"/>
+                      <a:lumOff val="35000"/>
+                      <a:alpha val="40000"/>
+                    </a:schemeClr>
+                  </a:glow>
+                  <a:outerShdw blurRad="28575" dist="38100" dir="14040000" algn="tl" rotWithShape="0">
+                    <a:srgbClr val="000000">
+                      <a:alpha val="25000"/>
+                    </a:srgbClr>
+                  </a:outerShdw>
+                </a:effectLst>
+              </a:defRPr>
+            </a:lvl1pPr>
+            <a:lvl2pPr>
+              <a:defRPr>
+                <a:solidFill>
+                  <a:schemeClr val="tx2"/>
+                </a:solidFill>
+              </a:defRPr>
+            </a:lvl2pPr>
+            <a:lvl3pPr>
+              <a:defRPr>
+                <a:solidFill>
+                  <a:schemeClr val="tx2"/>
+                </a:solidFill>
+              </a:defRPr>
+            </a:lvl3pPr>
+            <a:lvl4pPr>
+              <a:defRPr>
+                <a:solidFill>
+                  <a:schemeClr val="tx2"/>
+                </a:solidFill>
+              </a:defRPr>
+            </a:lvl4pPr>
+            <a:lvl5pPr>
+              <a:defRPr>
+                <a:solidFill>
+                  <a:schemeClr val="tx2"/>
+                </a:solidFill>
+              </a:defRPr>
+            </a:lvl5pPr>
+            <a:lvl6pPr>
+              <a:defRPr>
+                <a:solidFill>
+                  <a:schemeClr val="tx2"/>
+                </a:solidFill>
+              </a:defRPr>
+            </a:lvl6pPr>
+            <a:lvl7pPr>
+              <a:defRPr>
+                <a:solidFill>
+                  <a:schemeClr val="tx2"/>
+                </a:solidFill>
+              </a:defRPr>
+            </a:lvl7pPr>
+            <a:lvl8pPr>
+              <a:defRPr>
+                <a:solidFill>
+                  <a:schemeClr val="tx2"/>
+                </a:solidFill>
+              </a:defRPr>
+            </a:lvl8pPr>
+            <a:lvl9pPr>
+              <a:defRPr>
+                <a:solidFill>
+                  <a:schemeClr val="tx2"/>
+                </a:solidFill>
+              </a:defRPr>
+            </a:lvl9pPr>
+          </a:lstStyle>
+          <a:p>
+            <a:pPr lvl="0"/>
+            <a:r>
+              <a:rPr lang="en-US" sz="8000" dirty="0">
+                <a:solidFill>
+                  <a:schemeClr val="accent1"/>
+                </a:solidFill>
+              </a:rPr>
+              <a:t>“</a:t>
+            </a:r>
+          </a:p>
+        </p:txBody>
+      </p:sp>
+      <p:sp>
+        <p:nvSpPr>
+          <p:cNvPr id="15" name="TextBox 14"/>
+          <p:cNvSpPr txBox="1"/>
+          <p:nvPr/>
+        </p:nvSpPr>
+        <p:spPr>
+          <a:xfrm>
+            <a:off x="7888822" y="2985923"/>
+            <a:ext cx="457319" cy="584776"/>
+          </a:xfrm>
+          <a:prstGeom prst="rect">
+            <a:avLst/>
+          </a:prstGeom>
+        </p:spPr>
+        <p:txBody>
+          <a:bodyPr vert="horz" lIns="91440" tIns="45720" rIns="91440" bIns="45720" rtlCol="0" anchor="ctr">
+            <a:noAutofit/>
+          </a:bodyPr>
+          <a:lstStyle>
+            <a:lvl1pPr>
+              <a:spcBef>
+                <a:spcPct val="0"/>
+              </a:spcBef>
+              <a:buNone/>
+              <a:defRPr sz="3200" b="0" cap="all">
+                <a:ln w="3175" cmpd="sng">
+                  <a:noFill/>
+                </a:ln>
+                <a:effectLst>
+                  <a:glow rad="38100">
+                    <a:schemeClr val="bg1">
+                      <a:lumMod val="65000"/>
+                      <a:lumOff val="35000"/>
+                      <a:alpha val="40000"/>
+                    </a:schemeClr>
+                  </a:glow>
+                  <a:outerShdw blurRad="28575" dist="38100" dir="14040000" algn="tl" rotWithShape="0">
+                    <a:srgbClr val="000000">
+                      <a:alpha val="25000"/>
+                    </a:srgbClr>
+                  </a:outerShdw>
+                </a:effectLst>
+              </a:defRPr>
+            </a:lvl1pPr>
+            <a:lvl2pPr>
+              <a:defRPr>
+                <a:solidFill>
+                  <a:schemeClr val="tx2"/>
+                </a:solidFill>
+              </a:defRPr>
+            </a:lvl2pPr>
+            <a:lvl3pPr>
+              <a:defRPr>
+                <a:solidFill>
+                  <a:schemeClr val="tx2"/>
+                </a:solidFill>
+              </a:defRPr>
+            </a:lvl3pPr>
+            <a:lvl4pPr>
+              <a:defRPr>
+                <a:solidFill>
+                  <a:schemeClr val="tx2"/>
+                </a:solidFill>
+              </a:defRPr>
+            </a:lvl4pPr>
+            <a:lvl5pPr>
+              <a:defRPr>
+                <a:solidFill>
+                  <a:schemeClr val="tx2"/>
+                </a:solidFill>
+              </a:defRPr>
+            </a:lvl5pPr>
+            <a:lvl6pPr>
+              <a:defRPr>
+                <a:solidFill>
+                  <a:schemeClr val="tx2"/>
+                </a:solidFill>
+              </a:defRPr>
+            </a:lvl6pPr>
+            <a:lvl7pPr>
+              <a:defRPr>
+                <a:solidFill>
+                  <a:schemeClr val="tx2"/>
+                </a:solidFill>
+              </a:defRPr>
+            </a:lvl7pPr>
+            <a:lvl8pPr>
+              <a:defRPr>
+                <a:solidFill>
+                  <a:schemeClr val="tx2"/>
+                </a:solidFill>
+              </a:defRPr>
+            </a:lvl8pPr>
+            <a:lvl9pPr>
+              <a:defRPr>
+                <a:solidFill>
+                  <a:schemeClr val="tx2"/>
+                </a:solidFill>
+              </a:defRPr>
+            </a:lvl9pPr>
+          </a:lstStyle>
+          <a:p>
+            <a:pPr lvl="0" algn="r"/>
+            <a:r>
+              <a:rPr lang="en-US" sz="8000" dirty="0">
+                <a:solidFill>
+                  <a:schemeClr val="accent1"/>
+                </a:solidFill>
+              </a:rPr>
+              <a:t>”</a:t>
+            </a:r>
+          </a:p>
+        </p:txBody>
+      </p:sp>
+      <p:sp>
+        <p:nvSpPr>
+          <p:cNvPr id="2" name="Title 1"/>
+          <p:cNvSpPr>
+            <a:spLocks noGrp="1"/>
+          </p:cNvSpPr>
+          <p:nvPr>
+            <p:ph type="title"/>
+          </p:nvPr>
+        </p:nvSpPr>
+        <p:spPr>
+          <a:xfrm>
+            <a:off x="1084942" y="596018"/>
+            <a:ext cx="6974115" cy="3044079"/>
+          </a:xfrm>
+        </p:spPr>
+        <p:txBody>
+          <a:bodyPr anchor="ctr">
+            <a:normAutofit/>
+          </a:bodyPr>
+          <a:lstStyle>
+            <a:lvl1pPr algn="l">
+              <a:defRPr sz="2800" b="0" cap="all">
+                <a:gradFill flip="none" rotWithShape="1">
+                  <a:gsLst>
+                    <a:gs pos="0">
+                      <a:schemeClr val="tx1"/>
+                    </a:gs>
+                    <a:gs pos="100000">
+                      <a:schemeClr val="tx1">
+                        <a:lumMod val="75000"/>
+                      </a:schemeClr>
+                    </a:gs>
+                  </a:gsLst>
+                  <a:lin ang="5400000" scaled="0"/>
+                  <a:tileRect/>
+                </a:gradFill>
+              </a:defRPr>
+            </a:lvl1pPr>
+          </a:lstStyle>
+          <a:p>
+            <a:r>
+              <a:rPr lang="en-US"/>
+              <a:t>Click to edit Master title style</a:t>
+            </a:r>
+            <a:endParaRPr lang="en-US" dirty="0"/>
+          </a:p>
+        </p:txBody>
+      </p:sp>
+      <p:sp>
+        <p:nvSpPr>
+          <p:cNvPr id="10" name="Text Placeholder 9"/>
+          <p:cNvSpPr>
+            <a:spLocks noGrp="1"/>
+          </p:cNvSpPr>
+          <p:nvPr>
+            <p:ph type="body" sz="quarter" idx="13"/>
+          </p:nvPr>
+        </p:nvSpPr>
+        <p:spPr>
+          <a:xfrm>
+            <a:off x="1256436" y="3650606"/>
+            <a:ext cx="6631128" cy="381000"/>
+          </a:xfrm>
+        </p:spPr>
+        <p:txBody>
+          <a:bodyPr anchor="ctr">
+            <a:normAutofit/>
+          </a:bodyPr>
+          <a:lstStyle>
+            <a:lvl1pPr marL="0" indent="0">
+              <a:buFontTx/>
+              <a:buNone/>
+              <a:defRPr sz="1400"/>
+            </a:lvl1pPr>
+            <a:lvl2pPr marL="457200" indent="0">
+              <a:buFontTx/>
+              <a:buNone/>
+              <a:defRPr/>
+            </a:lvl2pPr>
+            <a:lvl3pPr marL="914400" indent="0">
+              <a:buFontTx/>
+              <a:buNone/>
+              <a:defRPr/>
+            </a:lvl3pPr>
+            <a:lvl4pPr marL="1371600" indent="0">
+              <a:buFontTx/>
+              <a:buNone/>
+              <a:defRPr/>
+            </a:lvl4pPr>
+            <a:lvl5pPr marL="1828800" indent="0">
+              <a:buFontTx/>
+              <a:buNone/>
+              <a:defRPr/>
+            </a:lvl5pPr>
+          </a:lstStyle>
+          <a:p>
+            <a:pPr lvl="0"/>
+            <a:r>
+              <a:rPr lang="en-US"/>
+              <a:t>Click to edit Master text styles</a:t>
+            </a:r>
+          </a:p>
+        </p:txBody>
+      </p:sp>
+      <p:sp>
+        <p:nvSpPr>
+          <p:cNvPr id="3" name="Text Placeholder 2"/>
+          <p:cNvSpPr>
+            <a:spLocks noGrp="1"/>
+          </p:cNvSpPr>
+          <p:nvPr>
+            <p:ph type="body" idx="1"/>
+          </p:nvPr>
+        </p:nvSpPr>
+        <p:spPr>
+          <a:xfrm>
+            <a:off x="818347" y="4641206"/>
+            <a:ext cx="7511473" cy="1447800"/>
+          </a:xfrm>
+        </p:spPr>
+        <p:txBody>
+          <a:bodyPr anchor="ctr">
+            <a:normAutofit/>
+          </a:bodyPr>
+          <a:lstStyle>
+            <a:lvl1pPr marL="0" indent="0" algn="l">
+              <a:buNone/>
+              <a:defRPr sz="1800">
+                <a:gradFill flip="none" rotWithShape="1">
+                  <a:gsLst>
+                    <a:gs pos="0">
+                      <a:schemeClr val="tx1"/>
+                    </a:gs>
+                    <a:gs pos="100000">
+                      <a:schemeClr val="tx1">
+                        <a:lumMod val="75000"/>
+                      </a:schemeClr>
+                    </a:gs>
+                  </a:gsLst>
+                  <a:lin ang="0" scaled="1"/>
+                  <a:tileRect/>
+                </a:gradFill>
+              </a:defRPr>
+            </a:lvl1pPr>
+            <a:lvl2pPr marL="457200" indent="0">
+              <a:buNone/>
+              <a:defRPr sz="1800">
+                <a:solidFill>
+                  <a:schemeClr val="tx1">
+                    <a:tint val="75000"/>
+                  </a:schemeClr>
+                </a:solidFill>
+              </a:defRPr>
+            </a:lvl2pPr>
+            <a:lvl3pPr marL="914400" indent="0">
+              <a:buNone/>
+              <a:defRPr sz="1600">
+                <a:solidFill>
+                  <a:schemeClr val="tx1">
+                    <a:tint val="75000"/>
+                  </a:schemeClr>
+                </a:solidFill>
+              </a:defRPr>
+            </a:lvl3pPr>
+            <a:lvl4pPr marL="1371600" indent="0">
+              <a:buNone/>
+              <a:defRPr sz="1400">
+                <a:solidFill>
+                  <a:schemeClr val="tx1">
+                    <a:tint val="75000"/>
+                  </a:schemeClr>
+                </a:solidFill>
+              </a:defRPr>
+            </a:lvl4pPr>
+            <a:lvl5pPr marL="1828800" indent="0">
+              <a:buNone/>
+              <a:defRPr sz="1400">
+                <a:solidFill>
+                  <a:schemeClr val="tx1">
+                    <a:tint val="75000"/>
+                  </a:schemeClr>
+                </a:solidFill>
+              </a:defRPr>
+            </a:lvl5pPr>
+            <a:lvl6pPr marL="2286000" indent="0">
+              <a:buNone/>
+              <a:defRPr sz="1400">
+                <a:solidFill>
+                  <a:schemeClr val="tx1">
+                    <a:tint val="75000"/>
+                  </a:schemeClr>
+                </a:solidFill>
+              </a:defRPr>
+            </a:lvl6pPr>
+            <a:lvl7pPr marL="2743200" indent="0">
+              <a:buNone/>
+              <a:defRPr sz="1400">
+                <a:solidFill>
+                  <a:schemeClr val="tx1">
+                    <a:tint val="75000"/>
+                  </a:schemeClr>
+                </a:solidFill>
+              </a:defRPr>
+            </a:lvl7pPr>
+            <a:lvl8pPr marL="3200400" indent="0">
+              <a:buNone/>
+              <a:defRPr sz="1400">
+                <a:solidFill>
+                  <a:schemeClr val="tx1">
+                    <a:tint val="75000"/>
+                  </a:schemeClr>
+                </a:solidFill>
+              </a:defRPr>
+            </a:lvl8pPr>
+            <a:lvl9pPr marL="3657600" indent="0">
+              <a:buNone/>
+              <a:defRPr sz="1400">
+                <a:solidFill>
+                  <a:schemeClr val="tx1">
+                    <a:tint val="75000"/>
+                  </a:schemeClr>
+                </a:solidFill>
+              </a:defRPr>
+            </a:lvl9pPr>
+          </a:lstStyle>
+          <a:p>
+            <a:pPr lvl="0"/>
+            <a:r>
+              <a:rPr lang="en-US"/>
+              <a:t>Click to edit Master text styles</a:t>
+            </a:r>
+          </a:p>
+        </p:txBody>
+      </p:sp>
+      <p:sp>
+        <p:nvSpPr>
+          <p:cNvPr id="4" name="Date Placeholder 3"/>
+          <p:cNvSpPr>
+            <a:spLocks noGrp="1"/>
+          </p:cNvSpPr>
+          <p:nvPr>
+            <p:ph type="dt" sz="half" idx="10"/>
+          </p:nvPr>
+        </p:nvSpPr>
+        <p:spPr/>
+        <p:txBody>
+          <a:bodyPr/>
+          <a:lstStyle/>
+          <a:p>
+            <a:fld id="{5BCAD085-E8A6-8845-BD4E-CB4CCA059FC4}" type="datetimeFigureOut">
+              <a:rPr lang="en-US" smtClean="0"/>
+              <a:t>5/21/2024</a:t>
+            </a:fld>
+            <a:endParaRPr lang="en-US"/>
+          </a:p>
+        </p:txBody>
+      </p:sp>
+      <p:sp>
+        <p:nvSpPr>
+          <p:cNvPr id="5" name="Footer Placeholder 4"/>
+          <p:cNvSpPr>
+            <a:spLocks noGrp="1"/>
+          </p:cNvSpPr>
+          <p:nvPr>
+            <p:ph type="ftr" sz="quarter" idx="11"/>
+          </p:nvPr>
+        </p:nvSpPr>
+        <p:spPr/>
+        <p:txBody>
+          <a:bodyPr/>
+          <a:lstStyle/>
+          <a:p>
+            <a:endParaRPr lang="en-US"/>
+          </a:p>
+        </p:txBody>
+      </p:sp>
+      <p:sp>
+        <p:nvSpPr>
+          <p:cNvPr id="6" name="Slide Number Placeholder 5"/>
+          <p:cNvSpPr>
+            <a:spLocks noGrp="1"/>
+          </p:cNvSpPr>
+          <p:nvPr>
+            <p:ph type="sldNum" sz="quarter" idx="12"/>
+          </p:nvPr>
+        </p:nvSpPr>
+        <p:spPr/>
+        <p:txBody>
+          <a:bodyPr/>
+          <a:lstStyle/>
+          <a:p>
+            <a:fld id="{C1FF6DA9-008F-8B48-92A6-B652298478BF}" type="slidenum">
+              <a:rPr lang="en-US" smtClean="0"/>
+              <a:t>‹#›</a:t>
+            </a:fld>
+            <a:endParaRPr lang="en-US"/>
+          </a:p>
+        </p:txBody>
+      </p:sp>
+    </p:spTree>
+    <p:extLst>
+      <p:ext uri="{BB962C8B-B14F-4D97-AF65-F5344CB8AC3E}">
+        <p14:creationId xmlns:p14="http://schemas.microsoft.com/office/powerpoint/2010/main" val="2892169792"/>
+      </p:ext>
+    </p:extLst>
+  </p:cSld>
+  <p:clrMapOvr>
+    <a:masterClrMapping/>
+  </p:clrMapOvr>
+</p:sldLayout>
+</file>
+
+<file path=ppt/slideLayouts/slideLayout13.xml><?xml version="1.0" encoding="utf-8"?>
+<p:sldLayout xmlns:a="http://schemas.openxmlformats.org/drawingml/2006/main" xmlns:r="http://schemas.openxmlformats.org/officeDocument/2006/relationships" xmlns:p="http://schemas.openxmlformats.org/presentationml/2006/main" preserve="1">
+  <p:cSld name="Name Card">
+    <p:spTree>
+      <p:nvGrpSpPr>
+        <p:cNvPr id="1" name=""/>
+        <p:cNvGrpSpPr/>
+        <p:nvPr/>
+      </p:nvGrpSpPr>
+      <p:grpSpPr>
+        <a:xfrm>
+          <a:off x="0" y="0"/>
+          <a:ext cx="0" cy="0"/>
+          <a:chOff x="0" y="0"/>
+          <a:chExt cx="0" cy="0"/>
+        </a:xfrm>
+      </p:grpSpPr>
+      <p:sp>
+        <p:nvSpPr>
+          <p:cNvPr id="2" name="Title 1"/>
+          <p:cNvSpPr>
+            <a:spLocks noGrp="1"/>
+          </p:cNvSpPr>
+          <p:nvPr>
+            <p:ph type="title"/>
+          </p:nvPr>
+        </p:nvSpPr>
+        <p:spPr>
+          <a:xfrm>
+            <a:off x="818347" y="3603566"/>
+            <a:ext cx="7512338" cy="1468800"/>
+          </a:xfrm>
+        </p:spPr>
+        <p:txBody>
+          <a:bodyPr anchor="b">
+            <a:normAutofit/>
+          </a:bodyPr>
+          <a:lstStyle>
+            <a:lvl1pPr algn="l">
+              <a:defRPr sz="2800" b="0" cap="all"/>
+            </a:lvl1pPr>
+          </a:lstStyle>
+          <a:p>
+            <a:r>
+              <a:rPr lang="en-US"/>
+              <a:t>Click to edit Master title style</a:t>
+            </a:r>
+            <a:endParaRPr lang="en-US" dirty="0"/>
+          </a:p>
+        </p:txBody>
+      </p:sp>
+      <p:sp>
+        <p:nvSpPr>
+          <p:cNvPr id="3" name="Text Placeholder 2"/>
+          <p:cNvSpPr>
+            <a:spLocks noGrp="1"/>
+          </p:cNvSpPr>
+          <p:nvPr>
+            <p:ph type="body" idx="1"/>
+          </p:nvPr>
+        </p:nvSpPr>
+        <p:spPr>
+          <a:xfrm>
+            <a:off x="821015" y="5072366"/>
+            <a:ext cx="7512339" cy="1029694"/>
+          </a:xfrm>
+        </p:spPr>
+        <p:txBody>
+          <a:bodyPr anchor="t">
+            <a:normAutofit/>
+          </a:bodyPr>
+          <a:lstStyle>
+            <a:lvl1pPr marL="0" indent="0" algn="l">
+              <a:buNone/>
+              <a:defRPr sz="1800">
+                <a:gradFill flip="none" rotWithShape="1">
+                  <a:gsLst>
+                    <a:gs pos="0">
+                      <a:schemeClr val="tx1"/>
+                    </a:gs>
+                    <a:gs pos="100000">
+                      <a:schemeClr val="tx1">
+                        <a:lumMod val="75000"/>
+                      </a:schemeClr>
+                    </a:gs>
+                  </a:gsLst>
+                  <a:lin ang="5400000" scaled="0"/>
+                  <a:tileRect/>
+                </a:gradFill>
+              </a:defRPr>
+            </a:lvl1pPr>
+            <a:lvl2pPr marL="457200" indent="0">
+              <a:buNone/>
+              <a:defRPr sz="1800">
+                <a:solidFill>
+                  <a:schemeClr val="tx1">
+                    <a:tint val="75000"/>
+                  </a:schemeClr>
+                </a:solidFill>
+              </a:defRPr>
+            </a:lvl2pPr>
+            <a:lvl3pPr marL="914400" indent="0">
+              <a:buNone/>
+              <a:defRPr sz="1600">
+                <a:solidFill>
+                  <a:schemeClr val="tx1">
+                    <a:tint val="75000"/>
+                  </a:schemeClr>
+                </a:solidFill>
+              </a:defRPr>
+            </a:lvl3pPr>
+            <a:lvl4pPr marL="1371600" indent="0">
+              <a:buNone/>
+              <a:defRPr sz="1400">
+                <a:solidFill>
+                  <a:schemeClr val="tx1">
+                    <a:tint val="75000"/>
+                  </a:schemeClr>
+                </a:solidFill>
+              </a:defRPr>
+            </a:lvl4pPr>
+            <a:lvl5pPr marL="1828800" indent="0">
+              <a:buNone/>
+              <a:defRPr sz="1400">
+                <a:solidFill>
+                  <a:schemeClr val="tx1">
+                    <a:tint val="75000"/>
+                  </a:schemeClr>
+                </a:solidFill>
+              </a:defRPr>
+            </a:lvl5pPr>
+            <a:lvl6pPr marL="2286000" indent="0">
+              <a:buNone/>
+              <a:defRPr sz="1400">
+                <a:solidFill>
+                  <a:schemeClr val="tx1">
+                    <a:tint val="75000"/>
+                  </a:schemeClr>
+                </a:solidFill>
+              </a:defRPr>
+            </a:lvl6pPr>
+            <a:lvl7pPr marL="2743200" indent="0">
+              <a:buNone/>
+              <a:defRPr sz="1400">
+                <a:solidFill>
+                  <a:schemeClr val="tx1">
+                    <a:tint val="75000"/>
+                  </a:schemeClr>
+                </a:solidFill>
+              </a:defRPr>
+            </a:lvl7pPr>
+            <a:lvl8pPr marL="3200400" indent="0">
+              <a:buNone/>
+              <a:defRPr sz="1400">
+                <a:solidFill>
+                  <a:schemeClr val="tx1">
+                    <a:tint val="75000"/>
+                  </a:schemeClr>
+                </a:solidFill>
+              </a:defRPr>
+            </a:lvl8pPr>
+            <a:lvl9pPr marL="3657600" indent="0">
+              <a:buNone/>
+              <a:defRPr sz="1400">
+                <a:solidFill>
+                  <a:schemeClr val="tx1">
+                    <a:tint val="75000"/>
+                  </a:schemeClr>
+                </a:solidFill>
+              </a:defRPr>
+            </a:lvl9pPr>
+          </a:lstStyle>
+          <a:p>
+            <a:pPr lvl="0"/>
+            <a:r>
+              <a:rPr lang="en-US"/>
+              <a:t>Click to edit Master text styles</a:t>
+            </a:r>
+          </a:p>
+        </p:txBody>
+      </p:sp>
+      <p:sp>
+        <p:nvSpPr>
+          <p:cNvPr id="4" name="Date Placeholder 3"/>
+          <p:cNvSpPr>
+            <a:spLocks noGrp="1"/>
+          </p:cNvSpPr>
+          <p:nvPr>
+            <p:ph type="dt" sz="half" idx="10"/>
+          </p:nvPr>
+        </p:nvSpPr>
+        <p:spPr/>
+        <p:txBody>
+          <a:bodyPr/>
+          <a:lstStyle/>
+          <a:p>
+            <a:fld id="{5BCAD085-E8A6-8845-BD4E-CB4CCA059FC4}" type="datetimeFigureOut">
+              <a:rPr lang="en-US" smtClean="0"/>
+              <a:t>5/21/2024</a:t>
+            </a:fld>
+            <a:endParaRPr lang="en-US"/>
+          </a:p>
+        </p:txBody>
+      </p:sp>
+      <p:sp>
+        <p:nvSpPr>
+          <p:cNvPr id="5" name="Footer Placeholder 4"/>
+          <p:cNvSpPr>
+            <a:spLocks noGrp="1"/>
+          </p:cNvSpPr>
+          <p:nvPr>
+            <p:ph type="ftr" sz="quarter" idx="11"/>
+          </p:nvPr>
+        </p:nvSpPr>
+        <p:spPr/>
+        <p:txBody>
+          <a:bodyPr/>
+          <a:lstStyle/>
+          <a:p>
+            <a:endParaRPr lang="en-US"/>
+          </a:p>
+        </p:txBody>
+      </p:sp>
+      <p:sp>
+        <p:nvSpPr>
+          <p:cNvPr id="6" name="Slide Number Placeholder 5"/>
+          <p:cNvSpPr>
+            <a:spLocks noGrp="1"/>
+          </p:cNvSpPr>
+          <p:nvPr>
+            <p:ph type="sldNum" sz="quarter" idx="12"/>
+          </p:nvPr>
+        </p:nvSpPr>
+        <p:spPr/>
+        <p:txBody>
+          <a:bodyPr/>
+          <a:lstStyle/>
+          <a:p>
+            <a:fld id="{C1FF6DA9-008F-8B48-92A6-B652298478BF}" type="slidenum">
+              <a:rPr lang="en-US" smtClean="0"/>
+              <a:t>‹#›</a:t>
+            </a:fld>
+            <a:endParaRPr lang="en-US"/>
+          </a:p>
+        </p:txBody>
+      </p:sp>
+    </p:spTree>
+    <p:extLst>
+      <p:ext uri="{BB962C8B-B14F-4D97-AF65-F5344CB8AC3E}">
+        <p14:creationId xmlns:p14="http://schemas.microsoft.com/office/powerpoint/2010/main" val="740920107"/>
+      </p:ext>
+    </p:extLst>
+  </p:cSld>
+  <p:clrMapOvr>
+    <a:masterClrMapping/>
+  </p:clrMapOvr>
+</p:sldLayout>
+</file>
+
+<file path=ppt/slideLayouts/slideLayout14.xml><?xml version="1.0" encoding="utf-8"?>
+<p:sldLayout xmlns:a="http://schemas.openxmlformats.org/drawingml/2006/main" xmlns:r="http://schemas.openxmlformats.org/officeDocument/2006/relationships" xmlns:p="http://schemas.openxmlformats.org/presentationml/2006/main" preserve="1">
+  <p:cSld name="Quote Name Card">
+    <p:spTree>
+      <p:nvGrpSpPr>
+        <p:cNvPr id="1" name=""/>
+        <p:cNvGrpSpPr/>
+        <p:nvPr/>
+      </p:nvGrpSpPr>
+      <p:grpSpPr>
+        <a:xfrm>
+          <a:off x="0" y="0"/>
+          <a:ext cx="0" cy="0"/>
+          <a:chOff x="0" y="0"/>
+          <a:chExt cx="0" cy="0"/>
+        </a:xfrm>
+      </p:grpSpPr>
+      <p:sp>
+        <p:nvSpPr>
+          <p:cNvPr id="13" name="TextBox 12"/>
+          <p:cNvSpPr txBox="1"/>
+          <p:nvPr/>
+        </p:nvSpPr>
+        <p:spPr>
+          <a:xfrm>
+            <a:off x="583818" y="753851"/>
+            <a:ext cx="457319" cy="584776"/>
+          </a:xfrm>
+          <a:prstGeom prst="rect">
+            <a:avLst/>
+          </a:prstGeom>
+        </p:spPr>
+        <p:txBody>
+          <a:bodyPr vert="horz" lIns="91440" tIns="45720" rIns="91440" bIns="45720" rtlCol="0" anchor="ctr">
+            <a:noAutofit/>
+          </a:bodyPr>
+          <a:lstStyle>
+            <a:lvl1pPr>
+              <a:spcBef>
+                <a:spcPct val="0"/>
+              </a:spcBef>
+              <a:buNone/>
+              <a:defRPr sz="3200" b="0" cap="all">
+                <a:ln w="3175" cmpd="sng">
+                  <a:noFill/>
+                </a:ln>
+                <a:effectLst>
+                  <a:glow rad="38100">
+                    <a:schemeClr val="bg1">
+                      <a:lumMod val="65000"/>
+                      <a:lumOff val="35000"/>
+                      <a:alpha val="40000"/>
+                    </a:schemeClr>
+                  </a:glow>
+                  <a:outerShdw blurRad="28575" dist="38100" dir="14040000" algn="tl" rotWithShape="0">
+                    <a:srgbClr val="000000">
+                      <a:alpha val="25000"/>
+                    </a:srgbClr>
+                  </a:outerShdw>
+                </a:effectLst>
+              </a:defRPr>
+            </a:lvl1pPr>
+            <a:lvl2pPr>
+              <a:defRPr>
+                <a:solidFill>
+                  <a:schemeClr val="tx2"/>
+                </a:solidFill>
+              </a:defRPr>
+            </a:lvl2pPr>
+            <a:lvl3pPr>
+              <a:defRPr>
+                <a:solidFill>
+                  <a:schemeClr val="tx2"/>
+                </a:solidFill>
+              </a:defRPr>
+            </a:lvl3pPr>
+            <a:lvl4pPr>
+              <a:defRPr>
+                <a:solidFill>
+                  <a:schemeClr val="tx2"/>
+                </a:solidFill>
+              </a:defRPr>
+            </a:lvl4pPr>
+            <a:lvl5pPr>
+              <a:defRPr>
+                <a:solidFill>
+                  <a:schemeClr val="tx2"/>
+                </a:solidFill>
+              </a:defRPr>
+            </a:lvl5pPr>
+            <a:lvl6pPr>
+              <a:defRPr>
+                <a:solidFill>
+                  <a:schemeClr val="tx2"/>
+                </a:solidFill>
+              </a:defRPr>
+            </a:lvl6pPr>
+            <a:lvl7pPr>
+              <a:defRPr>
+                <a:solidFill>
+                  <a:schemeClr val="tx2"/>
+                </a:solidFill>
+              </a:defRPr>
+            </a:lvl7pPr>
+            <a:lvl8pPr>
+              <a:defRPr>
+                <a:solidFill>
+                  <a:schemeClr val="tx2"/>
+                </a:solidFill>
+              </a:defRPr>
+            </a:lvl8pPr>
+            <a:lvl9pPr>
+              <a:defRPr>
+                <a:solidFill>
+                  <a:schemeClr val="tx2"/>
+                </a:solidFill>
+              </a:defRPr>
+            </a:lvl9pPr>
+          </a:lstStyle>
+          <a:p>
+            <a:pPr lvl="0"/>
+            <a:r>
+              <a:rPr lang="en-US" sz="8000" dirty="0">
+                <a:solidFill>
+                  <a:schemeClr val="accent1"/>
+                </a:solidFill>
+              </a:rPr>
+              <a:t>“</a:t>
+            </a:r>
+          </a:p>
+        </p:txBody>
+      </p:sp>
+      <p:sp>
+        <p:nvSpPr>
+          <p:cNvPr id="16" name="TextBox 15"/>
+          <p:cNvSpPr txBox="1"/>
+          <p:nvPr/>
+        </p:nvSpPr>
+        <p:spPr>
+          <a:xfrm>
+            <a:off x="7887556" y="2879498"/>
+            <a:ext cx="457319" cy="584776"/>
+          </a:xfrm>
+          <a:prstGeom prst="rect">
+            <a:avLst/>
+          </a:prstGeom>
+        </p:spPr>
+        <p:txBody>
+          <a:bodyPr vert="horz" lIns="91440" tIns="45720" rIns="91440" bIns="45720" rtlCol="0" anchor="ctr">
+            <a:noAutofit/>
+          </a:bodyPr>
+          <a:lstStyle>
+            <a:lvl1pPr>
+              <a:spcBef>
+                <a:spcPct val="0"/>
+              </a:spcBef>
+              <a:buNone/>
+              <a:defRPr sz="3200" b="0" cap="all">
+                <a:ln w="3175" cmpd="sng">
+                  <a:noFill/>
+                </a:ln>
+                <a:effectLst>
+                  <a:glow rad="38100">
+                    <a:schemeClr val="bg1">
+                      <a:lumMod val="65000"/>
+                      <a:lumOff val="35000"/>
+                      <a:alpha val="40000"/>
+                    </a:schemeClr>
+                  </a:glow>
+                  <a:outerShdw blurRad="28575" dist="38100" dir="14040000" algn="tl" rotWithShape="0">
+                    <a:srgbClr val="000000">
+                      <a:alpha val="25000"/>
+                    </a:srgbClr>
+                  </a:outerShdw>
+                </a:effectLst>
+              </a:defRPr>
+            </a:lvl1pPr>
+            <a:lvl2pPr>
+              <a:defRPr>
+                <a:solidFill>
+                  <a:schemeClr val="tx2"/>
+                </a:solidFill>
+              </a:defRPr>
+            </a:lvl2pPr>
+            <a:lvl3pPr>
+              <a:defRPr>
+                <a:solidFill>
+                  <a:schemeClr val="tx2"/>
+                </a:solidFill>
+              </a:defRPr>
+            </a:lvl3pPr>
+            <a:lvl4pPr>
+              <a:defRPr>
+                <a:solidFill>
+                  <a:schemeClr val="tx2"/>
+                </a:solidFill>
+              </a:defRPr>
+            </a:lvl4pPr>
+            <a:lvl5pPr>
+              <a:defRPr>
+                <a:solidFill>
+                  <a:schemeClr val="tx2"/>
+                </a:solidFill>
+              </a:defRPr>
+            </a:lvl5pPr>
+            <a:lvl6pPr>
+              <a:defRPr>
+                <a:solidFill>
+                  <a:schemeClr val="tx2"/>
+                </a:solidFill>
+              </a:defRPr>
+            </a:lvl6pPr>
+            <a:lvl7pPr>
+              <a:defRPr>
+                <a:solidFill>
+                  <a:schemeClr val="tx2"/>
+                </a:solidFill>
+              </a:defRPr>
+            </a:lvl7pPr>
+            <a:lvl8pPr>
+              <a:defRPr>
+                <a:solidFill>
+                  <a:schemeClr val="tx2"/>
+                </a:solidFill>
+              </a:defRPr>
+            </a:lvl8pPr>
+            <a:lvl9pPr>
+              <a:defRPr>
+                <a:solidFill>
+                  <a:schemeClr val="tx2"/>
+                </a:solidFill>
+              </a:defRPr>
+            </a:lvl9pPr>
+          </a:lstStyle>
+          <a:p>
+            <a:pPr lvl="0" algn="r"/>
+            <a:r>
+              <a:rPr lang="en-US" sz="8000" dirty="0">
+                <a:solidFill>
+                  <a:schemeClr val="accent1"/>
+                </a:solidFill>
+              </a:rPr>
+              <a:t>”</a:t>
+            </a:r>
+          </a:p>
+        </p:txBody>
+      </p:sp>
+      <p:sp>
+        <p:nvSpPr>
+          <p:cNvPr id="2" name="Title 1"/>
+          <p:cNvSpPr>
+            <a:spLocks noGrp="1"/>
+          </p:cNvSpPr>
+          <p:nvPr>
+            <p:ph type="title"/>
+          </p:nvPr>
+        </p:nvSpPr>
+        <p:spPr>
+          <a:xfrm>
+            <a:off x="1084942" y="596018"/>
+            <a:ext cx="6974115" cy="2844369"/>
+          </a:xfrm>
+        </p:spPr>
+        <p:txBody>
+          <a:bodyPr anchor="ctr">
+            <a:normAutofit/>
+          </a:bodyPr>
+          <a:lstStyle>
+            <a:lvl1pPr algn="l">
+              <a:defRPr sz="2800" b="0" cap="all">
+                <a:gradFill flip="none" rotWithShape="1">
+                  <a:gsLst>
+                    <a:gs pos="0">
+                      <a:schemeClr val="tx1"/>
+                    </a:gs>
+                    <a:gs pos="100000">
+                      <a:schemeClr val="tx1">
+                        <a:lumMod val="75000"/>
+                      </a:schemeClr>
+                    </a:gs>
+                  </a:gsLst>
+                  <a:lin ang="5400000" scaled="0"/>
+                  <a:tileRect/>
+                </a:gradFill>
+              </a:defRPr>
+            </a:lvl1pPr>
+          </a:lstStyle>
+          <a:p>
+            <a:r>
+              <a:rPr lang="en-US"/>
+              <a:t>Click to edit Master title style</a:t>
+            </a:r>
+            <a:endParaRPr lang="en-US" dirty="0"/>
+          </a:p>
+        </p:txBody>
+      </p:sp>
+      <p:sp>
+        <p:nvSpPr>
+          <p:cNvPr id="10" name="Text Placeholder 9"/>
+          <p:cNvSpPr>
+            <a:spLocks noGrp="1"/>
+          </p:cNvSpPr>
+          <p:nvPr>
+            <p:ph type="body" sz="quarter" idx="13"/>
+          </p:nvPr>
+        </p:nvSpPr>
+        <p:spPr>
+          <a:xfrm>
+            <a:off x="818347" y="3886200"/>
+            <a:ext cx="7512338" cy="1053662"/>
+          </a:xfrm>
+        </p:spPr>
+        <p:txBody>
+          <a:bodyPr vert="horz" lIns="91440" tIns="45720" rIns="91440" bIns="45720" rtlCol="0" anchor="b">
+            <a:normAutofit/>
+          </a:bodyPr>
+          <a:lstStyle>
+            <a:lvl1pPr>
+              <a:buNone/>
+              <a:defRPr lang="en-US" sz="2000" b="0" cap="all" dirty="0">
+                <a:ln w="3175" cmpd="sng">
+                  <a:noFill/>
+                </a:ln>
+                <a:gradFill flip="none" rotWithShape="1">
+                  <a:gsLst>
+                    <a:gs pos="0">
+                      <a:schemeClr val="tx1"/>
+                    </a:gs>
+                    <a:gs pos="100000">
+                      <a:schemeClr val="tx1">
+                        <a:lumMod val="75000"/>
+                      </a:schemeClr>
+                    </a:gs>
+                  </a:gsLst>
+                  <a:lin ang="0" scaled="1"/>
+                  <a:tileRect/>
+                </a:gradFill>
+                <a:effectLst>
+                  <a:glow rad="38100">
+                    <a:schemeClr val="bg1">
+                      <a:lumMod val="65000"/>
+                      <a:lumOff val="35000"/>
+                      <a:alpha val="40000"/>
+                    </a:schemeClr>
+                  </a:glow>
+                  <a:outerShdw blurRad="28575" dist="38100" dir="14040000" algn="tl" rotWithShape="0">
+                    <a:srgbClr val="000000">
+                      <a:alpha val="25000"/>
+                    </a:srgbClr>
+                  </a:outerShdw>
+                </a:effectLst>
+              </a:defRPr>
+            </a:lvl1pPr>
+          </a:lstStyle>
+          <a:p>
+            <a:pPr marL="0" lvl="0">
+              <a:spcBef>
+                <a:spcPct val="0"/>
+              </a:spcBef>
+              <a:buNone/>
+            </a:pPr>
+            <a:r>
+              <a:rPr lang="en-US"/>
+              <a:t>Click to edit Master text styles</a:t>
+            </a:r>
+          </a:p>
+        </p:txBody>
+      </p:sp>
+      <p:sp>
+        <p:nvSpPr>
+          <p:cNvPr id="3" name="Text Placeholder 2"/>
+          <p:cNvSpPr>
+            <a:spLocks noGrp="1"/>
+          </p:cNvSpPr>
+          <p:nvPr>
+            <p:ph type="body" idx="1"/>
+          </p:nvPr>
+        </p:nvSpPr>
+        <p:spPr>
+          <a:xfrm>
+            <a:off x="818347" y="4939862"/>
+            <a:ext cx="7512338" cy="1162198"/>
+          </a:xfrm>
+        </p:spPr>
+        <p:txBody>
+          <a:bodyPr anchor="t">
+            <a:normAutofit/>
+          </a:bodyPr>
+          <a:lstStyle>
+            <a:lvl1pPr marL="0" indent="0" algn="l">
+              <a:buNone/>
+              <a:defRPr sz="1600">
+                <a:gradFill flip="none" rotWithShape="1">
+                  <a:gsLst>
+                    <a:gs pos="0">
+                      <a:schemeClr val="tx1"/>
+                    </a:gs>
+                    <a:gs pos="100000">
+                      <a:schemeClr val="tx1">
+                        <a:lumMod val="75000"/>
+                      </a:schemeClr>
+                    </a:gs>
+                  </a:gsLst>
+                  <a:lin ang="5400000" scaled="0"/>
+                  <a:tileRect/>
+                </a:gradFill>
+              </a:defRPr>
+            </a:lvl1pPr>
+            <a:lvl2pPr marL="457200" indent="0">
+              <a:buNone/>
+              <a:defRPr sz="1600">
+                <a:solidFill>
+                  <a:schemeClr val="tx1">
+                    <a:tint val="75000"/>
+                  </a:schemeClr>
+                </a:solidFill>
+              </a:defRPr>
+            </a:lvl2pPr>
+            <a:lvl3pPr marL="914400" indent="0">
+              <a:buNone/>
+              <a:defRPr sz="1600">
+                <a:solidFill>
+                  <a:schemeClr val="tx1">
+                    <a:tint val="75000"/>
+                  </a:schemeClr>
+                </a:solidFill>
+              </a:defRPr>
+            </a:lvl3pPr>
+            <a:lvl4pPr marL="1371600" indent="0">
+              <a:buNone/>
+              <a:defRPr sz="1400">
+                <a:solidFill>
+                  <a:schemeClr val="tx1">
+                    <a:tint val="75000"/>
+                  </a:schemeClr>
+                </a:solidFill>
+              </a:defRPr>
+            </a:lvl4pPr>
+            <a:lvl5pPr marL="1828800" indent="0">
+              <a:buNone/>
+              <a:defRPr sz="1400">
+                <a:solidFill>
+                  <a:schemeClr val="tx1">
+                    <a:tint val="75000"/>
+                  </a:schemeClr>
+                </a:solidFill>
+              </a:defRPr>
+            </a:lvl5pPr>
+            <a:lvl6pPr marL="2286000" indent="0">
+              <a:buNone/>
+              <a:defRPr sz="1400">
+                <a:solidFill>
+                  <a:schemeClr val="tx1">
+                    <a:tint val="75000"/>
+                  </a:schemeClr>
+                </a:solidFill>
+              </a:defRPr>
+            </a:lvl6pPr>
+            <a:lvl7pPr marL="2743200" indent="0">
+              <a:buNone/>
+              <a:defRPr sz="1400">
+                <a:solidFill>
+                  <a:schemeClr val="tx1">
+                    <a:tint val="75000"/>
+                  </a:schemeClr>
+                </a:solidFill>
+              </a:defRPr>
+            </a:lvl7pPr>
+            <a:lvl8pPr marL="3200400" indent="0">
+              <a:buNone/>
+              <a:defRPr sz="1400">
+                <a:solidFill>
+                  <a:schemeClr val="tx1">
+                    <a:tint val="75000"/>
+                  </a:schemeClr>
+                </a:solidFill>
+              </a:defRPr>
+            </a:lvl8pPr>
+            <a:lvl9pPr marL="3657600" indent="0">
+              <a:buNone/>
+              <a:defRPr sz="1400">
+                <a:solidFill>
+                  <a:schemeClr val="tx1">
+                    <a:tint val="75000"/>
+                  </a:schemeClr>
+                </a:solidFill>
+              </a:defRPr>
+            </a:lvl9pPr>
+          </a:lstStyle>
+          <a:p>
+            <a:pPr lvl="0"/>
+            <a:r>
+              <a:rPr lang="en-US"/>
+              <a:t>Click to edit Master text styles</a:t>
+            </a:r>
+          </a:p>
+        </p:txBody>
+      </p:sp>
+      <p:sp>
+        <p:nvSpPr>
+          <p:cNvPr id="4" name="Date Placeholder 3"/>
+          <p:cNvSpPr>
+            <a:spLocks noGrp="1"/>
+          </p:cNvSpPr>
+          <p:nvPr>
+            <p:ph type="dt" sz="half" idx="10"/>
+          </p:nvPr>
+        </p:nvSpPr>
+        <p:spPr/>
+        <p:txBody>
+          <a:bodyPr/>
+          <a:lstStyle/>
+          <a:p>
+            <a:fld id="{5BCAD085-E8A6-8845-BD4E-CB4CCA059FC4}" type="datetimeFigureOut">
+              <a:rPr lang="en-US" smtClean="0"/>
+              <a:t>5/21/2024</a:t>
+            </a:fld>
+            <a:endParaRPr lang="en-US"/>
+          </a:p>
+        </p:txBody>
+      </p:sp>
+      <p:sp>
+        <p:nvSpPr>
+          <p:cNvPr id="5" name="Footer Placeholder 4"/>
+          <p:cNvSpPr>
+            <a:spLocks noGrp="1"/>
+          </p:cNvSpPr>
+          <p:nvPr>
+            <p:ph type="ftr" sz="quarter" idx="11"/>
+          </p:nvPr>
+        </p:nvSpPr>
+        <p:spPr/>
+        <p:txBody>
+          <a:bodyPr/>
+          <a:lstStyle/>
+          <a:p>
+            <a:endParaRPr lang="en-US"/>
+          </a:p>
+        </p:txBody>
+      </p:sp>
+      <p:sp>
+        <p:nvSpPr>
+          <p:cNvPr id="6" name="Slide Number Placeholder 5"/>
+          <p:cNvSpPr>
+            <a:spLocks noGrp="1"/>
+          </p:cNvSpPr>
+          <p:nvPr>
+            <p:ph type="sldNum" sz="quarter" idx="12"/>
+          </p:nvPr>
+        </p:nvSpPr>
+        <p:spPr/>
+        <p:txBody>
+          <a:bodyPr/>
+          <a:lstStyle/>
+          <a:p>
+            <a:fld id="{C1FF6DA9-008F-8B48-92A6-B652298478BF}" type="slidenum">
+              <a:rPr lang="en-US" smtClean="0"/>
+              <a:t>‹#›</a:t>
+            </a:fld>
+            <a:endParaRPr lang="en-US"/>
+          </a:p>
+        </p:txBody>
+      </p:sp>
+    </p:spTree>
+    <p:extLst>
+      <p:ext uri="{BB962C8B-B14F-4D97-AF65-F5344CB8AC3E}">
+        <p14:creationId xmlns:p14="http://schemas.microsoft.com/office/powerpoint/2010/main" val="2837772728"/>
+      </p:ext>
+    </p:extLst>
+  </p:cSld>
+  <p:clrMapOvr>
+    <a:masterClrMapping/>
+  </p:clrMapOvr>
+</p:sldLayout>
+</file>
+
+<file path=ppt/slideLayouts/slideLayout15.xml><?xml version="1.0" encoding="utf-8"?>
+<p:sldLayout xmlns:a="http://schemas.openxmlformats.org/drawingml/2006/main" xmlns:r="http://schemas.openxmlformats.org/officeDocument/2006/relationships" xmlns:p="http://schemas.openxmlformats.org/presentationml/2006/main" preserve="1">
+  <p:cSld name="True or False">
+    <p:spTree>
+      <p:nvGrpSpPr>
+        <p:cNvPr id="1" name=""/>
+        <p:cNvGrpSpPr/>
+        <p:nvPr/>
+      </p:nvGrpSpPr>
+      <p:grpSpPr>
+        <a:xfrm>
+          <a:off x="0" y="0"/>
+          <a:ext cx="0" cy="0"/>
+          <a:chOff x="0" y="0"/>
+          <a:chExt cx="0" cy="0"/>
+        </a:xfrm>
+      </p:grpSpPr>
+      <p:sp>
+        <p:nvSpPr>
+          <p:cNvPr id="2" name="Title 1"/>
+          <p:cNvSpPr>
+            <a:spLocks noGrp="1"/>
+          </p:cNvSpPr>
+          <p:nvPr>
+            <p:ph type="title"/>
+          </p:nvPr>
+        </p:nvSpPr>
+        <p:spPr>
+          <a:xfrm>
+            <a:off x="818346" y="596018"/>
+            <a:ext cx="7511473" cy="2756783"/>
+          </a:xfrm>
+        </p:spPr>
+        <p:txBody>
+          <a:bodyPr vert="horz" lIns="91440" tIns="45720" rIns="91440" bIns="45720" rtlCol="0" anchor="ctr">
+            <a:normAutofit/>
+          </a:bodyPr>
+          <a:lstStyle>
+            <a:lvl1pPr>
+              <a:defRPr lang="en-US" sz="2800" b="0" dirty="0"/>
+            </a:lvl1pPr>
+          </a:lstStyle>
+          <a:p>
+            <a:pPr marL="0" lvl="0"/>
+            <a:r>
+              <a:rPr lang="en-US"/>
+              <a:t>Click to edit Master title style</a:t>
+            </a:r>
+            <a:endParaRPr lang="en-US" dirty="0"/>
+          </a:p>
+        </p:txBody>
+      </p:sp>
+      <p:sp>
+        <p:nvSpPr>
+          <p:cNvPr id="10" name="Text Placeholder 9"/>
+          <p:cNvSpPr>
+            <a:spLocks noGrp="1"/>
+          </p:cNvSpPr>
+          <p:nvPr>
+            <p:ph type="body" sz="quarter" idx="13"/>
+          </p:nvPr>
+        </p:nvSpPr>
+        <p:spPr>
+          <a:xfrm>
+            <a:off x="818346" y="3682941"/>
+            <a:ext cx="7511473" cy="1049283"/>
+          </a:xfrm>
+        </p:spPr>
+        <p:txBody>
+          <a:bodyPr vert="horz" lIns="91440" tIns="45720" rIns="91440" bIns="45720" rtlCol="0" anchor="b">
+            <a:normAutofit/>
+          </a:bodyPr>
+          <a:lstStyle>
+            <a:lvl1pPr>
+              <a:buNone/>
+              <a:defRPr lang="en-US" sz="2400" b="0" cap="all" dirty="0">
+                <a:ln w="3175" cmpd="sng">
+                  <a:noFill/>
+                </a:ln>
+                <a:gradFill flip="none" rotWithShape="1">
+                  <a:gsLst>
+                    <a:gs pos="0">
+                      <a:schemeClr val="tx1"/>
+                    </a:gs>
+                    <a:gs pos="100000">
+                      <a:schemeClr val="tx1">
+                        <a:lumMod val="75000"/>
+                      </a:schemeClr>
+                    </a:gs>
+                  </a:gsLst>
+                  <a:lin ang="5400000" scaled="0"/>
+                  <a:tileRect/>
+                </a:gradFill>
+                <a:effectLst>
+                  <a:glow rad="38100">
+                    <a:schemeClr val="bg1">
+                      <a:lumMod val="65000"/>
+                      <a:lumOff val="35000"/>
+                      <a:alpha val="40000"/>
+                    </a:schemeClr>
+                  </a:glow>
+                  <a:outerShdw blurRad="28575" dist="38100" dir="14040000" algn="tl" rotWithShape="0">
+                    <a:srgbClr val="000000">
+                      <a:alpha val="25000"/>
+                    </a:srgbClr>
+                  </a:outerShdw>
+                </a:effectLst>
+              </a:defRPr>
+            </a:lvl1pPr>
+          </a:lstStyle>
+          <a:p>
+            <a:pPr marL="0" lvl="0">
+              <a:spcBef>
+                <a:spcPct val="0"/>
+              </a:spcBef>
+              <a:buNone/>
+            </a:pPr>
+            <a:r>
+              <a:rPr lang="en-US"/>
+              <a:t>Click to edit Master text styles</a:t>
+            </a:r>
+          </a:p>
+        </p:txBody>
+      </p:sp>
+      <p:sp>
+        <p:nvSpPr>
+          <p:cNvPr id="3" name="Text Placeholder 2"/>
+          <p:cNvSpPr>
+            <a:spLocks noGrp="1"/>
+          </p:cNvSpPr>
+          <p:nvPr>
+            <p:ph type="body" idx="1"/>
+          </p:nvPr>
+        </p:nvSpPr>
+        <p:spPr>
+          <a:xfrm>
+            <a:off x="818347" y="4732224"/>
+            <a:ext cx="7511472" cy="1369836"/>
+          </a:xfrm>
+        </p:spPr>
+        <p:txBody>
+          <a:bodyPr anchor="t">
+            <a:normAutofit/>
+          </a:bodyPr>
+          <a:lstStyle>
+            <a:lvl1pPr marL="0" indent="0" algn="l">
+              <a:buNone/>
+              <a:defRPr sz="1600">
+                <a:gradFill flip="none" rotWithShape="1">
+                  <a:gsLst>
+                    <a:gs pos="0">
+                      <a:schemeClr val="tx1"/>
+                    </a:gs>
+                    <a:gs pos="100000">
+                      <a:schemeClr val="tx1">
+                        <a:lumMod val="75000"/>
+                      </a:schemeClr>
+                    </a:gs>
+                  </a:gsLst>
+                  <a:lin ang="5400000" scaled="0"/>
+                  <a:tileRect/>
+                </a:gradFill>
+              </a:defRPr>
+            </a:lvl1pPr>
+            <a:lvl2pPr marL="457200" indent="0">
+              <a:buNone/>
+              <a:defRPr sz="1600">
+                <a:solidFill>
+                  <a:schemeClr val="tx1">
+                    <a:tint val="75000"/>
+                  </a:schemeClr>
+                </a:solidFill>
+              </a:defRPr>
+            </a:lvl2pPr>
+            <a:lvl3pPr marL="914400" indent="0">
+              <a:buNone/>
+              <a:defRPr sz="1600">
+                <a:solidFill>
+                  <a:schemeClr val="tx1">
+                    <a:tint val="75000"/>
+                  </a:schemeClr>
+                </a:solidFill>
+              </a:defRPr>
+            </a:lvl3pPr>
+            <a:lvl4pPr marL="1371600" indent="0">
+              <a:buNone/>
+              <a:defRPr sz="1400">
+                <a:solidFill>
+                  <a:schemeClr val="tx1">
+                    <a:tint val="75000"/>
+                  </a:schemeClr>
+                </a:solidFill>
+              </a:defRPr>
+            </a:lvl4pPr>
+            <a:lvl5pPr marL="1828800" indent="0">
+              <a:buNone/>
+              <a:defRPr sz="1400">
+                <a:solidFill>
+                  <a:schemeClr val="tx1">
+                    <a:tint val="75000"/>
+                  </a:schemeClr>
+                </a:solidFill>
+              </a:defRPr>
+            </a:lvl5pPr>
+            <a:lvl6pPr marL="2286000" indent="0">
+              <a:buNone/>
+              <a:defRPr sz="1400">
+                <a:solidFill>
+                  <a:schemeClr val="tx1">
+                    <a:tint val="75000"/>
+                  </a:schemeClr>
+                </a:solidFill>
+              </a:defRPr>
+            </a:lvl6pPr>
+            <a:lvl7pPr marL="2743200" indent="0">
+              <a:buNone/>
+              <a:defRPr sz="1400">
+                <a:solidFill>
+                  <a:schemeClr val="tx1">
+                    <a:tint val="75000"/>
+                  </a:schemeClr>
+                </a:solidFill>
+              </a:defRPr>
+            </a:lvl7pPr>
+            <a:lvl8pPr marL="3200400" indent="0">
+              <a:buNone/>
+              <a:defRPr sz="1400">
+                <a:solidFill>
+                  <a:schemeClr val="tx1">
+                    <a:tint val="75000"/>
+                  </a:schemeClr>
+                </a:solidFill>
+              </a:defRPr>
+            </a:lvl8pPr>
+            <a:lvl9pPr marL="3657600" indent="0">
+              <a:buNone/>
+              <a:defRPr sz="1400">
+                <a:solidFill>
+                  <a:schemeClr val="tx1">
+                    <a:tint val="75000"/>
+                  </a:schemeClr>
+                </a:solidFill>
+              </a:defRPr>
+            </a:lvl9pPr>
+          </a:lstStyle>
+          <a:p>
+            <a:pPr lvl="0"/>
+            <a:r>
+              <a:rPr lang="en-US"/>
+              <a:t>Click to edit Master text styles</a:t>
+            </a:r>
+          </a:p>
+        </p:txBody>
+      </p:sp>
+      <p:sp>
+        <p:nvSpPr>
+          <p:cNvPr id="4" name="Date Placeholder 3"/>
+          <p:cNvSpPr>
+            <a:spLocks noGrp="1"/>
+          </p:cNvSpPr>
+          <p:nvPr>
+            <p:ph type="dt" sz="half" idx="10"/>
+          </p:nvPr>
+        </p:nvSpPr>
+        <p:spPr/>
+        <p:txBody>
+          <a:bodyPr/>
+          <a:lstStyle/>
+          <a:p>
+            <a:fld id="{5BCAD085-E8A6-8845-BD4E-CB4CCA059FC4}" type="datetimeFigureOut">
+              <a:rPr lang="en-US" smtClean="0"/>
+              <a:t>5/21/2024</a:t>
+            </a:fld>
+            <a:endParaRPr lang="en-US"/>
+          </a:p>
+        </p:txBody>
+      </p:sp>
+      <p:sp>
+        <p:nvSpPr>
+          <p:cNvPr id="5" name="Footer Placeholder 4"/>
+          <p:cNvSpPr>
+            <a:spLocks noGrp="1"/>
+          </p:cNvSpPr>
+          <p:nvPr>
+            <p:ph type="ftr" sz="quarter" idx="11"/>
+          </p:nvPr>
+        </p:nvSpPr>
+        <p:spPr/>
+        <p:txBody>
+          <a:bodyPr/>
+          <a:lstStyle/>
+          <a:p>
+            <a:endParaRPr lang="en-US"/>
+          </a:p>
+        </p:txBody>
+      </p:sp>
+      <p:sp>
+        <p:nvSpPr>
+          <p:cNvPr id="6" name="Slide Number Placeholder 5"/>
+          <p:cNvSpPr>
+            <a:spLocks noGrp="1"/>
+          </p:cNvSpPr>
+          <p:nvPr>
+            <p:ph type="sldNum" sz="quarter" idx="12"/>
+          </p:nvPr>
+        </p:nvSpPr>
+        <p:spPr/>
+        <p:txBody>
+          <a:bodyPr/>
+          <a:lstStyle/>
+          <a:p>
+            <a:fld id="{C1FF6DA9-008F-8B48-92A6-B652298478BF}" type="slidenum">
+              <a:rPr lang="en-US" smtClean="0"/>
+              <a:t>‹#›</a:t>
+            </a:fld>
+            <a:endParaRPr lang="en-US"/>
+          </a:p>
+        </p:txBody>
+      </p:sp>
+    </p:spTree>
+    <p:extLst>
+      <p:ext uri="{BB962C8B-B14F-4D97-AF65-F5344CB8AC3E}">
+        <p14:creationId xmlns:p14="http://schemas.microsoft.com/office/powerpoint/2010/main" val="768104016"/>
+      </p:ext>
+    </p:extLst>
+  </p:cSld>
+  <p:clrMapOvr>
+    <a:masterClrMapping/>
+  </p:clrMapOvr>
+</p:sldLayout>
+</file>
+
+<file path=ppt/slideLayouts/slideLayout16.xml><?xml version="1.0" encoding="utf-8"?>
 <p:sldLayout xmlns:a="http://schemas.openxmlformats.org/drawingml/2006/main" xmlns:r="http://schemas.openxmlformats.org/officeDocument/2006/relationships" xmlns:p="http://schemas.openxmlformats.org/presentationml/2006/main" type="vertTx" preserve="1">
   <p:cSld name="Title and Vertical Text">
     <p:spTree>
@@ -377,7 +4979,7 @@
       </p:grpSpPr>
       <p:sp>
         <p:nvSpPr>
-          <p:cNvPr id="2" name="Title 1"/>
+          <p:cNvPr id="7" name="Title 1"/>
           <p:cNvSpPr>
             <a:spLocks noGrp="1"/>
           </p:cNvSpPr>
@@ -385,16 +4987,21 @@
             <p:ph type="title"/>
           </p:nvPr>
         </p:nvSpPr>
-        <p:spPr/>
+        <p:spPr>
+          <a:xfrm>
+            <a:off x="818347" y="596018"/>
+            <a:ext cx="7511473" cy="1312480"/>
+          </a:xfrm>
+        </p:spPr>
         <p:txBody>
           <a:bodyPr/>
           <a:lstStyle/>
           <a:p>
             <a:r>
-              <a:rPr lang="en-US" smtClean="0"/>
+              <a:rPr lang="en-US"/>
               <a:t>Click to edit Master title style</a:t>
             </a:r>
-            <a:endParaRPr lang="en-US"/>
+            <a:endParaRPr lang="en-US" dirty="0"/>
           </a:p>
         </p:txBody>
       </p:sp>
@@ -410,43 +5017,43 @@
         </p:nvSpPr>
         <p:spPr/>
         <p:txBody>
-          <a:bodyPr vert="eaVert"/>
+          <a:bodyPr vert="eaVert" anchor="t"/>
           <a:lstStyle/>
           <a:p>
             <a:pPr lvl="0"/>
             <a:r>
-              <a:rPr lang="en-US" smtClean="0"/>
+              <a:rPr lang="en-US"/>
               <a:t>Click to edit Master text styles</a:t>
             </a:r>
           </a:p>
           <a:p>
             <a:pPr lvl="1"/>
             <a:r>
-              <a:rPr lang="en-US" smtClean="0"/>
+              <a:rPr lang="en-US"/>
               <a:t>Second level</a:t>
             </a:r>
           </a:p>
           <a:p>
             <a:pPr lvl="2"/>
             <a:r>
-              <a:rPr lang="en-US" smtClean="0"/>
+              <a:rPr lang="en-US"/>
               <a:t>Third level</a:t>
             </a:r>
           </a:p>
           <a:p>
             <a:pPr lvl="3"/>
             <a:r>
-              <a:rPr lang="en-US" smtClean="0"/>
+              <a:rPr lang="en-US"/>
               <a:t>Fourth level</a:t>
             </a:r>
           </a:p>
           <a:p>
             <a:pPr lvl="4"/>
             <a:r>
-              <a:rPr lang="en-US" smtClean="0"/>
+              <a:rPr lang="en-US"/>
               <a:t>Fifth level</a:t>
             </a:r>
-            <a:endParaRPr lang="en-US"/>
+            <a:endParaRPr lang="en-US" dirty="0"/>
           </a:p>
         </p:txBody>
       </p:sp>
@@ -467,7 +5074,7 @@
           <a:p>
             <a:fld id="{5BCAD085-E8A6-8845-BD4E-CB4CCA059FC4}" type="datetimeFigureOut">
               <a:rPr lang="en-US" smtClean="0"/>
-              <a:t>1/27/13</a:t>
+              <a:t>5/21/2024</a:t>
             </a:fld>
             <a:endParaRPr lang="en-US"/>
           </a:p>
@@ -518,7 +5125,7 @@
     </p:spTree>
     <p:extLst>
       <p:ext uri="{BB962C8B-B14F-4D97-AF65-F5344CB8AC3E}">
-        <p14:creationId xmlns:p14="http://schemas.microsoft.com/office/powerpoint/2010/main" val="2910927964"/>
+        <p14:creationId xmlns:p14="http://schemas.microsoft.com/office/powerpoint/2010/main" val="1013945568"/>
       </p:ext>
     </p:extLst>
   </p:cSld>
@@ -528,7 +5135,7 @@
 </p:sldLayout>
 </file>
 
-<file path=ppt/slideLayouts/slideLayout11.xml><?xml version="1.0" encoding="utf-8"?>
+<file path=ppt/slideLayouts/slideLayout17.xml><?xml version="1.0" encoding="utf-8"?>
 <p:sldLayout xmlns:a="http://schemas.openxmlformats.org/drawingml/2006/main" xmlns:r="http://schemas.openxmlformats.org/officeDocument/2006/relationships" xmlns:p="http://schemas.openxmlformats.org/presentationml/2006/main" type="vertTitleAndTx" preserve="1">
   <p:cSld name="Vertical Title and Text">
     <p:spTree>
@@ -557,8 +5164,8 @@
         </p:nvSpPr>
         <p:spPr>
           <a:xfrm>
-            <a:off x="6629400" y="274638"/>
-            <a:ext cx="2057400" cy="5851525"/>
+            <a:off x="6551708" y="596018"/>
+            <a:ext cx="1778112" cy="5506042"/>
           </a:xfrm>
         </p:spPr>
         <p:txBody>
@@ -566,10 +5173,10 @@
           <a:lstStyle/>
           <a:p>
             <a:r>
-              <a:rPr lang="en-US" smtClean="0"/>
+              <a:rPr lang="en-US"/>
               <a:t>Click to edit Master title style</a:t>
             </a:r>
-            <a:endParaRPr lang="en-US"/>
+            <a:endParaRPr lang="en-US" dirty="0"/>
           </a:p>
         </p:txBody>
       </p:sp>
@@ -585,48 +5192,48 @@
         </p:nvSpPr>
         <p:spPr>
           <a:xfrm>
-            <a:off x="457200" y="274638"/>
-            <a:ext cx="6019800" cy="5851525"/>
+            <a:off x="818347" y="596018"/>
+            <a:ext cx="5624137" cy="5506042"/>
           </a:xfrm>
         </p:spPr>
         <p:txBody>
-          <a:bodyPr vert="eaVert"/>
+          <a:bodyPr vert="eaVert" anchor="t"/>
           <a:lstStyle/>
           <a:p>
             <a:pPr lvl="0"/>
             <a:r>
-              <a:rPr lang="en-US" smtClean="0"/>
+              <a:rPr lang="en-US"/>
               <a:t>Click to edit Master text styles</a:t>
             </a:r>
           </a:p>
           <a:p>
             <a:pPr lvl="1"/>
             <a:r>
-              <a:rPr lang="en-US" smtClean="0"/>
+              <a:rPr lang="en-US"/>
               <a:t>Second level</a:t>
             </a:r>
           </a:p>
           <a:p>
             <a:pPr lvl="2"/>
             <a:r>
-              <a:rPr lang="en-US" smtClean="0"/>
+              <a:rPr lang="en-US"/>
               <a:t>Third level</a:t>
             </a:r>
           </a:p>
           <a:p>
             <a:pPr lvl="3"/>
             <a:r>
-              <a:rPr lang="en-US" smtClean="0"/>
+              <a:rPr lang="en-US"/>
               <a:t>Fourth level</a:t>
             </a:r>
           </a:p>
           <a:p>
             <a:pPr lvl="4"/>
             <a:r>
-              <a:rPr lang="en-US" smtClean="0"/>
+              <a:rPr lang="en-US"/>
               <a:t>Fifth level</a:t>
             </a:r>
-            <a:endParaRPr lang="en-US"/>
+            <a:endParaRPr lang="en-US" dirty="0"/>
           </a:p>
         </p:txBody>
       </p:sp>
@@ -647,7 +5254,7 @@
           <a:p>
             <a:fld id="{5BCAD085-E8A6-8845-BD4E-CB4CCA059FC4}" type="datetimeFigureOut">
               <a:rPr lang="en-US" smtClean="0"/>
-              <a:t>1/27/13</a:t>
+              <a:t>5/21/2024</a:t>
             </a:fld>
             <a:endParaRPr lang="en-US"/>
           </a:p>
@@ -698,7 +5305,7 @@
     </p:spTree>
     <p:extLst>
       <p:ext uri="{BB962C8B-B14F-4D97-AF65-F5344CB8AC3E}">
-        <p14:creationId xmlns:p14="http://schemas.microsoft.com/office/powerpoint/2010/main" val="3612223792"/>
+        <p14:creationId xmlns:p14="http://schemas.microsoft.com/office/powerpoint/2010/main" val="1521276746"/>
       </p:ext>
     </p:extLst>
   </p:cSld>
@@ -741,10 +5348,10 @@
           <a:lstStyle/>
           <a:p>
             <a:r>
-              <a:rPr lang="en-US" smtClean="0"/>
+              <a:rPr lang="en-US"/>
               <a:t>Click to edit Master title style</a:t>
             </a:r>
-            <a:endParaRPr lang="en-US"/>
+            <a:endParaRPr lang="en-US" dirty="0"/>
           </a:p>
         </p:txBody>
       </p:sp>
@@ -756,6 +5363,58 @@
           </p:cNvSpPr>
           <p:nvPr>
             <p:ph idx="1"/>
+          </p:nvPr>
+        </p:nvSpPr>
+        <p:spPr/>
+        <p:txBody>
+          <a:bodyPr anchor="ctr"/>
+          <a:lstStyle/>
+          <a:p>
+            <a:pPr lvl="0"/>
+            <a:r>
+              <a:rPr lang="en-US"/>
+              <a:t>Click to edit Master text styles</a:t>
+            </a:r>
+          </a:p>
+          <a:p>
+            <a:pPr lvl="1"/>
+            <a:r>
+              <a:rPr lang="en-US"/>
+              <a:t>Second level</a:t>
+            </a:r>
+          </a:p>
+          <a:p>
+            <a:pPr lvl="2"/>
+            <a:r>
+              <a:rPr lang="en-US"/>
+              <a:t>Third level</a:t>
+            </a:r>
+          </a:p>
+          <a:p>
+            <a:pPr lvl="3"/>
+            <a:r>
+              <a:rPr lang="en-US"/>
+              <a:t>Fourth level</a:t>
+            </a:r>
+          </a:p>
+          <a:p>
+            <a:pPr lvl="4"/>
+            <a:r>
+              <a:rPr lang="en-US"/>
+              <a:t>Fifth level</a:t>
+            </a:r>
+            <a:endParaRPr lang="en-US" dirty="0"/>
+          </a:p>
+        </p:txBody>
+      </p:sp>
+      <p:sp>
+        <p:nvSpPr>
+          <p:cNvPr id="4" name="Date Placeholder 3"/>
+          <p:cNvSpPr>
+            <a:spLocks noGrp="1"/>
+          </p:cNvSpPr>
+          <p:nvPr>
+            <p:ph type="dt" sz="half" idx="10"/>
           </p:nvPr>
         </p:nvSpPr>
         <p:spPr/>
@@ -763,61 +5422,9 @@
           <a:bodyPr/>
           <a:lstStyle/>
           <a:p>
-            <a:pPr lvl="0"/>
-            <a:r>
-              <a:rPr lang="en-US" smtClean="0"/>
-              <a:t>Click to edit Master text styles</a:t>
-            </a:r>
-          </a:p>
-          <a:p>
-            <a:pPr lvl="1"/>
-            <a:r>
-              <a:rPr lang="en-US" smtClean="0"/>
-              <a:t>Second level</a:t>
-            </a:r>
-          </a:p>
-          <a:p>
-            <a:pPr lvl="2"/>
-            <a:r>
-              <a:rPr lang="en-US" smtClean="0"/>
-              <a:t>Third level</a:t>
-            </a:r>
-          </a:p>
-          <a:p>
-            <a:pPr lvl="3"/>
-            <a:r>
-              <a:rPr lang="en-US" smtClean="0"/>
-              <a:t>Fourth level</a:t>
-            </a:r>
-          </a:p>
-          <a:p>
-            <a:pPr lvl="4"/>
-            <a:r>
-              <a:rPr lang="en-US" smtClean="0"/>
-              <a:t>Fifth level</a:t>
-            </a:r>
-            <a:endParaRPr lang="en-US"/>
-          </a:p>
-        </p:txBody>
-      </p:sp>
-      <p:sp>
-        <p:nvSpPr>
-          <p:cNvPr id="4" name="Date Placeholder 3"/>
-          <p:cNvSpPr>
-            <a:spLocks noGrp="1"/>
-          </p:cNvSpPr>
-          <p:nvPr>
-            <p:ph type="dt" sz="half" idx="10"/>
-          </p:nvPr>
-        </p:nvSpPr>
-        <p:spPr/>
-        <p:txBody>
-          <a:bodyPr/>
-          <a:lstStyle/>
-          <a:p>
             <a:fld id="{5BCAD085-E8A6-8845-BD4E-CB4CCA059FC4}" type="datetimeFigureOut">
               <a:rPr lang="en-US" smtClean="0"/>
-              <a:t>1/27/13</a:t>
+              <a:t>5/21/2024</a:t>
             </a:fld>
             <a:endParaRPr lang="en-US"/>
           </a:p>
@@ -868,7 +5475,7 @@
     </p:spTree>
     <p:extLst>
       <p:ext uri="{BB962C8B-B14F-4D97-AF65-F5344CB8AC3E}">
-        <p14:creationId xmlns:p14="http://schemas.microsoft.com/office/powerpoint/2010/main" val="2614314258"/>
+        <p14:creationId xmlns:p14="http://schemas.microsoft.com/office/powerpoint/2010/main" val="325319080"/>
       </p:ext>
     </p:extLst>
   </p:cSld>
@@ -907,23 +5514,25 @@
         </p:nvSpPr>
         <p:spPr>
           <a:xfrm>
-            <a:off x="722313" y="4406900"/>
-            <a:ext cx="7772400" cy="1362075"/>
+            <a:off x="819314" y="3270698"/>
+            <a:ext cx="7510506" cy="1823305"/>
           </a:xfrm>
         </p:spPr>
         <p:txBody>
-          <a:bodyPr anchor="t"/>
+          <a:bodyPr anchor="b">
+            <a:normAutofit/>
+          </a:bodyPr>
           <a:lstStyle>
-            <a:lvl1pPr algn="l">
-              <a:defRPr sz="4000" b="1" cap="all"/>
+            <a:lvl1pPr algn="r">
+              <a:defRPr sz="2800" b="0" cap="all"/>
             </a:lvl1pPr>
           </a:lstStyle>
           <a:p>
             <a:r>
-              <a:rPr lang="en-US" smtClean="0"/>
+              <a:rPr lang="en-US"/>
               <a:t>Click to edit Master title style</a:t>
             </a:r>
-            <a:endParaRPr lang="en-US"/>
+            <a:endParaRPr lang="en-US" dirty="0"/>
           </a:p>
         </p:txBody>
       </p:sp>
@@ -939,44 +5548,65 @@
         </p:nvSpPr>
         <p:spPr>
           <a:xfrm>
-            <a:off x="722313" y="2906713"/>
-            <a:ext cx="7772400" cy="1500187"/>
+            <a:off x="819314" y="5103810"/>
+            <a:ext cx="7510506" cy="998250"/>
           </a:xfrm>
         </p:spPr>
         <p:txBody>
-          <a:bodyPr anchor="b"/>
+          <a:bodyPr anchor="t">
+            <a:normAutofit/>
+          </a:bodyPr>
           <a:lstStyle>
-            <a:lvl1pPr marL="0" indent="0">
-              <a:buNone/>
-              <a:defRPr sz="2000">
+            <a:lvl1pPr marL="0" indent="0" algn="r">
+              <a:buNone/>
+              <a:defRPr sz="1800">
+                <a:gradFill flip="none" rotWithShape="1">
+                  <a:gsLst>
+                    <a:gs pos="0">
+                      <a:schemeClr val="tx1"/>
+                    </a:gs>
+                    <a:gs pos="100000">
+                      <a:schemeClr val="tx1">
+                        <a:lumMod val="75000"/>
+                      </a:schemeClr>
+                    </a:gs>
+                  </a:gsLst>
+                  <a:lin ang="5400000" scaled="0"/>
+                  <a:tileRect/>
+                </a:gradFill>
+              </a:defRPr>
+            </a:lvl1pPr>
+            <a:lvl2pPr marL="457200" indent="0">
+              <a:buNone/>
+              <a:defRPr sz="1800">
                 <a:solidFill>
                   <a:schemeClr val="tx1">
                     <a:tint val="75000"/>
                   </a:schemeClr>
                 </a:solidFill>
               </a:defRPr>
-            </a:lvl1pPr>
-            <a:lvl2pPr marL="457200" indent="0">
-              <a:buNone/>
-              <a:defRPr sz="1800">
+            </a:lvl2pPr>
+            <a:lvl3pPr marL="914400" indent="0">
+              <a:buNone/>
+              <a:defRPr sz="1600">
                 <a:solidFill>
                   <a:schemeClr val="tx1">
                     <a:tint val="75000"/>
                   </a:schemeClr>
                 </a:solidFill>
               </a:defRPr>
-            </a:lvl2pPr>
-            <a:lvl3pPr marL="914400" indent="0">
-              <a:buNone/>
-              <a:defRPr sz="1600">
+            </a:lvl3pPr>
+            <a:lvl4pPr marL="1371600" indent="0">
+              <a:buNone/>
+              <a:defRPr sz="1400">
                 <a:solidFill>
                   <a:schemeClr val="tx1">
                     <a:tint val="75000"/>
                   </a:schemeClr>
                 </a:solidFill>
               </a:defRPr>
-            </a:lvl3pPr>
-            <a:lvl4pPr marL="1371600" indent="0">
+            </a:lvl4pPr>
+            <a:lvl5pPr marL="1828800" indent="0">
               <a:buNone/>
               <a:defRPr sz="1400">
                 <a:solidFill>
@@ -985,8 +5615,8 @@
                   </a:schemeClr>
                 </a:solidFill>
               </a:defRPr>
-            </a:lvl4pPr>
-            <a:lvl5pPr marL="1828800" indent="0">
+            </a:lvl5pPr>
+            <a:lvl6pPr marL="2286000" indent="0">
               <a:buNone/>
               <a:defRPr sz="1400">
                 <a:solidFill>
@@ -995,8 +5625,8 @@
                   </a:schemeClr>
                 </a:solidFill>
               </a:defRPr>
-            </a:lvl5pPr>
-            <a:lvl6pPr marL="2286000" indent="0">
+            </a:lvl6pPr>
+            <a:lvl7pPr marL="2743200" indent="0">
               <a:buNone/>
               <a:defRPr sz="1400">
                 <a:solidFill>
@@ -1005,8 +5635,8 @@
                   </a:schemeClr>
                 </a:solidFill>
               </a:defRPr>
-            </a:lvl6pPr>
-            <a:lvl7pPr marL="2743200" indent="0">
+            </a:lvl7pPr>
+            <a:lvl8pPr marL="3200400" indent="0">
               <a:buNone/>
               <a:defRPr sz="1400">
                 <a:solidFill>
@@ -1015,8 +5645,8 @@
                   </a:schemeClr>
                 </a:solidFill>
               </a:defRPr>
-            </a:lvl7pPr>
-            <a:lvl8pPr marL="3200400" indent="0">
+            </a:lvl8pPr>
+            <a:lvl9pPr marL="3657600" indent="0">
               <a:buNone/>
               <a:defRPr sz="1400">
                 <a:solidFill>
@@ -1025,22 +5655,12 @@
                   </a:schemeClr>
                 </a:solidFill>
               </a:defRPr>
-            </a:lvl8pPr>
-            <a:lvl9pPr marL="3657600" indent="0">
-              <a:buNone/>
-              <a:defRPr sz="1400">
-                <a:solidFill>
-                  <a:schemeClr val="tx1">
-                    <a:tint val="75000"/>
-                  </a:schemeClr>
-                </a:solidFill>
-              </a:defRPr>
             </a:lvl9pPr>
           </a:lstStyle>
           <a:p>
             <a:pPr lvl="0"/>
             <a:r>
-              <a:rPr lang="en-US" smtClean="0"/>
+              <a:rPr lang="en-US"/>
               <a:t>Click to edit Master text styles</a:t>
             </a:r>
           </a:p>
@@ -1063,7 +5683,7 @@
           <a:p>
             <a:fld id="{5BCAD085-E8A6-8845-BD4E-CB4CCA059FC4}" type="datetimeFigureOut">
               <a:rPr lang="en-US" smtClean="0"/>
-              <a:t>1/27/13</a:t>
+              <a:t>5/21/2024</a:t>
             </a:fld>
             <a:endParaRPr lang="en-US"/>
           </a:p>
@@ -1114,7 +5734,7 @@
     </p:spTree>
     <p:extLst>
       <p:ext uri="{BB962C8B-B14F-4D97-AF65-F5344CB8AC3E}">
-        <p14:creationId xmlns:p14="http://schemas.microsoft.com/office/powerpoint/2010/main" val="960648375"/>
+        <p14:creationId xmlns:p14="http://schemas.microsoft.com/office/powerpoint/2010/main" val="3305399206"/>
       </p:ext>
     </p:extLst>
   </p:cSld>
@@ -1157,10 +5777,10 @@
           <a:lstStyle/>
           <a:p>
             <a:r>
-              <a:rPr lang="en-US" smtClean="0"/>
+              <a:rPr lang="en-US"/>
               <a:t>Click to edit Master title style</a:t>
             </a:r>
-            <a:endParaRPr lang="en-US"/>
+            <a:endParaRPr lang="en-US" dirty="0"/>
           </a:p>
         </p:txBody>
       </p:sp>
@@ -1176,76 +5796,78 @@
         </p:nvSpPr>
         <p:spPr>
           <a:xfrm>
-            <a:off x="457200" y="1600200"/>
-            <a:ext cx="4038600" cy="4525963"/>
+            <a:off x="818347" y="2060898"/>
+            <a:ext cx="3685073" cy="4031331"/>
           </a:xfrm>
         </p:spPr>
         <p:txBody>
-          <a:bodyPr/>
+          <a:bodyPr>
+            <a:normAutofit/>
+          </a:bodyPr>
           <a:lstStyle>
             <a:lvl1pPr>
-              <a:defRPr sz="2800"/>
+              <a:defRPr sz="1600"/>
             </a:lvl1pPr>
             <a:lvl2pPr>
-              <a:defRPr sz="2400"/>
+              <a:defRPr sz="1400"/>
             </a:lvl2pPr>
             <a:lvl3pPr>
-              <a:defRPr sz="2000"/>
+              <a:defRPr sz="1200"/>
             </a:lvl3pPr>
             <a:lvl4pPr>
-              <a:defRPr sz="1800"/>
+              <a:defRPr sz="1100"/>
             </a:lvl4pPr>
             <a:lvl5pPr>
-              <a:defRPr sz="1800"/>
+              <a:defRPr sz="1100"/>
             </a:lvl5pPr>
             <a:lvl6pPr>
-              <a:defRPr sz="1800"/>
+              <a:defRPr sz="1100"/>
             </a:lvl6pPr>
             <a:lvl7pPr>
-              <a:defRPr sz="1800"/>
+              <a:defRPr sz="1100"/>
             </a:lvl7pPr>
             <a:lvl8pPr>
-              <a:defRPr sz="1800"/>
+              <a:defRPr sz="1100"/>
             </a:lvl8pPr>
             <a:lvl9pPr>
-              <a:defRPr sz="1800"/>
+              <a:defRPr sz="1100"/>
             </a:lvl9pPr>
           </a:lstStyle>
           <a:p>
             <a:pPr lvl="0"/>
             <a:r>
-              <a:rPr lang="en-US" smtClean="0"/>
+              <a:rPr lang="en-US"/>
               <a:t>Click to edit Master text styles</a:t>
             </a:r>
           </a:p>
           <a:p>
             <a:pPr lvl="1"/>
             <a:r>
-              <a:rPr lang="en-US" smtClean="0"/>
+              <a:rPr lang="en-US"/>
               <a:t>Second level</a:t>
             </a:r>
           </a:p>
           <a:p>
             <a:pPr lvl="2"/>
             <a:r>
-              <a:rPr lang="en-US" smtClean="0"/>
+              <a:rPr lang="en-US"/>
               <a:t>Third level</a:t>
             </a:r>
           </a:p>
           <a:p>
             <a:pPr lvl="3"/>
             <a:r>
-              <a:rPr lang="en-US" smtClean="0"/>
+              <a:rPr lang="en-US"/>
               <a:t>Fourth level</a:t>
             </a:r>
           </a:p>
           <a:p>
             <a:pPr lvl="4"/>
             <a:r>
-              <a:rPr lang="en-US" smtClean="0"/>
+              <a:rPr lang="en-US"/>
               <a:t>Fifth level</a:t>
             </a:r>
-            <a:endParaRPr lang="en-US"/>
+            <a:endParaRPr lang="en-US" dirty="0"/>
           </a:p>
         </p:txBody>
       </p:sp>
@@ -1261,76 +5883,78 @@
         </p:nvSpPr>
         <p:spPr>
           <a:xfrm>
-            <a:off x="4648200" y="1600200"/>
-            <a:ext cx="4038600" cy="4525963"/>
+            <a:off x="4640580" y="2060898"/>
+            <a:ext cx="3689239" cy="4031330"/>
           </a:xfrm>
         </p:spPr>
         <p:txBody>
-          <a:bodyPr/>
+          <a:bodyPr>
+            <a:normAutofit/>
+          </a:bodyPr>
           <a:lstStyle>
             <a:lvl1pPr>
-              <a:defRPr sz="2800"/>
+              <a:defRPr sz="1600"/>
             </a:lvl1pPr>
             <a:lvl2pPr>
-              <a:defRPr sz="2400"/>
+              <a:defRPr sz="1400"/>
             </a:lvl2pPr>
             <a:lvl3pPr>
-              <a:defRPr sz="2000"/>
+              <a:defRPr sz="1200"/>
             </a:lvl3pPr>
             <a:lvl4pPr>
-              <a:defRPr sz="1800"/>
+              <a:defRPr sz="1100"/>
             </a:lvl4pPr>
             <a:lvl5pPr>
-              <a:defRPr sz="1800"/>
+              <a:defRPr sz="1100"/>
             </a:lvl5pPr>
             <a:lvl6pPr>
-              <a:defRPr sz="1800"/>
+              <a:defRPr sz="1100"/>
             </a:lvl6pPr>
             <a:lvl7pPr>
-              <a:defRPr sz="1800"/>
+              <a:defRPr sz="1100"/>
             </a:lvl7pPr>
             <a:lvl8pPr>
-              <a:defRPr sz="1800"/>
+              <a:defRPr sz="1100"/>
             </a:lvl8pPr>
             <a:lvl9pPr>
-              <a:defRPr sz="1800"/>
+              <a:defRPr sz="1100"/>
             </a:lvl9pPr>
           </a:lstStyle>
           <a:p>
             <a:pPr lvl="0"/>
             <a:r>
-              <a:rPr lang="en-US" smtClean="0"/>
+              <a:rPr lang="en-US"/>
               <a:t>Click to edit Master text styles</a:t>
             </a:r>
           </a:p>
           <a:p>
             <a:pPr lvl="1"/>
             <a:r>
-              <a:rPr lang="en-US" smtClean="0"/>
+              <a:rPr lang="en-US"/>
               <a:t>Second level</a:t>
             </a:r>
           </a:p>
           <a:p>
             <a:pPr lvl="2"/>
             <a:r>
-              <a:rPr lang="en-US" smtClean="0"/>
+              <a:rPr lang="en-US"/>
               <a:t>Third level</a:t>
             </a:r>
           </a:p>
           <a:p>
             <a:pPr lvl="3"/>
             <a:r>
-              <a:rPr lang="en-US" smtClean="0"/>
+              <a:rPr lang="en-US"/>
               <a:t>Fourth level</a:t>
             </a:r>
           </a:p>
           <a:p>
             <a:pPr lvl="4"/>
             <a:r>
-              <a:rPr lang="en-US" smtClean="0"/>
+              <a:rPr lang="en-US"/>
               <a:t>Fifth level</a:t>
             </a:r>
-            <a:endParaRPr lang="en-US"/>
+            <a:endParaRPr lang="en-US" dirty="0"/>
           </a:p>
         </p:txBody>
       </p:sp>
@@ -1351,7 +5975,7 @@
           <a:p>
             <a:fld id="{5BCAD085-E8A6-8845-BD4E-CB4CCA059FC4}" type="datetimeFigureOut">
               <a:rPr lang="en-US" smtClean="0"/>
-              <a:t>1/27/13</a:t>
+              <a:t>5/21/2024</a:t>
             </a:fld>
             <a:endParaRPr lang="en-US"/>
           </a:p>
@@ -1402,7 +6026,7 @@
     </p:spTree>
     <p:extLst>
       <p:ext uri="{BB962C8B-B14F-4D97-AF65-F5344CB8AC3E}">
-        <p14:creationId xmlns:p14="http://schemas.microsoft.com/office/powerpoint/2010/main" val="2782244947"/>
+        <p14:creationId xmlns:p14="http://schemas.microsoft.com/office/powerpoint/2010/main" val="540586275"/>
       </p:ext>
     </p:extLst>
   </p:cSld>
@@ -1449,10 +6073,10 @@
           </a:lstStyle>
           <a:p>
             <a:r>
-              <a:rPr lang="en-US" smtClean="0"/>
+              <a:rPr lang="en-US"/>
               <a:t>Click to edit Master title style</a:t>
             </a:r>
-            <a:endParaRPr lang="en-US"/>
+            <a:endParaRPr lang="en-US" dirty="0"/>
           </a:p>
         </p:txBody>
       </p:sp>
@@ -1468,16 +6092,18 @@
         </p:nvSpPr>
         <p:spPr>
           <a:xfrm>
-            <a:off x="457200" y="1535113"/>
-            <a:ext cx="4040188" cy="639762"/>
+            <a:off x="1106306" y="2060898"/>
+            <a:ext cx="3397113" cy="733596"/>
           </a:xfrm>
         </p:spPr>
         <p:txBody>
-          <a:bodyPr anchor="b"/>
+          <a:bodyPr anchor="b">
+            <a:noAutofit/>
+          </a:bodyPr>
           <a:lstStyle>
             <a:lvl1pPr marL="0" indent="0">
               <a:buNone/>
-              <a:defRPr sz="2400" b="1"/>
+              <a:defRPr sz="2200" b="0"/>
             </a:lvl1pPr>
             <a:lvl2pPr marL="457200" indent="0">
               <a:buNone/>
@@ -1515,7 +6141,7 @@
           <a:p>
             <a:pPr lvl="0"/>
             <a:r>
-              <a:rPr lang="en-US" smtClean="0"/>
+              <a:rPr lang="en-US"/>
               <a:t>Click to edit Master text styles</a:t>
             </a:r>
           </a:p>
@@ -1533,76 +6159,78 @@
         </p:nvSpPr>
         <p:spPr>
           <a:xfrm>
-            <a:off x="457200" y="2174875"/>
-            <a:ext cx="4040188" cy="3951288"/>
+            <a:off x="818347" y="2786027"/>
+            <a:ext cx="3685073" cy="3316033"/>
           </a:xfrm>
         </p:spPr>
         <p:txBody>
-          <a:bodyPr/>
+          <a:bodyPr anchor="t">
+            <a:normAutofit/>
+          </a:bodyPr>
           <a:lstStyle>
             <a:lvl1pPr>
-              <a:defRPr sz="2400"/>
+              <a:defRPr sz="1600"/>
             </a:lvl1pPr>
             <a:lvl2pPr>
-              <a:defRPr sz="2000"/>
+              <a:defRPr sz="1400"/>
             </a:lvl2pPr>
             <a:lvl3pPr>
-              <a:defRPr sz="1800"/>
+              <a:defRPr sz="1200"/>
             </a:lvl3pPr>
             <a:lvl4pPr>
-              <a:defRPr sz="1600"/>
+              <a:defRPr sz="1100"/>
             </a:lvl4pPr>
             <a:lvl5pPr>
-              <a:defRPr sz="1600"/>
+              <a:defRPr sz="1100"/>
             </a:lvl5pPr>
             <a:lvl6pPr>
-              <a:defRPr sz="1600"/>
+              <a:defRPr sz="1100"/>
             </a:lvl6pPr>
             <a:lvl7pPr>
-              <a:defRPr sz="1600"/>
+              <a:defRPr sz="1100"/>
             </a:lvl7pPr>
             <a:lvl8pPr>
-              <a:defRPr sz="1600"/>
+              <a:defRPr sz="1100"/>
             </a:lvl8pPr>
             <a:lvl9pPr>
-              <a:defRPr sz="1600"/>
+              <a:defRPr sz="1100"/>
             </a:lvl9pPr>
           </a:lstStyle>
           <a:p>
             <a:pPr lvl="0"/>
             <a:r>
-              <a:rPr lang="en-US" smtClean="0"/>
+              <a:rPr lang="en-US"/>
               <a:t>Click to edit Master text styles</a:t>
             </a:r>
           </a:p>
           <a:p>
             <a:pPr lvl="1"/>
             <a:r>
-              <a:rPr lang="en-US" smtClean="0"/>
+              <a:rPr lang="en-US"/>
               <a:t>Second level</a:t>
             </a:r>
           </a:p>
           <a:p>
             <a:pPr lvl="2"/>
             <a:r>
-              <a:rPr lang="en-US" smtClean="0"/>
+              <a:rPr lang="en-US"/>
               <a:t>Third level</a:t>
             </a:r>
           </a:p>
           <a:p>
             <a:pPr lvl="3"/>
             <a:r>
-              <a:rPr lang="en-US" smtClean="0"/>
+              <a:rPr lang="en-US"/>
               <a:t>Fourth level</a:t>
             </a:r>
           </a:p>
           <a:p>
             <a:pPr lvl="4"/>
             <a:r>
-              <a:rPr lang="en-US" smtClean="0"/>
+              <a:rPr lang="en-US"/>
               <a:t>Fifth level</a:t>
             </a:r>
-            <a:endParaRPr lang="en-US"/>
+            <a:endParaRPr lang="en-US" dirty="0"/>
           </a:p>
         </p:txBody>
       </p:sp>
@@ -1618,16 +6246,18 @@
         </p:nvSpPr>
         <p:spPr>
           <a:xfrm>
-            <a:off x="4645025" y="1535113"/>
-            <a:ext cx="4041775" cy="639762"/>
+            <a:off x="4910150" y="2060898"/>
+            <a:ext cx="3419670" cy="725129"/>
           </a:xfrm>
         </p:spPr>
         <p:txBody>
-          <a:bodyPr anchor="b"/>
+          <a:bodyPr anchor="b">
+            <a:noAutofit/>
+          </a:bodyPr>
           <a:lstStyle>
             <a:lvl1pPr marL="0" indent="0">
               <a:buNone/>
-              <a:defRPr sz="2400" b="1"/>
+              <a:defRPr sz="2200" b="0"/>
             </a:lvl1pPr>
             <a:lvl2pPr marL="457200" indent="0">
               <a:buNone/>
@@ -1665,7 +6295,7 @@
           <a:p>
             <a:pPr lvl="0"/>
             <a:r>
-              <a:rPr lang="en-US" smtClean="0"/>
+              <a:rPr lang="en-US"/>
               <a:t>Click to edit Master text styles</a:t>
             </a:r>
           </a:p>
@@ -1683,76 +6313,78 @@
         </p:nvSpPr>
         <p:spPr>
           <a:xfrm>
-            <a:off x="4645025" y="2174875"/>
-            <a:ext cx="4041775" cy="3951288"/>
+            <a:off x="4629165" y="2786027"/>
+            <a:ext cx="3701520" cy="3316033"/>
           </a:xfrm>
         </p:spPr>
         <p:txBody>
-          <a:bodyPr/>
+          <a:bodyPr anchor="t">
+            <a:normAutofit/>
+          </a:bodyPr>
           <a:lstStyle>
             <a:lvl1pPr>
-              <a:defRPr sz="2400"/>
+              <a:defRPr sz="1600"/>
             </a:lvl1pPr>
             <a:lvl2pPr>
-              <a:defRPr sz="2000"/>
+              <a:defRPr sz="1400"/>
             </a:lvl2pPr>
             <a:lvl3pPr>
-              <a:defRPr sz="1800"/>
+              <a:defRPr sz="1200"/>
             </a:lvl3pPr>
             <a:lvl4pPr>
-              <a:defRPr sz="1600"/>
+              <a:defRPr sz="1100"/>
             </a:lvl4pPr>
             <a:lvl5pPr>
-              <a:defRPr sz="1600"/>
+              <a:defRPr sz="1100"/>
             </a:lvl5pPr>
             <a:lvl6pPr>
-              <a:defRPr sz="1600"/>
+              <a:defRPr sz="1100"/>
             </a:lvl6pPr>
             <a:lvl7pPr>
-              <a:defRPr sz="1600"/>
+              <a:defRPr sz="1100"/>
             </a:lvl7pPr>
             <a:lvl8pPr>
-              <a:defRPr sz="1600"/>
+              <a:defRPr sz="1100"/>
             </a:lvl8pPr>
             <a:lvl9pPr>
-              <a:defRPr sz="1600"/>
+              <a:defRPr sz="1100"/>
             </a:lvl9pPr>
           </a:lstStyle>
           <a:p>
             <a:pPr lvl="0"/>
             <a:r>
-              <a:rPr lang="en-US" smtClean="0"/>
+              <a:rPr lang="en-US"/>
               <a:t>Click to edit Master text styles</a:t>
             </a:r>
           </a:p>
           <a:p>
             <a:pPr lvl="1"/>
             <a:r>
-              <a:rPr lang="en-US" smtClean="0"/>
+              <a:rPr lang="en-US"/>
               <a:t>Second level</a:t>
             </a:r>
           </a:p>
           <a:p>
             <a:pPr lvl="2"/>
             <a:r>
-              <a:rPr lang="en-US" smtClean="0"/>
+              <a:rPr lang="en-US"/>
               <a:t>Third level</a:t>
             </a:r>
           </a:p>
           <a:p>
             <a:pPr lvl="3"/>
             <a:r>
-              <a:rPr lang="en-US" smtClean="0"/>
+              <a:rPr lang="en-US"/>
               <a:t>Fourth level</a:t>
             </a:r>
           </a:p>
           <a:p>
             <a:pPr lvl="4"/>
             <a:r>
-              <a:rPr lang="en-US" smtClean="0"/>
+              <a:rPr lang="en-US"/>
               <a:t>Fifth level</a:t>
             </a:r>
-            <a:endParaRPr lang="en-US"/>
+            <a:endParaRPr lang="en-US" dirty="0"/>
           </a:p>
         </p:txBody>
       </p:sp>
@@ -1773,7 +6405,7 @@
           <a:p>
             <a:fld id="{5BCAD085-E8A6-8845-BD4E-CB4CCA059FC4}" type="datetimeFigureOut">
               <a:rPr lang="en-US" smtClean="0"/>
-              <a:t>1/27/13</a:t>
+              <a:t>5/21/2024</a:t>
             </a:fld>
             <a:endParaRPr lang="en-US"/>
           </a:p>
@@ -1824,7 +6456,7 @@
     </p:spTree>
     <p:extLst>
       <p:ext uri="{BB962C8B-B14F-4D97-AF65-F5344CB8AC3E}">
-        <p14:creationId xmlns:p14="http://schemas.microsoft.com/office/powerpoint/2010/main" val="990158736"/>
+        <p14:creationId xmlns:p14="http://schemas.microsoft.com/office/powerpoint/2010/main" val="1147711492"/>
       </p:ext>
     </p:extLst>
   </p:cSld>
@@ -1863,35 +6495,41 @@
         </p:nvSpPr>
         <p:spPr/>
         <p:txBody>
+          <a:bodyPr>
+            <a:normAutofit/>
+          </a:bodyPr>
+          <a:lstStyle>
+            <a:lvl1pPr>
+              <a:defRPr sz="2600"/>
+            </a:lvl1pPr>
+          </a:lstStyle>
+          <a:p>
+            <a:r>
+              <a:rPr lang="en-US"/>
+              <a:t>Click to edit Master title style</a:t>
+            </a:r>
+            <a:endParaRPr lang="en-US" dirty="0"/>
+          </a:p>
+        </p:txBody>
+      </p:sp>
+      <p:sp>
+        <p:nvSpPr>
+          <p:cNvPr id="3" name="Date Placeholder 2"/>
+          <p:cNvSpPr>
+            <a:spLocks noGrp="1"/>
+          </p:cNvSpPr>
+          <p:nvPr>
+            <p:ph type="dt" sz="half" idx="10"/>
+          </p:nvPr>
+        </p:nvSpPr>
+        <p:spPr/>
+        <p:txBody>
           <a:bodyPr/>
           <a:lstStyle/>
           <a:p>
-            <a:r>
-              <a:rPr lang="en-US" smtClean="0"/>
-              <a:t>Click to edit Master title style</a:t>
-            </a:r>
-            <a:endParaRPr lang="en-US"/>
-          </a:p>
-        </p:txBody>
-      </p:sp>
-      <p:sp>
-        <p:nvSpPr>
-          <p:cNvPr id="3" name="Date Placeholder 2"/>
-          <p:cNvSpPr>
-            <a:spLocks noGrp="1"/>
-          </p:cNvSpPr>
-          <p:nvPr>
-            <p:ph type="dt" sz="half" idx="10"/>
-          </p:nvPr>
-        </p:nvSpPr>
-        <p:spPr/>
-        <p:txBody>
-          <a:bodyPr/>
-          <a:lstStyle/>
-          <a:p>
             <a:fld id="{5BCAD085-E8A6-8845-BD4E-CB4CCA059FC4}" type="datetimeFigureOut">
               <a:rPr lang="en-US" smtClean="0"/>
-              <a:t>1/27/13</a:t>
+              <a:t>5/21/2024</a:t>
             </a:fld>
             <a:endParaRPr lang="en-US"/>
           </a:p>
@@ -1942,7 +6580,7 @@
     </p:spTree>
     <p:extLst>
       <p:ext uri="{BB962C8B-B14F-4D97-AF65-F5344CB8AC3E}">
-        <p14:creationId xmlns:p14="http://schemas.microsoft.com/office/powerpoint/2010/main" val="727027711"/>
+        <p14:creationId xmlns:p14="http://schemas.microsoft.com/office/powerpoint/2010/main" val="506772423"/>
       </p:ext>
     </p:extLst>
   </p:cSld>
@@ -1986,7 +6624,7 @@
           <a:p>
             <a:fld id="{5BCAD085-E8A6-8845-BD4E-CB4CCA059FC4}" type="datetimeFigureOut">
               <a:rPr lang="en-US" smtClean="0"/>
-              <a:t>1/27/13</a:t>
+              <a:t>5/21/2024</a:t>
             </a:fld>
             <a:endParaRPr lang="en-US"/>
           </a:p>
@@ -2037,7 +6675,7 @@
     </p:spTree>
     <p:extLst>
       <p:ext uri="{BB962C8B-B14F-4D97-AF65-F5344CB8AC3E}">
-        <p14:creationId xmlns:p14="http://schemas.microsoft.com/office/powerpoint/2010/main" val="1212999818"/>
+        <p14:creationId xmlns:p14="http://schemas.microsoft.com/office/powerpoint/2010/main" val="2037563539"/>
       </p:ext>
     </p:extLst>
   </p:cSld>
@@ -2076,23 +6714,25 @@
         </p:nvSpPr>
         <p:spPr>
           <a:xfrm>
-            <a:off x="457200" y="273050"/>
-            <a:ext cx="3008313" cy="1162050"/>
+            <a:off x="818347" y="1754928"/>
+            <a:ext cx="2729523" cy="1371600"/>
           </a:xfrm>
         </p:spPr>
         <p:txBody>
-          <a:bodyPr anchor="b"/>
+          <a:bodyPr anchor="b">
+            <a:normAutofit/>
+          </a:bodyPr>
           <a:lstStyle>
             <a:lvl1pPr algn="l">
-              <a:defRPr sz="2000" b="1"/>
+              <a:defRPr sz="2200" b="0"/>
             </a:lvl1pPr>
           </a:lstStyle>
           <a:p>
             <a:r>
-              <a:rPr lang="en-US" smtClean="0"/>
+              <a:rPr lang="en-US"/>
               <a:t>Click to edit Master title style</a:t>
             </a:r>
-            <a:endParaRPr lang="en-US"/>
+            <a:endParaRPr lang="en-US" dirty="0"/>
           </a:p>
         </p:txBody>
       </p:sp>
@@ -2108,76 +6748,78 @@
         </p:nvSpPr>
         <p:spPr>
           <a:xfrm>
-            <a:off x="3575050" y="273050"/>
-            <a:ext cx="5111750" cy="5853113"/>
+            <a:off x="3828856" y="596018"/>
+            <a:ext cx="4500964" cy="5506041"/>
           </a:xfrm>
         </p:spPr>
         <p:txBody>
-          <a:bodyPr/>
+          <a:bodyPr anchor="ctr">
+            <a:normAutofit/>
+          </a:bodyPr>
           <a:lstStyle>
             <a:lvl1pPr>
-              <a:defRPr sz="3200"/>
+              <a:defRPr sz="1800"/>
             </a:lvl1pPr>
             <a:lvl2pPr>
-              <a:defRPr sz="2800"/>
+              <a:defRPr sz="1600"/>
             </a:lvl2pPr>
             <a:lvl3pPr>
-              <a:defRPr sz="2400"/>
+              <a:defRPr sz="1400"/>
             </a:lvl3pPr>
             <a:lvl4pPr>
-              <a:defRPr sz="2000"/>
+              <a:defRPr sz="1200"/>
             </a:lvl4pPr>
             <a:lvl5pPr>
-              <a:defRPr sz="2000"/>
+              <a:defRPr sz="1100"/>
             </a:lvl5pPr>
             <a:lvl6pPr>
-              <a:defRPr sz="2000"/>
+              <a:defRPr sz="1100"/>
             </a:lvl6pPr>
             <a:lvl7pPr>
-              <a:defRPr sz="2000"/>
+              <a:defRPr sz="1100"/>
             </a:lvl7pPr>
             <a:lvl8pPr>
-              <a:defRPr sz="2000"/>
+              <a:defRPr sz="1100"/>
             </a:lvl8pPr>
             <a:lvl9pPr>
-              <a:defRPr sz="2000"/>
+              <a:defRPr sz="1100"/>
             </a:lvl9pPr>
           </a:lstStyle>
           <a:p>
             <a:pPr lvl="0"/>
             <a:r>
-              <a:rPr lang="en-US" smtClean="0"/>
+              <a:rPr lang="en-US"/>
               <a:t>Click to edit Master text styles</a:t>
             </a:r>
           </a:p>
           <a:p>
             <a:pPr lvl="1"/>
             <a:r>
-              <a:rPr lang="en-US" smtClean="0"/>
+              <a:rPr lang="en-US"/>
               <a:t>Second level</a:t>
             </a:r>
           </a:p>
           <a:p>
             <a:pPr lvl="2"/>
             <a:r>
-              <a:rPr lang="en-US" smtClean="0"/>
+              <a:rPr lang="en-US"/>
               <a:t>Third level</a:t>
             </a:r>
           </a:p>
           <a:p>
             <a:pPr lvl="3"/>
             <a:r>
-              <a:rPr lang="en-US" smtClean="0"/>
+              <a:rPr lang="en-US"/>
               <a:t>Fourth level</a:t>
             </a:r>
           </a:p>
           <a:p>
             <a:pPr lvl="4"/>
             <a:r>
-              <a:rPr lang="en-US" smtClean="0"/>
+              <a:rPr lang="en-US"/>
               <a:t>Fifth level</a:t>
             </a:r>
-            <a:endParaRPr lang="en-US"/>
+            <a:endParaRPr lang="en-US" dirty="0"/>
           </a:p>
         </p:txBody>
       </p:sp>
@@ -2193,16 +6835,18 @@
         </p:nvSpPr>
         <p:spPr>
           <a:xfrm>
-            <a:off x="457200" y="1435100"/>
-            <a:ext cx="3008313" cy="4691063"/>
+            <a:off x="818347" y="3126528"/>
+            <a:ext cx="2729523" cy="1828800"/>
           </a:xfrm>
         </p:spPr>
         <p:txBody>
-          <a:bodyPr/>
+          <a:bodyPr>
+            <a:normAutofit/>
+          </a:bodyPr>
           <a:lstStyle>
             <a:lvl1pPr marL="0" indent="0">
               <a:buNone/>
-              <a:defRPr sz="1400"/>
+              <a:defRPr sz="1600"/>
             </a:lvl1pPr>
             <a:lvl2pPr marL="457200" indent="0">
               <a:buNone/>
@@ -2240,7 +6884,7 @@
           <a:p>
             <a:pPr lvl="0"/>
             <a:r>
-              <a:rPr lang="en-US" smtClean="0"/>
+              <a:rPr lang="en-US"/>
               <a:t>Click to edit Master text styles</a:t>
             </a:r>
           </a:p>
@@ -2263,7 +6907,7 @@
           <a:p>
             <a:fld id="{5BCAD085-E8A6-8845-BD4E-CB4CCA059FC4}" type="datetimeFigureOut">
               <a:rPr lang="en-US" smtClean="0"/>
-              <a:t>1/27/13</a:t>
+              <a:t>5/21/2024</a:t>
             </a:fld>
             <a:endParaRPr lang="en-US"/>
           </a:p>
@@ -2314,7 +6958,7 @@
     </p:spTree>
     <p:extLst>
       <p:ext uri="{BB962C8B-B14F-4D97-AF65-F5344CB8AC3E}">
-        <p14:creationId xmlns:p14="http://schemas.microsoft.com/office/powerpoint/2010/main" val="1840726560"/>
+        <p14:creationId xmlns:p14="http://schemas.microsoft.com/office/powerpoint/2010/main" val="3989988708"/>
       </p:ext>
     </p:extLst>
   </p:cSld>
@@ -2353,31 +6997,33 @@
         </p:nvSpPr>
         <p:spPr>
           <a:xfrm>
-            <a:off x="1792288" y="4800600"/>
-            <a:ext cx="5486400" cy="566738"/>
+            <a:off x="818347" y="1898269"/>
+            <a:ext cx="4423803" cy="1371600"/>
           </a:xfrm>
         </p:spPr>
         <p:txBody>
-          <a:bodyPr anchor="b"/>
+          <a:bodyPr anchor="b">
+            <a:normAutofit/>
+          </a:bodyPr>
           <a:lstStyle>
             <a:lvl1pPr algn="l">
-              <a:defRPr sz="2000" b="1"/>
+              <a:defRPr sz="2400" b="0"/>
             </a:lvl1pPr>
           </a:lstStyle>
           <a:p>
             <a:r>
-              <a:rPr lang="en-US" smtClean="0"/>
+              <a:rPr lang="en-US"/>
               <a:t>Click to edit Master title style</a:t>
             </a:r>
-            <a:endParaRPr lang="en-US"/>
-          </a:p>
-        </p:txBody>
-      </p:sp>
-      <p:sp>
-        <p:nvSpPr>
-          <p:cNvPr id="3" name="Picture Placeholder 2"/>
-          <p:cNvSpPr>
-            <a:spLocks noGrp="1"/>
+            <a:endParaRPr lang="en-US" dirty="0"/>
+          </a:p>
+        </p:txBody>
+      </p:sp>
+      <p:sp>
+        <p:nvSpPr>
+          <p:cNvPr id="14" name="Picture Placeholder 2"/>
+          <p:cNvSpPr>
+            <a:spLocks noGrp="1" noChangeAspect="1"/>
           </p:cNvSpPr>
           <p:nvPr>
             <p:ph type="pic" idx="1"/>
@@ -2385,77 +7031,108 @@
         </p:nvSpPr>
         <p:spPr>
           <a:xfrm>
-            <a:off x="1792288" y="612775"/>
-            <a:ext cx="5486400" cy="4114800"/>
+            <a:off x="5515442" y="-18288"/>
+            <a:ext cx="2500062" cy="6903720"/>
+          </a:xfrm>
+          <a:ln w="38100">
+            <a:gradFill flip="none" rotWithShape="1">
+              <a:gsLst>
+                <a:gs pos="0">
+                  <a:schemeClr val="bg2"/>
+                </a:gs>
+                <a:gs pos="100000">
+                  <a:schemeClr val="bg2">
+                    <a:lumMod val="75000"/>
+                  </a:schemeClr>
+                </a:gs>
+              </a:gsLst>
+              <a:lin ang="5400000" scaled="0"/>
+              <a:tileRect/>
+            </a:gradFill>
+          </a:ln>
+          <a:effectLst>
+            <a:innerShdw blurRad="57150" dist="38100" dir="10800000">
+              <a:srgbClr val="000000">
+                <a:alpha val="70000"/>
+              </a:srgbClr>
+            </a:innerShdw>
+          </a:effectLst>
+        </p:spPr>
+        <p:txBody>
+          <a:bodyPr anchor="t">
+            <a:normAutofit/>
+          </a:bodyPr>
+          <a:lstStyle>
+            <a:lvl1pPr marL="0" indent="0" algn="ctr">
+              <a:buNone/>
+              <a:defRPr sz="1600"/>
+            </a:lvl1pPr>
+            <a:lvl2pPr marL="457200" indent="0">
+              <a:buNone/>
+              <a:defRPr sz="1600"/>
+            </a:lvl2pPr>
+            <a:lvl3pPr marL="914400" indent="0">
+              <a:buNone/>
+              <a:defRPr sz="1600"/>
+            </a:lvl3pPr>
+            <a:lvl4pPr marL="1371600" indent="0">
+              <a:buNone/>
+              <a:defRPr sz="1600"/>
+            </a:lvl4pPr>
+            <a:lvl5pPr marL="1828800" indent="0">
+              <a:buNone/>
+              <a:defRPr sz="1600"/>
+            </a:lvl5pPr>
+            <a:lvl6pPr marL="2286000" indent="0">
+              <a:buNone/>
+              <a:defRPr sz="1600"/>
+            </a:lvl6pPr>
+            <a:lvl7pPr marL="2743200" indent="0">
+              <a:buNone/>
+              <a:defRPr sz="1600"/>
+            </a:lvl7pPr>
+            <a:lvl8pPr marL="3200400" indent="0">
+              <a:buNone/>
+              <a:defRPr sz="1600"/>
+            </a:lvl8pPr>
+            <a:lvl9pPr marL="3657600" indent="0">
+              <a:buNone/>
+              <a:defRPr sz="1600"/>
+            </a:lvl9pPr>
+          </a:lstStyle>
+          <a:p>
+            <a:r>
+              <a:rPr lang="en-US"/>
+              <a:t>Click icon to add picture</a:t>
+            </a:r>
+            <a:endParaRPr lang="en-US" dirty="0"/>
+          </a:p>
+        </p:txBody>
+      </p:sp>
+      <p:sp>
+        <p:nvSpPr>
+          <p:cNvPr id="4" name="Text Placeholder 3"/>
+          <p:cNvSpPr>
+            <a:spLocks noGrp="1"/>
+          </p:cNvSpPr>
+          <p:nvPr>
+            <p:ph type="body" sz="half" idx="2"/>
+          </p:nvPr>
+        </p:nvSpPr>
+        <p:spPr>
+          <a:xfrm>
+            <a:off x="817318" y="3269869"/>
+            <a:ext cx="4423803" cy="1828800"/>
           </a:xfrm>
         </p:spPr>
         <p:txBody>
-          <a:bodyPr/>
+          <a:bodyPr>
+            <a:normAutofit/>
+          </a:bodyPr>
           <a:lstStyle>
             <a:lvl1pPr marL="0" indent="0">
               <a:buNone/>
-              <a:defRPr sz="3200"/>
-            </a:lvl1pPr>
-            <a:lvl2pPr marL="457200" indent="0">
-              <a:buNone/>
-              <a:defRPr sz="2800"/>
-            </a:lvl2pPr>
-            <a:lvl3pPr marL="914400" indent="0">
-              <a:buNone/>
-              <a:defRPr sz="2400"/>
-            </a:lvl3pPr>
-            <a:lvl4pPr marL="1371600" indent="0">
-              <a:buNone/>
-              <a:defRPr sz="2000"/>
-            </a:lvl4pPr>
-            <a:lvl5pPr marL="1828800" indent="0">
-              <a:buNone/>
-              <a:defRPr sz="2000"/>
-            </a:lvl5pPr>
-            <a:lvl6pPr marL="2286000" indent="0">
-              <a:buNone/>
-              <a:defRPr sz="2000"/>
-            </a:lvl6pPr>
-            <a:lvl7pPr marL="2743200" indent="0">
-              <a:buNone/>
-              <a:defRPr sz="2000"/>
-            </a:lvl7pPr>
-            <a:lvl8pPr marL="3200400" indent="0">
-              <a:buNone/>
-              <a:defRPr sz="2000"/>
-            </a:lvl8pPr>
-            <a:lvl9pPr marL="3657600" indent="0">
-              <a:buNone/>
-              <a:defRPr sz="2000"/>
-            </a:lvl9pPr>
-          </a:lstStyle>
-          <a:p>
-            <a:endParaRPr lang="en-US"/>
-          </a:p>
-        </p:txBody>
-      </p:sp>
-      <p:sp>
-        <p:nvSpPr>
-          <p:cNvPr id="4" name="Text Placeholder 3"/>
-          <p:cNvSpPr>
-            <a:spLocks noGrp="1"/>
-          </p:cNvSpPr>
-          <p:nvPr>
-            <p:ph type="body" sz="half" idx="2"/>
-          </p:nvPr>
-        </p:nvSpPr>
-        <p:spPr>
-          <a:xfrm>
-            <a:off x="1792288" y="5367338"/>
-            <a:ext cx="5486400" cy="804862"/>
-          </a:xfrm>
-        </p:spPr>
-        <p:txBody>
-          <a:bodyPr/>
-          <a:lstStyle>
-            <a:lvl1pPr marL="0" indent="0">
-              <a:buNone/>
-              <a:defRPr sz="1400"/>
+              <a:defRPr sz="1600"/>
             </a:lvl1pPr>
             <a:lvl2pPr marL="457200" indent="0">
               <a:buNone/>
@@ -2493,7 +7170,7 @@
           <a:p>
             <a:pPr lvl="0"/>
             <a:r>
-              <a:rPr lang="en-US" smtClean="0"/>
+              <a:rPr lang="en-US"/>
               <a:t>Click to edit Master text styles</a:t>
             </a:r>
           </a:p>
@@ -2509,14 +7186,19 @@
             <p:ph type="dt" sz="half" idx="10"/>
           </p:nvPr>
         </p:nvSpPr>
-        <p:spPr/>
+        <p:spPr>
+          <a:xfrm>
+            <a:off x="4523649" y="6181344"/>
+            <a:ext cx="718502" cy="365125"/>
+          </a:xfrm>
+        </p:spPr>
         <p:txBody>
           <a:bodyPr/>
           <a:lstStyle/>
           <a:p>
             <a:fld id="{5BCAD085-E8A6-8845-BD4E-CB4CCA059FC4}" type="datetimeFigureOut">
               <a:rPr lang="en-US" smtClean="0"/>
-              <a:t>1/27/13</a:t>
+              <a:t>5/21/2024</a:t>
             </a:fld>
             <a:endParaRPr lang="en-US"/>
           </a:p>
@@ -2532,7 +7214,12 @@
             <p:ph type="ftr" sz="quarter" idx="11"/>
           </p:nvPr>
         </p:nvSpPr>
-        <p:spPr/>
+        <p:spPr>
+          <a:xfrm>
+            <a:off x="818348" y="6181344"/>
+            <a:ext cx="3705300" cy="365125"/>
+          </a:xfrm>
+        </p:spPr>
         <p:txBody>
           <a:bodyPr/>
           <a:lstStyle/>
@@ -2551,7 +7238,12 @@
             <p:ph type="sldNum" sz="quarter" idx="12"/>
           </p:nvPr>
         </p:nvSpPr>
-        <p:spPr/>
+        <p:spPr>
+          <a:xfrm>
+            <a:off x="8024262" y="6181344"/>
+            <a:ext cx="305186" cy="329250"/>
+          </a:xfrm>
+        </p:spPr>
         <p:txBody>
           <a:bodyPr/>
           <a:lstStyle/>
@@ -2567,7 +7259,7 @@
     </p:spTree>
     <p:extLst>
       <p:ext uri="{BB962C8B-B14F-4D97-AF65-F5344CB8AC3E}">
-        <p14:creationId xmlns:p14="http://schemas.microsoft.com/office/powerpoint/2010/main" val="3889236939"/>
+        <p14:creationId xmlns:p14="http://schemas.microsoft.com/office/powerpoint/2010/main" val="2993508288"/>
       </p:ext>
     </p:extLst>
   </p:cSld>
@@ -2581,8 +7273,8 @@
 <p:sldMaster xmlns:a="http://schemas.openxmlformats.org/drawingml/2006/main" xmlns:r="http://schemas.openxmlformats.org/officeDocument/2006/relationships" xmlns:p="http://schemas.openxmlformats.org/presentationml/2006/main">
   <p:cSld>
     <p:bg>
-      <p:bgRef idx="1001">
-        <a:schemeClr val="bg1"/>
+      <p:bgRef idx="1003">
+        <a:schemeClr val="bg2"/>
       </p:bgRef>
     </p:bg>
     <p:spTree>
@@ -2611,8 +7303,8 @@
         </p:nvSpPr>
         <p:spPr>
           <a:xfrm>
-            <a:off x="457200" y="274638"/>
-            <a:ext cx="8229600" cy="1143000"/>
+            <a:off x="818347" y="596018"/>
+            <a:ext cx="7511473" cy="1312480"/>
           </a:xfrm>
           <a:prstGeom prst="rect">
             <a:avLst/>
@@ -2625,10 +7317,10 @@
           <a:lstStyle/>
           <a:p>
             <a:r>
-              <a:rPr lang="en-US" smtClean="0"/>
+              <a:rPr lang="en-US"/>
               <a:t>Click to edit Master title style</a:t>
             </a:r>
-            <a:endParaRPr lang="en-US"/>
+            <a:endParaRPr lang="en-US" dirty="0"/>
           </a:p>
         </p:txBody>
       </p:sp>
@@ -2644,53 +7336,53 @@
         </p:nvSpPr>
         <p:spPr>
           <a:xfrm>
-            <a:off x="457200" y="1600200"/>
-            <a:ext cx="8229600" cy="4525963"/>
+            <a:off x="818348" y="2060898"/>
+            <a:ext cx="7511472" cy="4041162"/>
           </a:xfrm>
           <a:prstGeom prst="rect">
             <a:avLst/>
           </a:prstGeom>
         </p:spPr>
         <p:txBody>
-          <a:bodyPr vert="horz" lIns="91440" tIns="45720" rIns="91440" bIns="45720" rtlCol="0">
+          <a:bodyPr vert="horz" lIns="91440" tIns="45720" rIns="91440" bIns="45720" rtlCol="0" anchor="ctr">
             <a:normAutofit/>
           </a:bodyPr>
           <a:lstStyle/>
           <a:p>
             <a:pPr lvl="0"/>
             <a:r>
-              <a:rPr lang="en-US" smtClean="0"/>
+              <a:rPr lang="en-US"/>
               <a:t>Click to edit Master text styles</a:t>
             </a:r>
           </a:p>
           <a:p>
             <a:pPr lvl="1"/>
             <a:r>
-              <a:rPr lang="en-US" smtClean="0"/>
+              <a:rPr lang="en-US"/>
               <a:t>Second level</a:t>
             </a:r>
           </a:p>
           <a:p>
             <a:pPr lvl="2"/>
             <a:r>
-              <a:rPr lang="en-US" smtClean="0"/>
+              <a:rPr lang="en-US"/>
               <a:t>Third level</a:t>
             </a:r>
           </a:p>
           <a:p>
             <a:pPr lvl="3"/>
             <a:r>
-              <a:rPr lang="en-US" smtClean="0"/>
+              <a:rPr lang="en-US"/>
               <a:t>Fourth level</a:t>
             </a:r>
           </a:p>
           <a:p>
             <a:pPr lvl="4"/>
             <a:r>
-              <a:rPr lang="en-US" smtClean="0"/>
+              <a:rPr lang="en-US"/>
               <a:t>Fifth level</a:t>
             </a:r>
-            <a:endParaRPr lang="en-US"/>
+            <a:endParaRPr lang="en-US" dirty="0"/>
           </a:p>
         </p:txBody>
       </p:sp>
@@ -2706,8 +7398,8 @@
         </p:nvSpPr>
         <p:spPr>
           <a:xfrm>
-            <a:off x="457200" y="6356350"/>
-            <a:ext cx="2133600" cy="365125"/>
+            <a:off x="6551708" y="6178260"/>
+            <a:ext cx="1287464" cy="365125"/>
           </a:xfrm>
           <a:prstGeom prst="rect">
             <a:avLst/>
@@ -2716,20 +7408,28 @@
         <p:txBody>
           <a:bodyPr vert="horz" lIns="91440" tIns="45720" rIns="91440" bIns="45720" rtlCol="0" anchor="ctr"/>
           <a:lstStyle>
-            <a:lvl1pPr algn="l">
-              <a:defRPr sz="1200">
+            <a:lvl1pPr algn="r">
+              <a:defRPr sz="800" b="1" i="0">
                 <a:solidFill>
                   <a:schemeClr val="tx1">
-                    <a:tint val="75000"/>
+                    <a:lumMod val="75000"/>
                   </a:schemeClr>
                 </a:solidFill>
+                <a:effectLst>
+                  <a:outerShdw blurRad="50800" dist="38100" dir="2700000" algn="tl" rotWithShape="0">
+                    <a:srgbClr val="000000">
+                      <a:alpha val="43000"/>
+                    </a:srgbClr>
+                  </a:outerShdw>
+                </a:effectLst>
+                <a:latin typeface="+mn-lt"/>
               </a:defRPr>
             </a:lvl1pPr>
           </a:lstStyle>
           <a:p>
             <a:fld id="{5BCAD085-E8A6-8845-BD4E-CB4CCA059FC4}" type="datetimeFigureOut">
               <a:rPr lang="en-US" smtClean="0"/>
-              <a:t>1/27/13</a:t>
+              <a:t>5/21/2024</a:t>
             </a:fld>
             <a:endParaRPr lang="en-US"/>
           </a:p>
@@ -2747,8 +7447,8 @@
         </p:nvSpPr>
         <p:spPr>
           <a:xfrm>
-            <a:off x="3124200" y="6356350"/>
-            <a:ext cx="2895600" cy="365125"/>
+            <a:off x="818347" y="6178260"/>
+            <a:ext cx="5624137" cy="365125"/>
           </a:xfrm>
           <a:prstGeom prst="rect">
             <a:avLst/>
@@ -2757,13 +7457,21 @@
         <p:txBody>
           <a:bodyPr vert="horz" lIns="91440" tIns="45720" rIns="91440" bIns="45720" rtlCol="0" anchor="ctr"/>
           <a:lstStyle>
-            <a:lvl1pPr algn="ctr">
-              <a:defRPr sz="1200">
+            <a:lvl1pPr algn="l">
+              <a:defRPr sz="800" b="1" i="0">
                 <a:solidFill>
                   <a:schemeClr val="tx1">
-                    <a:tint val="75000"/>
+                    <a:lumMod val="75000"/>
                   </a:schemeClr>
                 </a:solidFill>
+                <a:effectLst>
+                  <a:outerShdw blurRad="50800" dist="38100" dir="2700000" algn="tl" rotWithShape="0">
+                    <a:srgbClr val="000000">
+                      <a:alpha val="43000"/>
+                    </a:srgbClr>
+                  </a:outerShdw>
+                </a:effectLst>
+                <a:latin typeface="+mn-lt"/>
               </a:defRPr>
             </a:lvl1pPr>
           </a:lstStyle>
@@ -2784,8 +7492,8 @@
         </p:nvSpPr>
         <p:spPr>
           <a:xfrm>
-            <a:off x="6553200" y="6356350"/>
-            <a:ext cx="2133600" cy="365125"/>
+            <a:off x="7917202" y="6178260"/>
+            <a:ext cx="413483" cy="365125"/>
           </a:xfrm>
           <a:prstGeom prst="rect">
             <a:avLst/>
@@ -2795,12 +7503,20 @@
           <a:bodyPr vert="horz" lIns="91440" tIns="45720" rIns="91440" bIns="45720" rtlCol="0" anchor="ctr"/>
           <a:lstStyle>
             <a:lvl1pPr algn="r">
-              <a:defRPr sz="1200">
+              <a:defRPr sz="800" b="1" i="0">
                 <a:solidFill>
                   <a:schemeClr val="tx1">
-                    <a:tint val="75000"/>
+                    <a:lumMod val="75000"/>
                   </a:schemeClr>
                 </a:solidFill>
+                <a:effectLst>
+                  <a:outerShdw blurRad="50800" dist="38100" dir="2700000" algn="tl" rotWithShape="0">
+                    <a:srgbClr val="000000">
+                      <a:alpha val="43000"/>
+                    </a:srgbClr>
+                  </a:outerShdw>
+                </a:effectLst>
+                <a:latin typeface="+mn-lt"/>
               </a:defRPr>
             </a:lvl1pPr>
           </a:lstStyle>
@@ -2816,52 +7532,174 @@
     </p:spTree>
     <p:extLst>
       <p:ext uri="{BB962C8B-B14F-4D97-AF65-F5344CB8AC3E}">
-        <p14:creationId xmlns:p14="http://schemas.microsoft.com/office/powerpoint/2010/main" val="2209977519"/>
+        <p14:creationId xmlns:p14="http://schemas.microsoft.com/office/powerpoint/2010/main" val="3133944595"/>
       </p:ext>
     </p:extLst>
   </p:cSld>
-  <p:clrMap bg1="lt1" tx1="dk1" bg2="lt2" tx2="dk2" accent1="accent1" accent2="accent2" accent3="accent3" accent4="accent4" accent5="accent5" accent6="accent6" hlink="hlink" folHlink="folHlink"/>
+  <p:clrMap bg1="dk1" tx1="lt1" bg2="dk2" tx2="lt2" accent1="accent1" accent2="accent2" accent3="accent3" accent4="accent4" accent5="accent5" accent6="accent6" hlink="hlink" folHlink="folHlink"/>
   <p:sldLayoutIdLst>
-    <p:sldLayoutId id="2147483649" r:id="rId1"/>
-    <p:sldLayoutId id="2147483650" r:id="rId2"/>
-    <p:sldLayoutId id="2147483651" r:id="rId3"/>
-    <p:sldLayoutId id="2147483652" r:id="rId4"/>
-    <p:sldLayoutId id="2147483653" r:id="rId5"/>
-    <p:sldLayoutId id="2147483654" r:id="rId6"/>
-    <p:sldLayoutId id="2147483655" r:id="rId7"/>
-    <p:sldLayoutId id="2147483656" r:id="rId8"/>
-    <p:sldLayoutId id="2147483657" r:id="rId9"/>
-    <p:sldLayoutId id="2147483658" r:id="rId10"/>
-    <p:sldLayoutId id="2147483659" r:id="rId11"/>
+    <p:sldLayoutId id="2147483697" r:id="rId1"/>
+    <p:sldLayoutId id="2147483698" r:id="rId2"/>
+    <p:sldLayoutId id="2147483699" r:id="rId3"/>
+    <p:sldLayoutId id="2147483700" r:id="rId4"/>
+    <p:sldLayoutId id="2147483701" r:id="rId5"/>
+    <p:sldLayoutId id="2147483702" r:id="rId6"/>
+    <p:sldLayoutId id="2147483703" r:id="rId7"/>
+    <p:sldLayoutId id="2147483704" r:id="rId8"/>
+    <p:sldLayoutId id="2147483705" r:id="rId9"/>
+    <p:sldLayoutId id="2147483706" r:id="rId10"/>
+    <p:sldLayoutId id="2147483707" r:id="rId11"/>
+    <p:sldLayoutId id="2147483708" r:id="rId12"/>
+    <p:sldLayoutId id="2147483709" r:id="rId13"/>
+    <p:sldLayoutId id="2147483710" r:id="rId14"/>
+    <p:sldLayoutId id="2147483711" r:id="rId15"/>
+    <p:sldLayoutId id="2147483712" r:id="rId16"/>
+    <p:sldLayoutId id="2147483713" r:id="rId17"/>
   </p:sldLayoutIdLst>
   <p:txStyles>
     <p:titleStyle>
-      <a:lvl1pPr algn="ctr" defTabSz="457200" rtl="0" eaLnBrk="1" latinLnBrk="0" hangingPunct="1">
+      <a:lvl1pPr algn="l" defTabSz="457200" rtl="0" eaLnBrk="1" latinLnBrk="0" hangingPunct="1">
         <a:spcBef>
           <a:spcPct val="0"/>
         </a:spcBef>
         <a:buNone/>
-        <a:defRPr sz="4400" kern="1200">
-          <a:solidFill>
-            <a:schemeClr val="tx1"/>
-          </a:solidFill>
+        <a:defRPr sz="2800" kern="1200" cap="all">
+          <a:ln w="3175" cmpd="sng">
+            <a:noFill/>
+          </a:ln>
+          <a:gradFill flip="none" rotWithShape="1">
+            <a:gsLst>
+              <a:gs pos="0">
+                <a:schemeClr val="tx1"/>
+              </a:gs>
+              <a:gs pos="100000">
+                <a:schemeClr val="tx1">
+                  <a:lumMod val="75000"/>
+                </a:schemeClr>
+              </a:gs>
+            </a:gsLst>
+            <a:lin ang="5400000" scaled="0"/>
+            <a:tileRect/>
+          </a:gradFill>
+          <a:effectLst>
+            <a:glow rad="38100">
+              <a:schemeClr val="bg1">
+                <a:lumMod val="65000"/>
+                <a:lumOff val="35000"/>
+                <a:alpha val="40000"/>
+              </a:schemeClr>
+            </a:glow>
+            <a:outerShdw blurRad="28575" dist="38100" dir="14040000" algn="tl" rotWithShape="0">
+              <a:srgbClr val="000000">
+                <a:alpha val="25000"/>
+              </a:srgbClr>
+            </a:outerShdw>
+          </a:effectLst>
           <a:latin typeface="+mj-lt"/>
           <a:ea typeface="+mj-ea"/>
           <a:cs typeface="+mj-cs"/>
         </a:defRPr>
       </a:lvl1pPr>
+      <a:lvl2pPr eaLnBrk="1" hangingPunct="1">
+        <a:defRPr>
+          <a:solidFill>
+            <a:schemeClr val="tx2"/>
+          </a:solidFill>
+        </a:defRPr>
+      </a:lvl2pPr>
+      <a:lvl3pPr eaLnBrk="1" hangingPunct="1">
+        <a:defRPr>
+          <a:solidFill>
+            <a:schemeClr val="tx2"/>
+          </a:solidFill>
+        </a:defRPr>
+      </a:lvl3pPr>
+      <a:lvl4pPr eaLnBrk="1" hangingPunct="1">
+        <a:defRPr>
+          <a:solidFill>
+            <a:schemeClr val="tx2"/>
+          </a:solidFill>
+        </a:defRPr>
+      </a:lvl4pPr>
+      <a:lvl5pPr eaLnBrk="1" hangingPunct="1">
+        <a:defRPr>
+          <a:solidFill>
+            <a:schemeClr val="tx2"/>
+          </a:solidFill>
+        </a:defRPr>
+      </a:lvl5pPr>
+      <a:lvl6pPr eaLnBrk="1" hangingPunct="1">
+        <a:defRPr>
+          <a:solidFill>
+            <a:schemeClr val="tx2"/>
+          </a:solidFill>
+        </a:defRPr>
+      </a:lvl6pPr>
+      <a:lvl7pPr eaLnBrk="1" hangingPunct="1">
+        <a:defRPr>
+          <a:solidFill>
+            <a:schemeClr val="tx2"/>
+          </a:solidFill>
+        </a:defRPr>
+      </a:lvl7pPr>
+      <a:lvl8pPr eaLnBrk="1" hangingPunct="1">
+        <a:defRPr>
+          <a:solidFill>
+            <a:schemeClr val="tx2"/>
+          </a:solidFill>
+        </a:defRPr>
+      </a:lvl8pPr>
+      <a:lvl9pPr eaLnBrk="1" hangingPunct="1">
+        <a:defRPr>
+          <a:solidFill>
+            <a:schemeClr val="tx2"/>
+          </a:solidFill>
+        </a:defRPr>
+      </a:lvl9pPr>
     </p:titleStyle>
     <p:bodyStyle>
-      <a:lvl1pPr marL="342900" indent="-342900" algn="l" defTabSz="457200" rtl="0" eaLnBrk="1" latinLnBrk="0" hangingPunct="1">
+      <a:lvl1pPr marL="285750" indent="-285750" algn="l" defTabSz="457200" rtl="0" eaLnBrk="1" latinLnBrk="0" hangingPunct="1">
         <a:spcBef>
           <a:spcPct val="20000"/>
         </a:spcBef>
+        <a:spcAft>
+          <a:spcPts val="600"/>
+        </a:spcAft>
+        <a:buClr>
+          <a:schemeClr val="tx1"/>
+        </a:buClr>
+        <a:buSzPct val="130000"/>
         <a:buFont typeface="Arial"/>
         <a:buChar char="•"/>
-        <a:defRPr sz="3200" kern="1200">
-          <a:solidFill>
-            <a:schemeClr val="tx1"/>
-          </a:solidFill>
+        <a:defRPr sz="1800" kern="1200" cap="small">
+          <a:gradFill flip="none" rotWithShape="1">
+            <a:gsLst>
+              <a:gs pos="0">
+                <a:schemeClr val="tx1"/>
+              </a:gs>
+              <a:gs pos="100000">
+                <a:schemeClr val="tx1">
+                  <a:lumMod val="75000"/>
+                </a:schemeClr>
+              </a:gs>
+            </a:gsLst>
+            <a:lin ang="5400000" scaled="0"/>
+            <a:tileRect/>
+          </a:gradFill>
+          <a:effectLst>
+            <a:glow rad="38100">
+              <a:schemeClr val="bg1">
+                <a:lumMod val="50000"/>
+                <a:lumOff val="50000"/>
+                <a:alpha val="20000"/>
+              </a:schemeClr>
+            </a:glow>
+            <a:outerShdw blurRad="44450" dist="12700" dir="13860000" algn="tl" rotWithShape="0">
+              <a:srgbClr val="000000">
+                <a:alpha val="20000"/>
+              </a:srgbClr>
+            </a:outerShdw>
+          </a:effectLst>
           <a:latin typeface="+mn-lt"/>
           <a:ea typeface="+mn-ea"/>
           <a:cs typeface="+mn-cs"/>
@@ -2871,57 +7709,185 @@
         <a:spcBef>
           <a:spcPct val="20000"/>
         </a:spcBef>
+        <a:spcAft>
+          <a:spcPts val="600"/>
+        </a:spcAft>
+        <a:buClr>
+          <a:schemeClr val="tx1"/>
+        </a:buClr>
+        <a:buSzPct val="130000"/>
         <a:buFont typeface="Arial"/>
-        <a:buChar char="–"/>
-        <a:defRPr sz="2800" kern="1200">
-          <a:solidFill>
-            <a:schemeClr val="tx1"/>
-          </a:solidFill>
+        <a:buChar char="•"/>
+        <a:defRPr sz="1600" kern="1200" cap="small">
+          <a:gradFill flip="none" rotWithShape="1">
+            <a:gsLst>
+              <a:gs pos="0">
+                <a:schemeClr val="tx1"/>
+              </a:gs>
+              <a:gs pos="100000">
+                <a:schemeClr val="tx1">
+                  <a:lumMod val="75000"/>
+                </a:schemeClr>
+              </a:gs>
+            </a:gsLst>
+            <a:lin ang="5400000" scaled="0"/>
+            <a:tileRect/>
+          </a:gradFill>
+          <a:effectLst>
+            <a:glow rad="38100">
+              <a:schemeClr val="bg1">
+                <a:lumMod val="50000"/>
+                <a:lumOff val="50000"/>
+                <a:alpha val="20000"/>
+              </a:schemeClr>
+            </a:glow>
+            <a:outerShdw blurRad="44450" dist="12700" dir="13860000" algn="tl" rotWithShape="0">
+              <a:srgbClr val="000000">
+                <a:alpha val="20000"/>
+              </a:srgbClr>
+            </a:outerShdw>
+          </a:effectLst>
           <a:latin typeface="+mn-lt"/>
           <a:ea typeface="+mn-ea"/>
           <a:cs typeface="+mn-cs"/>
         </a:defRPr>
       </a:lvl2pPr>
-      <a:lvl3pPr marL="1143000" indent="-228600" algn="l" defTabSz="457200" rtl="0" eaLnBrk="1" latinLnBrk="0" hangingPunct="1">
+      <a:lvl3pPr marL="1200150" indent="-285750" algn="l" defTabSz="457200" rtl="0" eaLnBrk="1" latinLnBrk="0" hangingPunct="1">
         <a:spcBef>
           <a:spcPct val="20000"/>
         </a:spcBef>
+        <a:spcAft>
+          <a:spcPts val="600"/>
+        </a:spcAft>
+        <a:buClr>
+          <a:schemeClr val="tx1"/>
+        </a:buClr>
+        <a:buSzPct val="130000"/>
         <a:buFont typeface="Arial"/>
         <a:buChar char="•"/>
-        <a:defRPr sz="2400" kern="1200">
-          <a:solidFill>
-            <a:schemeClr val="tx1"/>
-          </a:solidFill>
+        <a:defRPr sz="1400" kern="1200" cap="small">
+          <a:gradFill flip="none" rotWithShape="1">
+            <a:gsLst>
+              <a:gs pos="0">
+                <a:schemeClr val="tx1"/>
+              </a:gs>
+              <a:gs pos="100000">
+                <a:schemeClr val="tx1">
+                  <a:lumMod val="75000"/>
+                </a:schemeClr>
+              </a:gs>
+            </a:gsLst>
+            <a:lin ang="5400000" scaled="0"/>
+            <a:tileRect/>
+          </a:gradFill>
+          <a:effectLst>
+            <a:glow rad="38100">
+              <a:schemeClr val="bg1">
+                <a:lumMod val="50000"/>
+                <a:lumOff val="50000"/>
+                <a:alpha val="20000"/>
+              </a:schemeClr>
+            </a:glow>
+            <a:outerShdw blurRad="44450" dist="12700" dir="13860000" algn="tl" rotWithShape="0">
+              <a:srgbClr val="000000">
+                <a:alpha val="20000"/>
+              </a:srgbClr>
+            </a:outerShdw>
+          </a:effectLst>
           <a:latin typeface="+mn-lt"/>
           <a:ea typeface="+mn-ea"/>
           <a:cs typeface="+mn-cs"/>
         </a:defRPr>
       </a:lvl3pPr>
-      <a:lvl4pPr marL="1600200" indent="-228600" algn="l" defTabSz="457200" rtl="0" eaLnBrk="1" latinLnBrk="0" hangingPunct="1">
+      <a:lvl4pPr marL="1543050" indent="-171450" algn="l" defTabSz="457200" rtl="0" eaLnBrk="1" latinLnBrk="0" hangingPunct="1">
         <a:spcBef>
           <a:spcPct val="20000"/>
         </a:spcBef>
+        <a:spcAft>
+          <a:spcPts val="600"/>
+        </a:spcAft>
+        <a:buClr>
+          <a:schemeClr val="tx1"/>
+        </a:buClr>
+        <a:buSzPct val="130000"/>
         <a:buFont typeface="Arial"/>
-        <a:buChar char="–"/>
-        <a:defRPr sz="2000" kern="1200">
-          <a:solidFill>
-            <a:schemeClr val="tx1"/>
-          </a:solidFill>
+        <a:buChar char="•"/>
+        <a:defRPr sz="1400" kern="1200" cap="small">
+          <a:gradFill flip="none" rotWithShape="1">
+            <a:gsLst>
+              <a:gs pos="0">
+                <a:schemeClr val="tx1"/>
+              </a:gs>
+              <a:gs pos="100000">
+                <a:schemeClr val="tx1">
+                  <a:lumMod val="75000"/>
+                </a:schemeClr>
+              </a:gs>
+            </a:gsLst>
+            <a:lin ang="5400000" scaled="0"/>
+            <a:tileRect/>
+          </a:gradFill>
+          <a:effectLst>
+            <a:glow rad="38100">
+              <a:schemeClr val="bg1">
+                <a:lumMod val="50000"/>
+                <a:lumOff val="50000"/>
+                <a:alpha val="20000"/>
+              </a:schemeClr>
+            </a:glow>
+            <a:outerShdw blurRad="44450" dist="12700" dir="13860000" algn="tl" rotWithShape="0">
+              <a:srgbClr val="000000">
+                <a:alpha val="20000"/>
+              </a:srgbClr>
+            </a:outerShdw>
+          </a:effectLst>
           <a:latin typeface="+mn-lt"/>
           <a:ea typeface="+mn-ea"/>
           <a:cs typeface="+mn-cs"/>
         </a:defRPr>
       </a:lvl4pPr>
-      <a:lvl5pPr marL="2057400" indent="-228600" algn="l" defTabSz="457200" rtl="0" eaLnBrk="1" latinLnBrk="0" hangingPunct="1">
+      <a:lvl5pPr marL="2000250" indent="-171450" algn="l" defTabSz="457200" rtl="0" eaLnBrk="1" latinLnBrk="0" hangingPunct="1">
         <a:spcBef>
           <a:spcPct val="20000"/>
         </a:spcBef>
+        <a:spcAft>
+          <a:spcPts val="600"/>
+        </a:spcAft>
+        <a:buClr>
+          <a:schemeClr val="tx1"/>
+        </a:buClr>
+        <a:buSzPct val="130000"/>
         <a:buFont typeface="Arial"/>
-        <a:buChar char="»"/>
-        <a:defRPr sz="2000" kern="1200">
-          <a:solidFill>
-            <a:schemeClr val="tx1"/>
-          </a:solidFill>
+        <a:buChar char="•"/>
+        <a:defRPr sz="1200" kern="1200" cap="small">
+          <a:gradFill flip="none" rotWithShape="1">
+            <a:gsLst>
+              <a:gs pos="0">
+                <a:schemeClr val="tx1"/>
+              </a:gs>
+              <a:gs pos="100000">
+                <a:schemeClr val="tx1">
+                  <a:lumMod val="75000"/>
+                </a:schemeClr>
+              </a:gs>
+            </a:gsLst>
+            <a:lin ang="5400000" scaled="0"/>
+            <a:tileRect/>
+          </a:gradFill>
+          <a:effectLst>
+            <a:glow rad="38100">
+              <a:schemeClr val="bg1">
+                <a:lumMod val="50000"/>
+                <a:lumOff val="50000"/>
+                <a:alpha val="20000"/>
+              </a:schemeClr>
+            </a:glow>
+            <a:outerShdw blurRad="44450" dist="12700" dir="13860000" algn="tl" rotWithShape="0">
+              <a:srgbClr val="000000">
+                <a:alpha val="20000"/>
+              </a:srgbClr>
+            </a:outerShdw>
+          </a:effectLst>
           <a:latin typeface="+mn-lt"/>
           <a:ea typeface="+mn-ea"/>
           <a:cs typeface="+mn-cs"/>
@@ -2931,12 +7897,44 @@
         <a:spcBef>
           <a:spcPct val="20000"/>
         </a:spcBef>
+        <a:spcAft>
+          <a:spcPts val="600"/>
+        </a:spcAft>
+        <a:buClr>
+          <a:schemeClr val="tx1"/>
+        </a:buClr>
+        <a:buSzPct val="130000"/>
         <a:buFont typeface="Arial"/>
         <a:buChar char="•"/>
-        <a:defRPr sz="2000" kern="1200">
-          <a:solidFill>
-            <a:schemeClr val="tx1"/>
-          </a:solidFill>
+        <a:defRPr sz="1100" kern="1200" cap="small">
+          <a:gradFill flip="none" rotWithShape="1">
+            <a:gsLst>
+              <a:gs pos="0">
+                <a:schemeClr val="tx1"/>
+              </a:gs>
+              <a:gs pos="100000">
+                <a:schemeClr val="tx1">
+                  <a:lumMod val="75000"/>
+                </a:schemeClr>
+              </a:gs>
+            </a:gsLst>
+            <a:lin ang="5400000" scaled="0"/>
+            <a:tileRect/>
+          </a:gradFill>
+          <a:effectLst>
+            <a:glow rad="38100">
+              <a:schemeClr val="bg1">
+                <a:lumMod val="50000"/>
+                <a:lumOff val="50000"/>
+                <a:alpha val="20000"/>
+              </a:schemeClr>
+            </a:glow>
+            <a:outerShdw blurRad="44450" dist="12700" dir="13860000" algn="tl" rotWithShape="0">
+              <a:srgbClr val="000000">
+                <a:alpha val="20000"/>
+              </a:srgbClr>
+            </a:outerShdw>
+          </a:effectLst>
           <a:latin typeface="+mn-lt"/>
           <a:ea typeface="+mn-ea"/>
           <a:cs typeface="+mn-cs"/>
@@ -2946,12 +7944,44 @@
         <a:spcBef>
           <a:spcPct val="20000"/>
         </a:spcBef>
+        <a:spcAft>
+          <a:spcPts val="600"/>
+        </a:spcAft>
+        <a:buClr>
+          <a:schemeClr val="tx1"/>
+        </a:buClr>
+        <a:buSzPct val="130000"/>
         <a:buFont typeface="Arial"/>
         <a:buChar char="•"/>
-        <a:defRPr sz="2000" kern="1200">
-          <a:solidFill>
-            <a:schemeClr val="tx1"/>
-          </a:solidFill>
+        <a:defRPr sz="1100" kern="1200" cap="small">
+          <a:gradFill flip="none" rotWithShape="1">
+            <a:gsLst>
+              <a:gs pos="0">
+                <a:schemeClr val="tx1"/>
+              </a:gs>
+              <a:gs pos="100000">
+                <a:schemeClr val="tx1">
+                  <a:lumMod val="75000"/>
+                </a:schemeClr>
+              </a:gs>
+            </a:gsLst>
+            <a:lin ang="5400000" scaled="0"/>
+            <a:tileRect/>
+          </a:gradFill>
+          <a:effectLst>
+            <a:glow rad="38100">
+              <a:schemeClr val="bg1">
+                <a:lumMod val="50000"/>
+                <a:lumOff val="50000"/>
+                <a:alpha val="20000"/>
+              </a:schemeClr>
+            </a:glow>
+            <a:outerShdw blurRad="44450" dist="12700" dir="13860000" algn="tl" rotWithShape="0">
+              <a:srgbClr val="000000">
+                <a:alpha val="20000"/>
+              </a:srgbClr>
+            </a:outerShdw>
+          </a:effectLst>
           <a:latin typeface="+mn-lt"/>
           <a:ea typeface="+mn-ea"/>
           <a:cs typeface="+mn-cs"/>
@@ -2961,12 +7991,44 @@
         <a:spcBef>
           <a:spcPct val="20000"/>
         </a:spcBef>
+        <a:spcAft>
+          <a:spcPts val="600"/>
+        </a:spcAft>
+        <a:buClr>
+          <a:schemeClr val="tx1"/>
+        </a:buClr>
+        <a:buSzPct val="130000"/>
         <a:buFont typeface="Arial"/>
         <a:buChar char="•"/>
-        <a:defRPr sz="2000" kern="1200">
-          <a:solidFill>
-            <a:schemeClr val="tx1"/>
-          </a:solidFill>
+        <a:defRPr sz="1100" kern="1200" cap="small">
+          <a:gradFill flip="none" rotWithShape="1">
+            <a:gsLst>
+              <a:gs pos="0">
+                <a:schemeClr val="tx1"/>
+              </a:gs>
+              <a:gs pos="100000">
+                <a:schemeClr val="tx1">
+                  <a:lumMod val="75000"/>
+                </a:schemeClr>
+              </a:gs>
+            </a:gsLst>
+            <a:lin ang="5400000" scaled="0"/>
+            <a:tileRect/>
+          </a:gradFill>
+          <a:effectLst>
+            <a:glow rad="38100">
+              <a:schemeClr val="bg1">
+                <a:lumMod val="50000"/>
+                <a:lumOff val="50000"/>
+                <a:alpha val="20000"/>
+              </a:schemeClr>
+            </a:glow>
+            <a:outerShdw blurRad="44450" dist="12700" dir="13860000" algn="tl" rotWithShape="0">
+              <a:srgbClr val="000000">
+                <a:alpha val="20000"/>
+              </a:srgbClr>
+            </a:outerShdw>
+          </a:effectLst>
           <a:latin typeface="+mn-lt"/>
           <a:ea typeface="+mn-ea"/>
           <a:cs typeface="+mn-cs"/>
@@ -2976,12 +8038,44 @@
         <a:spcBef>
           <a:spcPct val="20000"/>
         </a:spcBef>
+        <a:spcAft>
+          <a:spcPts val="600"/>
+        </a:spcAft>
+        <a:buClr>
+          <a:schemeClr val="tx1"/>
+        </a:buClr>
+        <a:buSzPct val="100000"/>
         <a:buFont typeface="Arial"/>
         <a:buChar char="•"/>
-        <a:defRPr sz="2000" kern="1200">
-          <a:solidFill>
-            <a:schemeClr val="tx1"/>
-          </a:solidFill>
+        <a:defRPr sz="1100" kern="1200" cap="small">
+          <a:gradFill flip="none" rotWithShape="1">
+            <a:gsLst>
+              <a:gs pos="0">
+                <a:schemeClr val="tx1"/>
+              </a:gs>
+              <a:gs pos="100000">
+                <a:schemeClr val="tx1">
+                  <a:lumMod val="75000"/>
+                </a:schemeClr>
+              </a:gs>
+            </a:gsLst>
+            <a:lin ang="5400000" scaled="0"/>
+            <a:tileRect/>
+          </a:gradFill>
+          <a:effectLst>
+            <a:glow rad="38100">
+              <a:schemeClr val="bg1">
+                <a:lumMod val="50000"/>
+                <a:lumOff val="50000"/>
+                <a:alpha val="20000"/>
+              </a:schemeClr>
+            </a:glow>
+            <a:outerShdw blurRad="44450" dist="12700" dir="13860000" algn="tl" rotWithShape="0">
+              <a:srgbClr val="000000">
+                <a:alpha val="20000"/>
+              </a:srgbClr>
+            </a:outerShdw>
+          </a:effectLst>
           <a:latin typeface="+mn-lt"/>
           <a:ea typeface="+mn-ea"/>
           <a:cs typeface="+mn-cs"/>
@@ -3088,7 +8182,7 @@
 </file>
 
 <file path=ppt/slides/slide1.xml><?xml version="1.0" encoding="utf-8"?>
-<p:sld xmlns:a="http://schemas.openxmlformats.org/drawingml/2006/main" xmlns:p="http://schemas.openxmlformats.org/presentationml/2006/main" xmlns:r="http://schemas.openxmlformats.org/officeDocument/2006/relationships">
+<p:sld xmlns:a="http://schemas.openxmlformats.org/drawingml/2006/main" xmlns:r="http://schemas.openxmlformats.org/officeDocument/2006/relationships" xmlns:p="http://schemas.openxmlformats.org/presentationml/2006/main">
   <p:cSld>
     <p:spTree>
       <p:nvGrpSpPr>
@@ -3096,7 +8190,14 @@
         <p:cNvGrpSpPr/>
         <p:nvPr/>
       </p:nvGrpSpPr>
-      <p:grpSpPr/>
+      <p:grpSpPr>
+        <a:xfrm>
+          <a:off x="0" y="0"/>
+          <a:ext cx="0" cy="0"/>
+          <a:chOff x="0" y="0"/>
+          <a:chExt cx="0" cy="0"/>
+        </a:xfrm>
+      </p:grpSpPr>
       <p:sp>
         <p:nvSpPr>
           <p:cNvPr id="2" name="Title 1"/>
@@ -3109,11 +8210,26 @@
         </p:nvSpPr>
         <p:spPr/>
         <p:txBody>
-          <a:bodyPr/>
+          <a:bodyPr>
+            <a:normAutofit/>
+          </a:bodyPr>
           <a:lstStyle/>
           <a:p>
             <a:r>
-              <a:t>TrekGuide Connect</a:t>
+              <a:rPr sz="7200" b="1" dirty="0" err="1">
+                <a:solidFill>
+                  <a:srgbClr val="00B050"/>
+                </a:solidFill>
+              </a:rPr>
+              <a:t>TrekGuide</a:t>
+            </a:r>
+            <a:r>
+              <a:rPr sz="7200" b="1" dirty="0">
+                <a:solidFill>
+                  <a:srgbClr val="00B050"/>
+                </a:solidFill>
+              </a:rPr>
+              <a:t> Connect</a:t>
             </a:r>
           </a:p>
         </p:txBody>
@@ -3128,12 +8244,27 @@
             <p:ph type="subTitle" idx="1"/>
           </p:nvPr>
         </p:nvSpPr>
-        <p:spPr/>
-        <p:txBody>
-          <a:bodyPr/>
+        <p:spPr>
+          <a:xfrm>
+            <a:off x="1213338" y="3831982"/>
+            <a:ext cx="7130562" cy="852854"/>
+          </a:xfrm>
+        </p:spPr>
+        <p:txBody>
+          <a:bodyPr>
+            <a:normAutofit fontScale="85000" lnSpcReduction="10000"/>
+          </a:bodyPr>
           <a:lstStyle/>
           <a:p>
             <a:r>
+              <a:rPr sz="3800" dirty="0">
+                <a:solidFill>
+                  <a:schemeClr val="tx1">
+                    <a:lumMod val="65000"/>
+                    <a:lumOff val="35000"/>
+                  </a:schemeClr>
+                </a:solidFill>
+              </a:rPr>
               <a:t>Your Ultimate Trekking Companion</a:t>
             </a:r>
           </a:p>
@@ -3148,7 +8279,7 @@
 </file>
 
 <file path=ppt/slides/slide10.xml><?xml version="1.0" encoding="utf-8"?>
-<p:sld xmlns:a="http://schemas.openxmlformats.org/drawingml/2006/main" xmlns:p="http://schemas.openxmlformats.org/presentationml/2006/main" xmlns:r="http://schemas.openxmlformats.org/officeDocument/2006/relationships">
+<p:sld xmlns:a="http://schemas.openxmlformats.org/drawingml/2006/main" xmlns:r="http://schemas.openxmlformats.org/officeDocument/2006/relationships" xmlns:p="http://schemas.openxmlformats.org/presentationml/2006/main">
   <p:cSld>
     <p:spTree>
       <p:nvGrpSpPr>
@@ -3156,7 +8287,14 @@
         <p:cNvGrpSpPr/>
         <p:nvPr/>
       </p:nvGrpSpPr>
-      <p:grpSpPr/>
+      <p:grpSpPr>
+        <a:xfrm>
+          <a:off x="0" y="0"/>
+          <a:ext cx="0" cy="0"/>
+          <a:chOff x="0" y="0"/>
+          <a:chExt cx="0" cy="0"/>
+        </a:xfrm>
+      </p:grpSpPr>
       <p:sp>
         <p:nvSpPr>
           <p:cNvPr id="2" name="Title 1"/>
@@ -3169,12 +8307,24 @@
         </p:nvSpPr>
         <p:spPr/>
         <p:txBody>
-          <a:bodyPr/>
+          <a:bodyPr>
+            <a:normAutofit/>
+          </a:bodyPr>
           <a:lstStyle/>
           <a:p>
             <a:r>
-              <a:t>Conclusion</a:t>
-            </a:r>
+              <a:rPr lang="en-US" sz="3600" b="1" dirty="0">
+                <a:solidFill>
+                  <a:srgbClr val="00B050"/>
+                </a:solidFill>
+              </a:rPr>
+              <a:t>USP</a:t>
+            </a:r>
+            <a:endParaRPr sz="3600" b="1" dirty="0">
+              <a:solidFill>
+                <a:srgbClr val="00B050"/>
+              </a:solidFill>
+            </a:endParaRPr>
           </a:p>
         </p:txBody>
       </p:sp>
@@ -3190,27 +8340,481 @@
         </p:nvSpPr>
         <p:spPr/>
         <p:txBody>
-          <a:bodyPr/>
+          <a:bodyPr>
+            <a:normAutofit/>
+          </a:bodyPr>
           <a:lstStyle/>
           <a:p>
-            <a:r>
-              <a:t>- Simplifies trekking experience for adventure enthusiasts.</a:t>
-            </a:r>
-          </a:p>
-          <a:p>
-            <a:r>
-              <a:t>- Provides a lucrative business opportunity for entrepreneurs.</a:t>
-            </a:r>
-          </a:p>
-          <a:p>
-            <a:r>
-              <a:t>- Leverage the platform to capitalize on the growing demand for guided trekking tours.</a:t>
-            </a:r>
-          </a:p>
-          <a:p>
-            <a:r>
-              <a:t>- Join TrekGuide Connect and embark on a journey to success in the booming tourism industry.</a:t>
-            </a:r>
+            <a:pPr marL="0" indent="0" algn="ctr">
+              <a:buNone/>
+            </a:pPr>
+            <a:r>
+              <a:rPr lang="en-US" sz="3200" b="1" dirty="0"/>
+              <a:t>Huge database of government verified trekking guides</a:t>
+            </a:r>
+          </a:p>
+          <a:p>
+            <a:pPr marL="0" indent="0" algn="ctr">
+              <a:buNone/>
+            </a:pPr>
+            <a:endParaRPr lang="en-US" sz="2400" dirty="0"/>
+          </a:p>
+          <a:p>
+            <a:pPr marL="0" indent="0" algn="ctr">
+              <a:buNone/>
+            </a:pPr>
+            <a:r>
+              <a:rPr lang="en-US" sz="8800" b="1" dirty="0"/>
+              <a:t>25,483</a:t>
+            </a:r>
+            <a:endParaRPr lang="en-US" sz="2400" b="1" dirty="0"/>
+          </a:p>
+          <a:p>
+            <a:pPr marL="0" indent="0" algn="ctr">
+              <a:buNone/>
+            </a:pPr>
+            <a:endParaRPr lang="en-US" sz="2400" dirty="0"/>
+          </a:p>
+        </p:txBody>
+      </p:sp>
+    </p:spTree>
+  </p:cSld>
+  <p:clrMapOvr>
+    <a:masterClrMapping/>
+  </p:clrMapOvr>
+</p:sld>
+</file>
+
+<file path=ppt/slides/slide11.xml><?xml version="1.0" encoding="utf-8"?>
+<p:sld xmlns:a="http://schemas.openxmlformats.org/drawingml/2006/main" xmlns:r="http://schemas.openxmlformats.org/officeDocument/2006/relationships" xmlns:p="http://schemas.openxmlformats.org/presentationml/2006/main">
+  <p:cSld>
+    <p:spTree>
+      <p:nvGrpSpPr>
+        <p:cNvPr id="1" name=""/>
+        <p:cNvGrpSpPr/>
+        <p:nvPr/>
+      </p:nvGrpSpPr>
+      <p:grpSpPr>
+        <a:xfrm>
+          <a:off x="0" y="0"/>
+          <a:ext cx="0" cy="0"/>
+          <a:chOff x="0" y="0"/>
+          <a:chExt cx="0" cy="0"/>
+        </a:xfrm>
+      </p:grpSpPr>
+      <p:sp>
+        <p:nvSpPr>
+          <p:cNvPr id="2" name="Title 1"/>
+          <p:cNvSpPr>
+            <a:spLocks noGrp="1"/>
+          </p:cNvSpPr>
+          <p:nvPr>
+            <p:ph type="title"/>
+          </p:nvPr>
+        </p:nvSpPr>
+        <p:spPr/>
+        <p:txBody>
+          <a:bodyPr>
+            <a:normAutofit/>
+          </a:bodyPr>
+          <a:lstStyle/>
+          <a:p>
+            <a:r>
+              <a:rPr lang="en-US" sz="3600" b="1" dirty="0">
+                <a:solidFill>
+                  <a:srgbClr val="00B050"/>
+                </a:solidFill>
+              </a:rPr>
+              <a:t>Budgeting</a:t>
+            </a:r>
+            <a:endParaRPr sz="4000" b="1" dirty="0">
+              <a:solidFill>
+                <a:srgbClr val="00B050"/>
+              </a:solidFill>
+            </a:endParaRPr>
+          </a:p>
+        </p:txBody>
+      </p:sp>
+      <p:graphicFrame>
+        <p:nvGraphicFramePr>
+          <p:cNvPr id="4" name="Table 3">
+            <a:extLst>
+              <a:ext uri="{FF2B5EF4-FFF2-40B4-BE49-F238E27FC236}">
+                <a16:creationId xmlns:a16="http://schemas.microsoft.com/office/drawing/2014/main" id="{D9E7179F-06DE-DD5D-89DF-95F6EB10D654}"/>
+              </a:ext>
+            </a:extLst>
+          </p:cNvPr>
+          <p:cNvGraphicFramePr>
+            <a:graphicFrameLocks noGrp="1"/>
+          </p:cNvGraphicFramePr>
+          <p:nvPr>
+            <p:extLst>
+              <p:ext uri="{D42A27DB-BD31-4B8C-83A1-F6EECF244321}">
+                <p14:modId xmlns:p14="http://schemas.microsoft.com/office/powerpoint/2010/main" val="2212023426"/>
+              </p:ext>
+            </p:extLst>
+          </p:nvPr>
+        </p:nvGraphicFramePr>
+        <p:xfrm>
+          <a:off x="952499" y="2060331"/>
+          <a:ext cx="7511474" cy="2601034"/>
+        </p:xfrm>
+        <a:graphic>
+          <a:graphicData uri="http://schemas.openxmlformats.org/drawingml/2006/table">
+            <a:tbl>
+              <a:tblPr firstRow="1" bandRow="1">
+                <a:tableStyleId>{5C22544A-7EE6-4342-B048-85BDC9FD1C3A}</a:tableStyleId>
+              </a:tblPr>
+              <a:tblGrid>
+                <a:gridCol w="5360378">
+                  <a:extLst>
+                    <a:ext uri="{9D8B030D-6E8A-4147-A177-3AD203B41FA5}">
+                      <a16:colId xmlns:a16="http://schemas.microsoft.com/office/drawing/2014/main" val="1247501420"/>
+                    </a:ext>
+                  </a:extLst>
+                </a:gridCol>
+                <a:gridCol w="2151096">
+                  <a:extLst>
+                    <a:ext uri="{9D8B030D-6E8A-4147-A177-3AD203B41FA5}">
+                      <a16:colId xmlns:a16="http://schemas.microsoft.com/office/drawing/2014/main" val="511088232"/>
+                    </a:ext>
+                  </a:extLst>
+                </a:gridCol>
+              </a:tblGrid>
+              <a:tr h="506167">
+                <a:tc gridSpan="2">
+                  <a:txBody>
+                    <a:bodyPr/>
+                    <a:lstStyle/>
+                    <a:p>
+                      <a:pPr algn="ctr"/>
+                      <a:r>
+                        <a:rPr lang="en-US" sz="2800" dirty="0"/>
+                        <a:t>1</a:t>
+                      </a:r>
+                      <a:r>
+                        <a:rPr lang="en-US" sz="2800" baseline="30000" dirty="0"/>
+                        <a:t>st</a:t>
+                      </a:r>
+                      <a:r>
+                        <a:rPr lang="en-US" sz="2800" dirty="0"/>
+                        <a:t> Year Cost</a:t>
+                      </a:r>
+                    </a:p>
+                  </a:txBody>
+                  <a:tcPr/>
+                </a:tc>
+                <a:tc hMerge="1">
+                  <a:txBody>
+                    <a:bodyPr/>
+                    <a:lstStyle/>
+                    <a:p>
+                      <a:endParaRPr lang="en-US" dirty="0"/>
+                    </a:p>
+                  </a:txBody>
+                  <a:tcPr/>
+                </a:tc>
+                <a:extLst>
+                  <a:ext uri="{0D108BD9-81ED-4DB2-BD59-A6C34878D82A}">
+                    <a16:rowId xmlns:a16="http://schemas.microsoft.com/office/drawing/2014/main" val="735004551"/>
+                  </a:ext>
+                </a:extLst>
+              </a:tr>
+              <a:tr h="528394">
+                <a:tc>
+                  <a:txBody>
+                    <a:bodyPr/>
+                    <a:lstStyle/>
+                    <a:p>
+                      <a:r>
+                        <a:rPr lang="en-US" sz="2800" dirty="0"/>
+                        <a:t>Software Development Cost </a:t>
+                      </a:r>
+                    </a:p>
+                  </a:txBody>
+                  <a:tcPr/>
+                </a:tc>
+                <a:tc>
+                  <a:txBody>
+                    <a:bodyPr/>
+                    <a:lstStyle/>
+                    <a:p>
+                      <a:pPr algn="r"/>
+                      <a:r>
+                        <a:rPr lang="en-US" sz="2800" dirty="0"/>
+                        <a:t>17.5 Lakhs</a:t>
+                      </a:r>
+                    </a:p>
+                  </a:txBody>
+                  <a:tcPr/>
+                </a:tc>
+                <a:extLst>
+                  <a:ext uri="{0D108BD9-81ED-4DB2-BD59-A6C34878D82A}">
+                    <a16:rowId xmlns:a16="http://schemas.microsoft.com/office/drawing/2014/main" val="3436331920"/>
+                  </a:ext>
+                </a:extLst>
+              </a:tr>
+              <a:tr h="506167">
+                <a:tc>
+                  <a:txBody>
+                    <a:bodyPr/>
+                    <a:lstStyle/>
+                    <a:p>
+                      <a:r>
+                        <a:rPr lang="en-US" sz="2800" dirty="0"/>
+                        <a:t>Marketing cost </a:t>
+                      </a:r>
+                    </a:p>
+                  </a:txBody>
+                  <a:tcPr/>
+                </a:tc>
+                <a:tc>
+                  <a:txBody>
+                    <a:bodyPr/>
+                    <a:lstStyle/>
+                    <a:p>
+                      <a:pPr algn="r"/>
+                      <a:r>
+                        <a:rPr lang="en-US" sz="2800" dirty="0"/>
+                        <a:t>12.5 Lakhs</a:t>
+                      </a:r>
+                    </a:p>
+                  </a:txBody>
+                  <a:tcPr/>
+                </a:tc>
+                <a:extLst>
+                  <a:ext uri="{0D108BD9-81ED-4DB2-BD59-A6C34878D82A}">
+                    <a16:rowId xmlns:a16="http://schemas.microsoft.com/office/drawing/2014/main" val="603794785"/>
+                  </a:ext>
+                </a:extLst>
+              </a:tr>
+              <a:tr h="506167">
+                <a:tc>
+                  <a:txBody>
+                    <a:bodyPr/>
+                    <a:lstStyle/>
+                    <a:p>
+                      <a:r>
+                        <a:rPr lang="en-US" sz="2800" dirty="0"/>
+                        <a:t>Operation cost </a:t>
+                      </a:r>
+                    </a:p>
+                  </a:txBody>
+                  <a:tcPr/>
+                </a:tc>
+                <a:tc>
+                  <a:txBody>
+                    <a:bodyPr/>
+                    <a:lstStyle/>
+                    <a:p>
+                      <a:pPr algn="r"/>
+                      <a:r>
+                        <a:rPr lang="en-US" sz="2800" dirty="0"/>
+                        <a:t>5 Lakhs</a:t>
+                      </a:r>
+                    </a:p>
+                  </a:txBody>
+                  <a:tcPr/>
+                </a:tc>
+                <a:extLst>
+                  <a:ext uri="{0D108BD9-81ED-4DB2-BD59-A6C34878D82A}">
+                    <a16:rowId xmlns:a16="http://schemas.microsoft.com/office/drawing/2014/main" val="316563760"/>
+                  </a:ext>
+                </a:extLst>
+              </a:tr>
+              <a:tr h="506167">
+                <a:tc>
+                  <a:txBody>
+                    <a:bodyPr/>
+                    <a:lstStyle/>
+                    <a:p>
+                      <a:pPr algn="ctr"/>
+                      <a:r>
+                        <a:rPr lang="en-US" sz="2800" b="1" dirty="0"/>
+                        <a:t>Total</a:t>
+                      </a:r>
+                    </a:p>
+                  </a:txBody>
+                  <a:tcPr/>
+                </a:tc>
+                <a:tc>
+                  <a:txBody>
+                    <a:bodyPr/>
+                    <a:lstStyle/>
+                    <a:p>
+                      <a:pPr algn="r"/>
+                      <a:r>
+                        <a:rPr lang="en-US" sz="2800" dirty="0"/>
+                        <a:t>35 Lakhs</a:t>
+                      </a:r>
+                    </a:p>
+                  </a:txBody>
+                  <a:tcPr/>
+                </a:tc>
+                <a:extLst>
+                  <a:ext uri="{0D108BD9-81ED-4DB2-BD59-A6C34878D82A}">
+                    <a16:rowId xmlns:a16="http://schemas.microsoft.com/office/drawing/2014/main" val="2351176554"/>
+                  </a:ext>
+                </a:extLst>
+              </a:tr>
+            </a:tbl>
+          </a:graphicData>
+        </a:graphic>
+      </p:graphicFrame>
+    </p:spTree>
+  </p:cSld>
+  <p:clrMapOvr>
+    <a:masterClrMapping/>
+  </p:clrMapOvr>
+</p:sld>
+</file>
+
+<file path=ppt/slides/slide12.xml><?xml version="1.0" encoding="utf-8"?>
+<p:sld xmlns:a="http://schemas.openxmlformats.org/drawingml/2006/main" xmlns:r="http://schemas.openxmlformats.org/officeDocument/2006/relationships" xmlns:p="http://schemas.openxmlformats.org/presentationml/2006/main">
+  <p:cSld>
+    <p:spTree>
+      <p:nvGrpSpPr>
+        <p:cNvPr id="1" name=""/>
+        <p:cNvGrpSpPr/>
+        <p:nvPr/>
+      </p:nvGrpSpPr>
+      <p:grpSpPr>
+        <a:xfrm>
+          <a:off x="0" y="0"/>
+          <a:ext cx="0" cy="0"/>
+          <a:chOff x="0" y="0"/>
+          <a:chExt cx="0" cy="0"/>
+        </a:xfrm>
+      </p:grpSpPr>
+      <p:sp>
+        <p:nvSpPr>
+          <p:cNvPr id="2" name="Title 1"/>
+          <p:cNvSpPr>
+            <a:spLocks noGrp="1"/>
+          </p:cNvSpPr>
+          <p:nvPr>
+            <p:ph type="title"/>
+          </p:nvPr>
+        </p:nvSpPr>
+        <p:spPr>
+          <a:xfrm>
+            <a:off x="457200" y="274638"/>
+            <a:ext cx="8229600" cy="4191854"/>
+          </a:xfrm>
+        </p:spPr>
+        <p:txBody>
+          <a:bodyPr>
+            <a:normAutofit/>
+          </a:bodyPr>
+          <a:lstStyle/>
+          <a:p>
+            <a:pPr algn="ctr"/>
+            <a:r>
+              <a:rPr lang="en-US" b="1" dirty="0">
+                <a:solidFill>
+                  <a:srgbClr val="00B050"/>
+                </a:solidFill>
+              </a:rPr>
+              <a:t>Let’s provide the best trekking experience. </a:t>
+            </a:r>
+            <a:br>
+              <a:rPr lang="en-US" b="1" dirty="0">
+                <a:solidFill>
+                  <a:srgbClr val="00B050"/>
+                </a:solidFill>
+              </a:rPr>
+            </a:br>
+            <a:r>
+              <a:rPr lang="en-US" b="1" dirty="0">
+                <a:solidFill>
+                  <a:srgbClr val="00B050"/>
+                </a:solidFill>
+              </a:rPr>
+              <a:t> </a:t>
+            </a:r>
+            <a:br>
+              <a:rPr lang="en-US" b="1" dirty="0">
+                <a:solidFill>
+                  <a:srgbClr val="00B050"/>
+                </a:solidFill>
+              </a:rPr>
+            </a:br>
+            <a:r>
+              <a:rPr lang="en-US" sz="1800" b="1" dirty="0">
+                <a:solidFill>
+                  <a:srgbClr val="00B050"/>
+                </a:solidFill>
+              </a:rPr>
+              <a:t>Thank You</a:t>
+            </a:r>
+            <a:endParaRPr sz="1800" b="1" dirty="0">
+              <a:solidFill>
+                <a:srgbClr val="00B050"/>
+              </a:solidFill>
+            </a:endParaRPr>
+          </a:p>
+        </p:txBody>
+      </p:sp>
+      <p:sp>
+        <p:nvSpPr>
+          <p:cNvPr id="3" name="Content Placeholder 2"/>
+          <p:cNvSpPr>
+            <a:spLocks noGrp="1"/>
+          </p:cNvSpPr>
+          <p:nvPr>
+            <p:ph idx="1"/>
+          </p:nvPr>
+        </p:nvSpPr>
+        <p:spPr>
+          <a:xfrm>
+            <a:off x="457200" y="4360985"/>
+            <a:ext cx="8229600" cy="1765178"/>
+          </a:xfrm>
+        </p:spPr>
+        <p:txBody>
+          <a:bodyPr>
+            <a:normAutofit fontScale="92500" lnSpcReduction="20000"/>
+          </a:bodyPr>
+          <a:lstStyle/>
+          <a:p>
+            <a:pPr marL="0" indent="0" algn="ctr">
+              <a:buNone/>
+            </a:pPr>
+            <a:endParaRPr lang="en-US" sz="1800" dirty="0"/>
+          </a:p>
+          <a:p>
+            <a:pPr marL="0" indent="0" algn="ctr">
+              <a:buNone/>
+            </a:pPr>
+            <a:endParaRPr lang="en-US" sz="1800" dirty="0"/>
+          </a:p>
+          <a:p>
+            <a:pPr marL="0" indent="0" algn="ctr">
+              <a:buNone/>
+            </a:pPr>
+            <a:r>
+              <a:rPr lang="en-US" sz="1800" b="1" dirty="0"/>
+              <a:t>Tara Prasad Gurung </a:t>
+            </a:r>
+          </a:p>
+          <a:p>
+            <a:pPr marL="0" indent="0" algn="ctr">
+              <a:buNone/>
+            </a:pPr>
+            <a:r>
+              <a:rPr lang="en-US" sz="1800" b="1" dirty="0"/>
+              <a:t>Surendra Tamang </a:t>
+            </a:r>
+          </a:p>
+          <a:p>
+            <a:pPr marL="0" indent="0" algn="ctr">
+              <a:buNone/>
+            </a:pPr>
+            <a:r>
+              <a:rPr lang="en-US" sz="1800" b="1" dirty="0"/>
+              <a:t>Rohan Raj Poudel </a:t>
+            </a:r>
+            <a:endParaRPr sz="1800" b="1" dirty="0"/>
           </a:p>
         </p:txBody>
       </p:sp>
@@ -3223,7 +8827,7 @@
 </file>
 
 <file path=ppt/slides/slide2.xml><?xml version="1.0" encoding="utf-8"?>
-<p:sld xmlns:a="http://schemas.openxmlformats.org/drawingml/2006/main" xmlns:p="http://schemas.openxmlformats.org/presentationml/2006/main" xmlns:r="http://schemas.openxmlformats.org/officeDocument/2006/relationships">
+<p:sld xmlns:a="http://schemas.openxmlformats.org/drawingml/2006/main" xmlns:r="http://schemas.openxmlformats.org/officeDocument/2006/relationships" xmlns:p="http://schemas.openxmlformats.org/presentationml/2006/main">
   <p:cSld>
     <p:spTree>
       <p:nvGrpSpPr>
@@ -3231,60 +8835,50 @@
         <p:cNvGrpSpPr/>
         <p:nvPr/>
       </p:nvGrpSpPr>
-      <p:grpSpPr/>
-      <p:sp>
-        <p:nvSpPr>
-          <p:cNvPr id="2" name="Title 1"/>
-          <p:cNvSpPr>
-            <a:spLocks noGrp="1"/>
-          </p:cNvSpPr>
-          <p:nvPr>
-            <p:ph type="title"/>
-          </p:nvPr>
-        </p:nvSpPr>
-        <p:spPr/>
-        <p:txBody>
-          <a:bodyPr/>
-          <a:lstStyle/>
-          <a:p>
-            <a:r>
-              <a:t>Introduction</a:t>
-            </a:r>
-          </a:p>
-        </p:txBody>
-      </p:sp>
-      <p:sp>
-        <p:nvSpPr>
-          <p:cNvPr id="3" name="Content Placeholder 2"/>
-          <p:cNvSpPr>
-            <a:spLocks noGrp="1"/>
-          </p:cNvSpPr>
-          <p:nvPr>
-            <p:ph idx="1"/>
-          </p:nvPr>
-        </p:nvSpPr>
-        <p:spPr/>
-        <p:txBody>
-          <a:bodyPr/>
-          <a:lstStyle/>
-          <a:p>
-            <a:r>
-              <a:t>- Revolutionizing the trekking experience.</a:t>
-            </a:r>
-          </a:p>
-          <a:p>
-            <a:r>
-              <a:t>- Connects adventure enthusiasts with experienced trekking guides.</a:t>
-            </a:r>
-          </a:p>
-          <a:p>
-            <a:r>
-              <a:t>- Offers a commission-based business model for entrepreneurs.</a:t>
-            </a:r>
-          </a:p>
-        </p:txBody>
-      </p:sp>
+      <p:grpSpPr>
+        <a:xfrm>
+          <a:off x="0" y="0"/>
+          <a:ext cx="0" cy="0"/>
+          <a:chOff x="0" y="0"/>
+          <a:chExt cx="0" cy="0"/>
+        </a:xfrm>
+      </p:grpSpPr>
+      <p:pic>
+        <p:nvPicPr>
+          <p:cNvPr id="5" name="Picture 4">
+            <a:extLst>
+              <a:ext uri="{FF2B5EF4-FFF2-40B4-BE49-F238E27FC236}">
+                <a16:creationId xmlns:a16="http://schemas.microsoft.com/office/drawing/2014/main" id="{5804B700-73A3-D235-4EB1-E9E9DEF2D1C2}"/>
+              </a:ext>
+            </a:extLst>
+          </p:cNvPr>
+          <p:cNvPicPr>
+            <a:picLocks noChangeAspect="1"/>
+          </p:cNvPicPr>
+          <p:nvPr/>
+        </p:nvPicPr>
+        <p:blipFill>
+          <a:blip r:embed="rId2"/>
+          <a:stretch>
+            <a:fillRect/>
+          </a:stretch>
+        </p:blipFill>
+        <p:spPr>
+          <a:xfrm>
+            <a:off x="0" y="1087011"/>
+            <a:ext cx="9144000" cy="4683977"/>
+          </a:xfrm>
+          <a:prstGeom prst="rect">
+            <a:avLst/>
+          </a:prstGeom>
+        </p:spPr>
+      </p:pic>
     </p:spTree>
+    <p:extLst>
+      <p:ext uri="{BB962C8B-B14F-4D97-AF65-F5344CB8AC3E}">
+        <p14:creationId xmlns:p14="http://schemas.microsoft.com/office/powerpoint/2010/main" val="1348908031"/>
+      </p:ext>
+    </p:extLst>
   </p:cSld>
   <p:clrMapOvr>
     <a:masterClrMapping/>
@@ -3293,7 +8887,7 @@
 </file>
 
 <file path=ppt/slides/slide3.xml><?xml version="1.0" encoding="utf-8"?>
-<p:sld xmlns:a="http://schemas.openxmlformats.org/drawingml/2006/main" xmlns:p="http://schemas.openxmlformats.org/presentationml/2006/main" xmlns:r="http://schemas.openxmlformats.org/officeDocument/2006/relationships">
+<p:sld xmlns:a="http://schemas.openxmlformats.org/drawingml/2006/main" xmlns:r="http://schemas.openxmlformats.org/officeDocument/2006/relationships" xmlns:p="http://schemas.openxmlformats.org/presentationml/2006/main">
   <p:cSld>
     <p:spTree>
       <p:nvGrpSpPr>
@@ -3301,75 +8895,50 @@
         <p:cNvGrpSpPr/>
         <p:nvPr/>
       </p:nvGrpSpPr>
-      <p:grpSpPr/>
-      <p:sp>
-        <p:nvSpPr>
-          <p:cNvPr id="2" name="Title 1"/>
-          <p:cNvSpPr>
-            <a:spLocks noGrp="1"/>
-          </p:cNvSpPr>
-          <p:nvPr>
-            <p:ph type="title"/>
-          </p:nvPr>
-        </p:nvSpPr>
-        <p:spPr/>
-        <p:txBody>
-          <a:bodyPr/>
-          <a:lstStyle/>
-          <a:p>
-            <a:r>
-              <a:t>Comprehensive Guide Profiles</a:t>
-            </a:r>
-          </a:p>
-        </p:txBody>
-      </p:sp>
-      <p:sp>
-        <p:nvSpPr>
-          <p:cNvPr id="3" name="Content Placeholder 2"/>
-          <p:cNvSpPr>
-            <a:spLocks noGrp="1"/>
-          </p:cNvSpPr>
-          <p:nvPr>
-            <p:ph idx="1"/>
-          </p:nvPr>
-        </p:nvSpPr>
-        <p:spPr/>
-        <p:txBody>
-          <a:bodyPr/>
-          <a:lstStyle/>
-          <a:p>
-            <a:r>
-              <a:t>- Detailed profiles of registered trekking guides.</a:t>
-            </a:r>
-          </a:p>
-          <a:p>
-            <a:r>
-              <a:t>- Information includes:</a:t>
-            </a:r>
-          </a:p>
-          <a:p>
-            <a:r>
-              <a:t>  - Experience level</a:t>
-            </a:r>
-          </a:p>
-          <a:p>
-            <a:r>
-              <a:t>  - Languages spoken</a:t>
-            </a:r>
-          </a:p>
-          <a:p>
-            <a:r>
-              <a:t>  - Trekking routes expertise</a:t>
-            </a:r>
-          </a:p>
-          <a:p>
-            <a:r>
-              <a:t>  - Customer reviews</a:t>
-            </a:r>
-          </a:p>
-        </p:txBody>
-      </p:sp>
+      <p:grpSpPr>
+        <a:xfrm>
+          <a:off x="0" y="0"/>
+          <a:ext cx="0" cy="0"/>
+          <a:chOff x="0" y="0"/>
+          <a:chExt cx="0" cy="0"/>
+        </a:xfrm>
+      </p:grpSpPr>
+      <p:pic>
+        <p:nvPicPr>
+          <p:cNvPr id="5" name="Picture 4">
+            <a:extLst>
+              <a:ext uri="{FF2B5EF4-FFF2-40B4-BE49-F238E27FC236}">
+                <a16:creationId xmlns:a16="http://schemas.microsoft.com/office/drawing/2014/main" id="{3377EE6A-1B88-6EFB-8180-666EB9ADAF3E}"/>
+              </a:ext>
+            </a:extLst>
+          </p:cNvPr>
+          <p:cNvPicPr>
+            <a:picLocks noChangeAspect="1"/>
+          </p:cNvPicPr>
+          <p:nvPr/>
+        </p:nvPicPr>
+        <p:blipFill>
+          <a:blip r:embed="rId2"/>
+          <a:stretch>
+            <a:fillRect/>
+          </a:stretch>
+        </p:blipFill>
+        <p:spPr>
+          <a:xfrm>
+            <a:off x="0" y="872587"/>
+            <a:ext cx="9144000" cy="5112825"/>
+          </a:xfrm>
+          <a:prstGeom prst="rect">
+            <a:avLst/>
+          </a:prstGeom>
+        </p:spPr>
+      </p:pic>
     </p:spTree>
+    <p:extLst>
+      <p:ext uri="{BB962C8B-B14F-4D97-AF65-F5344CB8AC3E}">
+        <p14:creationId xmlns:p14="http://schemas.microsoft.com/office/powerpoint/2010/main" val="1144764330"/>
+      </p:ext>
+    </p:extLst>
   </p:cSld>
   <p:clrMapOvr>
     <a:masterClrMapping/>
@@ -3378,7 +8947,7 @@
 </file>
 
 <file path=ppt/slides/slide4.xml><?xml version="1.0" encoding="utf-8"?>
-<p:sld xmlns:a="http://schemas.openxmlformats.org/drawingml/2006/main" xmlns:p="http://schemas.openxmlformats.org/presentationml/2006/main" xmlns:r="http://schemas.openxmlformats.org/officeDocument/2006/relationships">
+<p:sld xmlns:a="http://schemas.openxmlformats.org/drawingml/2006/main" xmlns:r="http://schemas.openxmlformats.org/officeDocument/2006/relationships" xmlns:p="http://schemas.openxmlformats.org/presentationml/2006/main">
   <p:cSld>
     <p:spTree>
       <p:nvGrpSpPr>
@@ -3386,60 +8955,50 @@
         <p:cNvGrpSpPr/>
         <p:nvPr/>
       </p:nvGrpSpPr>
-      <p:grpSpPr/>
-      <p:sp>
-        <p:nvSpPr>
-          <p:cNvPr id="2" name="Title 1"/>
-          <p:cNvSpPr>
-            <a:spLocks noGrp="1"/>
-          </p:cNvSpPr>
-          <p:nvPr>
-            <p:ph type="title"/>
-          </p:nvPr>
-        </p:nvSpPr>
-        <p:spPr/>
-        <p:txBody>
-          <a:bodyPr/>
-          <a:lstStyle/>
-          <a:p>
-            <a:r>
-              <a:t>Customized Matching Algorithm</a:t>
-            </a:r>
-          </a:p>
-        </p:txBody>
-      </p:sp>
-      <p:sp>
-        <p:nvSpPr>
-          <p:cNvPr id="3" name="Content Placeholder 2"/>
-          <p:cNvSpPr>
-            <a:spLocks noGrp="1"/>
-          </p:cNvSpPr>
-          <p:nvPr>
-            <p:ph idx="1"/>
-          </p:nvPr>
-        </p:nvSpPr>
-        <p:spPr/>
-        <p:txBody>
-          <a:bodyPr/>
-          <a:lstStyle/>
-          <a:p>
-            <a:r>
-              <a:t>- Advanced algorithm matches guides with user preferences and trekking requirements.</a:t>
-            </a:r>
-          </a:p>
-          <a:p>
-            <a:r>
-              <a:t>- Suggests the most suitable guides.</a:t>
-            </a:r>
-          </a:p>
-          <a:p>
-            <a:r>
-              <a:t>- Entrepreneurs earn commissions on successful bookings.</a:t>
-            </a:r>
-          </a:p>
-        </p:txBody>
-      </p:sp>
+      <p:grpSpPr>
+        <a:xfrm>
+          <a:off x="0" y="0"/>
+          <a:ext cx="0" cy="0"/>
+          <a:chOff x="0" y="0"/>
+          <a:chExt cx="0" cy="0"/>
+        </a:xfrm>
+      </p:grpSpPr>
+      <p:pic>
+        <p:nvPicPr>
+          <p:cNvPr id="3" name="Picture 2">
+            <a:extLst>
+              <a:ext uri="{FF2B5EF4-FFF2-40B4-BE49-F238E27FC236}">
+                <a16:creationId xmlns:a16="http://schemas.microsoft.com/office/drawing/2014/main" id="{0A00412E-594F-707D-2A37-EA7F5AA50FB9}"/>
+              </a:ext>
+            </a:extLst>
+          </p:cNvPr>
+          <p:cNvPicPr>
+            <a:picLocks noChangeAspect="1"/>
+          </p:cNvPicPr>
+          <p:nvPr/>
+        </p:nvPicPr>
+        <p:blipFill>
+          <a:blip r:embed="rId2"/>
+          <a:stretch>
+            <a:fillRect/>
+          </a:stretch>
+        </p:blipFill>
+        <p:spPr>
+          <a:xfrm>
+            <a:off x="0" y="1168016"/>
+            <a:ext cx="9144000" cy="4521968"/>
+          </a:xfrm>
+          <a:prstGeom prst="rect">
+            <a:avLst/>
+          </a:prstGeom>
+        </p:spPr>
+      </p:pic>
     </p:spTree>
+    <p:extLst>
+      <p:ext uri="{BB962C8B-B14F-4D97-AF65-F5344CB8AC3E}">
+        <p14:creationId xmlns:p14="http://schemas.microsoft.com/office/powerpoint/2010/main" val="1733285002"/>
+      </p:ext>
+    </p:extLst>
   </p:cSld>
   <p:clrMapOvr>
     <a:masterClrMapping/>
@@ -3448,7 +9007,7 @@
 </file>
 
 <file path=ppt/slides/slide5.xml><?xml version="1.0" encoding="utf-8"?>
-<p:sld xmlns:a="http://schemas.openxmlformats.org/drawingml/2006/main" xmlns:p="http://schemas.openxmlformats.org/presentationml/2006/main" xmlns:r="http://schemas.openxmlformats.org/officeDocument/2006/relationships">
+<p:sld xmlns:a="http://schemas.openxmlformats.org/drawingml/2006/main" xmlns:r="http://schemas.openxmlformats.org/officeDocument/2006/relationships" xmlns:p="http://schemas.openxmlformats.org/presentationml/2006/main">
   <p:cSld>
     <p:spTree>
       <p:nvGrpSpPr>
@@ -3456,7 +9015,14 @@
         <p:cNvGrpSpPr/>
         <p:nvPr/>
       </p:nvGrpSpPr>
-      <p:grpSpPr/>
+      <p:grpSpPr>
+        <a:xfrm>
+          <a:off x="0" y="0"/>
+          <a:ext cx="0" cy="0"/>
+          <a:chOff x="0" y="0"/>
+          <a:chExt cx="0" cy="0"/>
+        </a:xfrm>
+      </p:grpSpPr>
       <p:sp>
         <p:nvSpPr>
           <p:cNvPr id="2" name="Title 1"/>
@@ -3469,12 +9035,24 @@
         </p:nvSpPr>
         <p:spPr/>
         <p:txBody>
-          <a:bodyPr/>
+          <a:bodyPr>
+            <a:normAutofit/>
+          </a:bodyPr>
           <a:lstStyle/>
           <a:p>
             <a:r>
-              <a:t>Interactive User Interface</a:t>
-            </a:r>
+              <a:rPr lang="en-US" sz="3600" b="1" dirty="0">
+                <a:solidFill>
+                  <a:srgbClr val="00B050"/>
+                </a:solidFill>
+              </a:rPr>
+              <a:t>Features of our Platform</a:t>
+            </a:r>
+            <a:endParaRPr sz="3600" b="1" dirty="0">
+              <a:solidFill>
+                <a:srgbClr val="00B050"/>
+              </a:solidFill>
+            </a:endParaRPr>
           </a:p>
         </p:txBody>
       </p:sp>
@@ -3488,43 +9066,59 @@
             <p:ph idx="1"/>
           </p:nvPr>
         </p:nvSpPr>
-        <p:spPr/>
-        <p:txBody>
-          <a:bodyPr/>
+        <p:spPr>
+          <a:xfrm>
+            <a:off x="457200" y="1846384"/>
+            <a:ext cx="8229600" cy="4525963"/>
+          </a:xfrm>
+        </p:spPr>
+        <p:txBody>
+          <a:bodyPr>
+            <a:normAutofit/>
+          </a:bodyPr>
           <a:lstStyle/>
           <a:p>
             <a:r>
-              <a:t>- User-friendly interface for browsing and comparing guides.</a:t>
-            </a:r>
-          </a:p>
-          <a:p>
-            <a:r>
-              <a:t>- Filters and search options based on:</a:t>
-            </a:r>
-          </a:p>
-          <a:p>
-            <a:r>
-              <a:t>  - Location</a:t>
-            </a:r>
-          </a:p>
-          <a:p>
-            <a:r>
-              <a:t>  - Language</a:t>
-            </a:r>
-          </a:p>
-          <a:p>
-            <a:r>
-              <a:t>  - Availability</a:t>
-            </a:r>
-          </a:p>
-          <a:p>
-            <a:r>
-              <a:t>  - Trekking route</a:t>
-            </a:r>
+              <a:rPr lang="en-US" sz="2400" dirty="0"/>
+              <a:t>Trekking guide detail profile</a:t>
+            </a:r>
+          </a:p>
+          <a:p>
+            <a:r>
+              <a:rPr lang="en-US" sz="2400" dirty="0"/>
+              <a:t>Interview with Trekking Guide</a:t>
+            </a:r>
+          </a:p>
+          <a:p>
+            <a:r>
+              <a:rPr lang="en-US" sz="2400" dirty="0"/>
+              <a:t>Book Guide as per your need</a:t>
+            </a:r>
+          </a:p>
+          <a:p>
+            <a:r>
+              <a:rPr lang="en-US" sz="2400" dirty="0"/>
+              <a:t>Rating/Review your guide &amp; Experience Sharing</a:t>
+            </a:r>
+            <a:endParaRPr lang="en-US" sz="2800" dirty="0"/>
+          </a:p>
+          <a:p>
+            <a:r>
+              <a:rPr lang="en-US" sz="2400" dirty="0"/>
+              <a:t>Secured Payment (Payment released after trek is done)</a:t>
+            </a:r>
+          </a:p>
+          <a:p>
+            <a:endParaRPr lang="en-US" sz="2400" dirty="0"/>
           </a:p>
         </p:txBody>
       </p:sp>
     </p:spTree>
+    <p:extLst>
+      <p:ext uri="{BB962C8B-B14F-4D97-AF65-F5344CB8AC3E}">
+        <p14:creationId xmlns:p14="http://schemas.microsoft.com/office/powerpoint/2010/main" val="988188879"/>
+      </p:ext>
+    </p:extLst>
   </p:cSld>
   <p:clrMapOvr>
     <a:masterClrMapping/>
@@ -3533,7 +9127,7 @@
 </file>
 
 <file path=ppt/slides/slide6.xml><?xml version="1.0" encoding="utf-8"?>
-<p:sld xmlns:a="http://schemas.openxmlformats.org/drawingml/2006/main" xmlns:p="http://schemas.openxmlformats.org/presentationml/2006/main" xmlns:r="http://schemas.openxmlformats.org/officeDocument/2006/relationships">
+<p:sld xmlns:a="http://schemas.openxmlformats.org/drawingml/2006/main" xmlns:r="http://schemas.openxmlformats.org/officeDocument/2006/relationships" xmlns:p="http://schemas.openxmlformats.org/presentationml/2006/main">
   <p:cSld>
     <p:spTree>
       <p:nvGrpSpPr>
@@ -3541,7 +9135,14 @@
         <p:cNvGrpSpPr/>
         <p:nvPr/>
       </p:nvGrpSpPr>
-      <p:grpSpPr/>
+      <p:grpSpPr>
+        <a:xfrm>
+          <a:off x="0" y="0"/>
+          <a:ext cx="0" cy="0"/>
+          <a:chOff x="0" y="0"/>
+          <a:chExt cx="0" cy="0"/>
+        </a:xfrm>
+      </p:grpSpPr>
       <p:sp>
         <p:nvSpPr>
           <p:cNvPr id="2" name="Title 1"/>
@@ -3558,38 +9159,92 @@
           <a:lstStyle/>
           <a:p>
             <a:r>
-              <a:t>Secure Booking System</a:t>
-            </a:r>
-          </a:p>
-        </p:txBody>
-      </p:sp>
-      <p:sp>
-        <p:nvSpPr>
-          <p:cNvPr id="3" name="Content Placeholder 2"/>
-          <p:cNvSpPr>
-            <a:spLocks noGrp="1"/>
-          </p:cNvSpPr>
+              <a:rPr lang="en-US" sz="3600" b="1" dirty="0">
+                <a:solidFill>
+                  <a:srgbClr val="00B050"/>
+                </a:solidFill>
+              </a:rPr>
+              <a:t>Facts</a:t>
+            </a:r>
+            <a:endParaRPr sz="3600" b="1" dirty="0">
+              <a:solidFill>
+                <a:srgbClr val="00B050"/>
+              </a:solidFill>
+            </a:endParaRPr>
+          </a:p>
+        </p:txBody>
+      </p:sp>
+      <p:graphicFrame>
+        <p:nvGraphicFramePr>
+          <p:cNvPr id="16" name="Content Placeholder 15">
+            <a:extLst>
+              <a:ext uri="{FF2B5EF4-FFF2-40B4-BE49-F238E27FC236}">
+                <a16:creationId xmlns:a16="http://schemas.microsoft.com/office/drawing/2014/main" id="{1A3BE788-0F62-2211-391D-DD9D8AA97748}"/>
+              </a:ext>
+            </a:extLst>
+          </p:cNvPr>
+          <p:cNvGraphicFramePr>
+            <a:graphicFrameLocks noGrp="1"/>
+          </p:cNvGraphicFramePr>
           <p:nvPr>
             <p:ph idx="1"/>
-          </p:nvPr>
-        </p:nvSpPr>
-        <p:spPr/>
-        <p:txBody>
-          <a:bodyPr/>
+            <p:extLst>
+              <p:ext uri="{D42A27DB-BD31-4B8C-83A1-F6EECF244321}">
+                <p14:modId xmlns:p14="http://schemas.microsoft.com/office/powerpoint/2010/main" val="46004232"/>
+              </p:ext>
+            </p:extLst>
+          </p:nvPr>
+        </p:nvGraphicFramePr>
+        <p:xfrm>
+          <a:off x="457200" y="1417638"/>
+          <a:ext cx="8229600" cy="4525963"/>
+        </p:xfrm>
+        <a:graphic>
+          <a:graphicData uri="http://schemas.openxmlformats.org/drawingml/2006/chart">
+            <c:chart xmlns:c="http://schemas.openxmlformats.org/drawingml/2006/chart" xmlns:r="http://schemas.openxmlformats.org/officeDocument/2006/relationships" r:id="rId2"/>
+          </a:graphicData>
+        </a:graphic>
+      </p:graphicFrame>
+      <p:sp>
+        <p:nvSpPr>
+          <p:cNvPr id="17" name="TextBox 16">
+            <a:extLst>
+              <a:ext uri="{FF2B5EF4-FFF2-40B4-BE49-F238E27FC236}">
+                <a16:creationId xmlns:a16="http://schemas.microsoft.com/office/drawing/2014/main" id="{8517498D-A99C-87CB-4108-514969EDFA80}"/>
+              </a:ext>
+            </a:extLst>
+          </p:cNvPr>
+          <p:cNvSpPr txBox="1"/>
+          <p:nvPr/>
+        </p:nvSpPr>
+        <p:spPr>
+          <a:xfrm>
+            <a:off x="1011115" y="5846857"/>
+            <a:ext cx="7139354" cy="830997"/>
+          </a:xfrm>
+          <a:prstGeom prst="rect">
+            <a:avLst/>
+          </a:prstGeom>
+          <a:noFill/>
+        </p:spPr>
+        <p:txBody>
+          <a:bodyPr wrap="square" rtlCol="0">
+            <a:spAutoFit/>
+          </a:bodyPr>
           <a:lstStyle/>
           <a:p>
-            <a:r>
-              <a:t>- Facilitates secure bookings through the platform.</a:t>
-            </a:r>
-          </a:p>
-          <a:p>
-            <a:r>
-              <a:t>- Protects personal information and payment details.</a:t>
-            </a:r>
-          </a:p>
-          <a:p>
-            <a:r>
-              <a:t>- Entrepreneurs earn commissions on each transaction.</a:t>
+            <a:pPr algn="ctr"/>
+            <a:r>
+              <a:rPr lang="en-US" sz="2400" dirty="0"/>
+              <a:t>Source: Nepal Tourism Statistics 2022 (</a:t>
+            </a:r>
+            <a:r>
+              <a:rPr lang="en-US" sz="2400" dirty="0" err="1"/>
+              <a:t>MoCTCA</a:t>
+            </a:r>
+            <a:r>
+              <a:rPr lang="en-US" sz="2400" dirty="0"/>
+              <a:t>)</a:t>
             </a:r>
           </a:p>
         </p:txBody>
@@ -3603,7 +9258,7 @@
 </file>
 
 <file path=ppt/slides/slide7.xml><?xml version="1.0" encoding="utf-8"?>
-<p:sld xmlns:a="http://schemas.openxmlformats.org/drawingml/2006/main" xmlns:p="http://schemas.openxmlformats.org/presentationml/2006/main" xmlns:r="http://schemas.openxmlformats.org/officeDocument/2006/relationships">
+<p:sld xmlns:a="http://schemas.openxmlformats.org/drawingml/2006/main" xmlns:r="http://schemas.openxmlformats.org/officeDocument/2006/relationships" xmlns:p="http://schemas.openxmlformats.org/presentationml/2006/main">
   <p:cSld>
     <p:spTree>
       <p:nvGrpSpPr>
@@ -3611,7 +9266,14 @@
         <p:cNvGrpSpPr/>
         <p:nvPr/>
       </p:nvGrpSpPr>
-      <p:grpSpPr/>
+      <p:grpSpPr>
+        <a:xfrm>
+          <a:off x="0" y="0"/>
+          <a:ext cx="0" cy="0"/>
+          <a:chOff x="0" y="0"/>
+          <a:chExt cx="0" cy="0"/>
+        </a:xfrm>
+      </p:grpSpPr>
       <p:sp>
         <p:nvSpPr>
           <p:cNvPr id="2" name="Title 1"/>
@@ -3624,37 +9286,129 @@
         </p:nvSpPr>
         <p:spPr/>
         <p:txBody>
-          <a:bodyPr/>
+          <a:bodyPr>
+            <a:normAutofit/>
+          </a:bodyPr>
           <a:lstStyle/>
           <a:p>
             <a:r>
-              <a:t>Real-time Communication</a:t>
-            </a:r>
-          </a:p>
-        </p:txBody>
-      </p:sp>
-      <p:sp>
-        <p:nvSpPr>
-          <p:cNvPr id="3" name="Content Placeholder 2"/>
-          <p:cNvSpPr>
-            <a:spLocks noGrp="1"/>
-          </p:cNvSpPr>
-          <p:nvPr>
-            <p:ph idx="1"/>
-          </p:nvPr>
-        </p:nvSpPr>
-        <p:spPr/>
-        <p:txBody>
-          <a:bodyPr/>
+              <a:rPr lang="en-US" sz="3600" b="1" dirty="0">
+                <a:solidFill>
+                  <a:srgbClr val="00B050"/>
+                </a:solidFill>
+              </a:rPr>
+              <a:t>Funneling</a:t>
+            </a:r>
+            <a:endParaRPr sz="3600" b="1" dirty="0">
+              <a:solidFill>
+                <a:srgbClr val="00B050"/>
+              </a:solidFill>
+            </a:endParaRPr>
+          </a:p>
+        </p:txBody>
+      </p:sp>
+      <mc:AlternateContent xmlns:mc="http://schemas.openxmlformats.org/markup-compatibility/2006" xmlns:cx2="http://schemas.microsoft.com/office/drawing/2015/10/21/chartex">
+        <mc:Choice Requires="cx2">
+          <p:graphicFrame>
+            <p:nvGraphicFramePr>
+              <p:cNvPr id="6" name="Content Placeholder 5">
+                <a:extLst>
+                  <a:ext uri="{FF2B5EF4-FFF2-40B4-BE49-F238E27FC236}">
+                    <a16:creationId xmlns:a16="http://schemas.microsoft.com/office/drawing/2014/main" id="{FB27DF6F-98FC-02E9-785D-82180D5D8E38}"/>
+                  </a:ext>
+                </a:extLst>
+              </p:cNvPr>
+              <p:cNvGraphicFramePr>
+                <a:graphicFrameLocks noGrp="1"/>
+              </p:cNvGraphicFramePr>
+              <p:nvPr>
+                <p:ph idx="1"/>
+                <p:extLst>
+                  <p:ext uri="{D42A27DB-BD31-4B8C-83A1-F6EECF244321}">
+                    <p14:modId xmlns:p14="http://schemas.microsoft.com/office/powerpoint/2010/main" val="2790132327"/>
+                  </p:ext>
+                </p:extLst>
+              </p:nvPr>
+            </p:nvGraphicFramePr>
+            <p:xfrm>
+              <a:off x="817563" y="2060575"/>
+              <a:ext cx="7512050" cy="4041775"/>
+            </p:xfrm>
+            <a:graphic>
+              <a:graphicData uri="http://schemas.microsoft.com/office/drawing/2014/chartex">
+                <cx:chart xmlns:cx="http://schemas.microsoft.com/office/drawing/2014/chartex" xmlns:r="http://schemas.openxmlformats.org/officeDocument/2006/relationships" r:id="rId2"/>
+              </a:graphicData>
+            </a:graphic>
+          </p:graphicFrame>
+        </mc:Choice>
+        <mc:Fallback xmlns="">
+          <p:pic>
+            <p:nvPicPr>
+              <p:cNvPr id="6" name="Content Placeholder 5">
+                <a:extLst>
+                  <a:ext uri="{FF2B5EF4-FFF2-40B4-BE49-F238E27FC236}">
+                    <a16:creationId xmlns:a16="http://schemas.microsoft.com/office/drawing/2014/main" id="{FB27DF6F-98FC-02E9-785D-82180D5D8E38}"/>
+                  </a:ext>
+                </a:extLst>
+              </p:cNvPr>
+              <p:cNvPicPr>
+                <a:picLocks noGrp="1" noRot="1" noChangeAspect="1" noMove="1" noResize="1" noEditPoints="1" noAdjustHandles="1" noChangeArrowheads="1" noChangeShapeType="1"/>
+              </p:cNvPicPr>
+              <p:nvPr/>
+            </p:nvPicPr>
+            <p:blipFill>
+              <a:blip r:embed="rId3"/>
+              <a:stretch>
+                <a:fillRect/>
+              </a:stretch>
+            </p:blipFill>
+            <p:spPr>
+              <a:xfrm>
+                <a:off x="457200" y="1600200"/>
+                <a:ext cx="8229600" cy="4525963"/>
+              </a:xfrm>
+              <a:prstGeom prst="rect">
+                <a:avLst/>
+              </a:prstGeom>
+            </p:spPr>
+          </p:pic>
+        </mc:Fallback>
+      </mc:AlternateContent>
+      <p:sp>
+        <p:nvSpPr>
+          <p:cNvPr id="7" name="TextBox 6">
+            <a:extLst>
+              <a:ext uri="{FF2B5EF4-FFF2-40B4-BE49-F238E27FC236}">
+                <a16:creationId xmlns:a16="http://schemas.microsoft.com/office/drawing/2014/main" id="{A9EBFA65-EC08-2784-B265-A5AED016B971}"/>
+              </a:ext>
+            </a:extLst>
+          </p:cNvPr>
+          <p:cNvSpPr txBox="1"/>
+          <p:nvPr/>
+        </p:nvSpPr>
+        <p:spPr>
+          <a:xfrm>
+            <a:off x="5222630" y="5301650"/>
+            <a:ext cx="1186962" cy="461665"/>
+          </a:xfrm>
+          <a:prstGeom prst="rect">
+            <a:avLst/>
+          </a:prstGeom>
+          <a:noFill/>
+        </p:spPr>
+        <p:txBody>
+          <a:bodyPr wrap="square" rtlCol="0">
+            <a:spAutoFit/>
+          </a:bodyPr>
           <a:lstStyle/>
           <a:p>
             <a:r>
-              <a:t>- Integrated messaging system for seamless coordination.</a:t>
-            </a:r>
-          </a:p>
-          <a:p>
-            <a:r>
-              <a:t>- Ensures all parties are well-informed throughout the trekking process.</a:t>
+              <a:rPr lang="en-US" sz="2400" b="1" dirty="0">
+                <a:solidFill>
+                  <a:schemeClr val="bg1"/>
+                </a:solidFill>
+              </a:rPr>
+              <a:t>1421</a:t>
             </a:r>
           </a:p>
         </p:txBody>
@@ -3668,7 +9422,7 @@
 </file>
 
 <file path=ppt/slides/slide8.xml><?xml version="1.0" encoding="utf-8"?>
-<p:sld xmlns:a="http://schemas.openxmlformats.org/drawingml/2006/main" xmlns:p="http://schemas.openxmlformats.org/presentationml/2006/main" xmlns:r="http://schemas.openxmlformats.org/officeDocument/2006/relationships">
+<p:sld xmlns:a="http://schemas.openxmlformats.org/drawingml/2006/main" xmlns:r="http://schemas.openxmlformats.org/officeDocument/2006/relationships" xmlns:p="http://schemas.openxmlformats.org/presentationml/2006/main">
   <p:cSld>
     <p:spTree>
       <p:nvGrpSpPr>
@@ -3676,7 +9430,14 @@
         <p:cNvGrpSpPr/>
         <p:nvPr/>
       </p:nvGrpSpPr>
-      <p:grpSpPr/>
+      <p:grpSpPr>
+        <a:xfrm>
+          <a:off x="0" y="0"/>
+          <a:ext cx="0" cy="0"/>
+          <a:chOff x="0" y="0"/>
+          <a:chExt cx="0" cy="0"/>
+        </a:xfrm>
+      </p:grpSpPr>
       <p:sp>
         <p:nvSpPr>
           <p:cNvPr id="2" name="Title 1"/>
@@ -3689,12 +9450,24 @@
         </p:nvSpPr>
         <p:spPr/>
         <p:txBody>
-          <a:bodyPr/>
+          <a:bodyPr>
+            <a:normAutofit/>
+          </a:bodyPr>
           <a:lstStyle/>
           <a:p>
             <a:r>
-              <a:t>Feedback and Reviews</a:t>
-            </a:r>
+              <a:rPr lang="en-US" sz="3600" b="1" dirty="0">
+                <a:solidFill>
+                  <a:srgbClr val="00B050"/>
+                </a:solidFill>
+              </a:rPr>
+              <a:t>Business Model</a:t>
+            </a:r>
+            <a:endParaRPr sz="3600" b="1" dirty="0">
+              <a:solidFill>
+                <a:srgbClr val="00B050"/>
+              </a:solidFill>
+            </a:endParaRPr>
           </a:p>
         </p:txBody>
       </p:sp>
@@ -3708,24 +9481,102 @@
             <p:ph idx="1"/>
           </p:nvPr>
         </p:nvSpPr>
-        <p:spPr/>
-        <p:txBody>
-          <a:bodyPr/>
+        <p:spPr>
+          <a:xfrm>
+            <a:off x="457200" y="1846384"/>
+            <a:ext cx="8229600" cy="4525963"/>
+          </a:xfrm>
+        </p:spPr>
+        <p:txBody>
+          <a:bodyPr>
+            <a:normAutofit/>
+          </a:bodyPr>
           <a:lstStyle/>
           <a:p>
-            <a:r>
-              <a:t>- Clients can provide feedback and rate guides after treks.</a:t>
-            </a:r>
-          </a:p>
-          <a:p>
-            <a:r>
-              <a:t>- Helps future trekkers make informed decisions.</a:t>
-            </a:r>
-          </a:p>
-          <a:p>
-            <a:r>
-              <a:t>- Entrepreneurs use feedback to enhance service quality and attract clients.</a:t>
-            </a:r>
+            <a:pPr marL="0" indent="0">
+              <a:buNone/>
+            </a:pPr>
+            <a:r>
+              <a:rPr lang="en-US" sz="2400" dirty="0"/>
+              <a:t>Commission Based (</a:t>
+            </a:r>
+            <a:r>
+              <a:rPr lang="en-US" sz="2400" b="1" dirty="0"/>
+              <a:t>20%</a:t>
+            </a:r>
+            <a:r>
+              <a:rPr lang="en-US" sz="2400" dirty="0"/>
+              <a:t>)</a:t>
+            </a:r>
+          </a:p>
+          <a:p>
+            <a:pPr marL="0" indent="0">
+              <a:buNone/>
+            </a:pPr>
+            <a:endParaRPr lang="en-US" sz="2400" dirty="0"/>
+          </a:p>
+          <a:p>
+            <a:pPr marL="0" indent="0">
+              <a:buNone/>
+            </a:pPr>
+            <a:r>
+              <a:rPr lang="en-US" sz="2800" dirty="0"/>
+              <a:t>Average trekking guide charges</a:t>
+            </a:r>
+            <a:r>
+              <a:rPr lang="en-US" sz="2800" b="1" dirty="0"/>
+              <a:t> $25 </a:t>
+            </a:r>
+            <a:r>
+              <a:rPr lang="en-US" sz="2800" dirty="0"/>
+              <a:t>per day.</a:t>
+            </a:r>
+          </a:p>
+          <a:p>
+            <a:pPr marL="0" indent="0">
+              <a:buNone/>
+            </a:pPr>
+            <a:endParaRPr lang="en-US" sz="2800" dirty="0"/>
+          </a:p>
+          <a:p>
+            <a:pPr marL="0" indent="0">
+              <a:buNone/>
+            </a:pPr>
+            <a:r>
+              <a:rPr lang="en-US" sz="2800" dirty="0"/>
+              <a:t>The Foreign Trekkers pays </a:t>
+            </a:r>
+            <a:r>
+              <a:rPr lang="en-US" sz="2800" b="1" dirty="0"/>
+              <a:t>20% </a:t>
+            </a:r>
+            <a:r>
+              <a:rPr lang="en-US" sz="2800" dirty="0"/>
+              <a:t>extra. </a:t>
+            </a:r>
+          </a:p>
+          <a:p>
+            <a:pPr marL="0" indent="0">
+              <a:buNone/>
+            </a:pPr>
+            <a:r>
+              <a:rPr lang="en-US" sz="2800" b="1" dirty="0"/>
+              <a:t>($30</a:t>
+            </a:r>
+            <a:r>
+              <a:rPr lang="en-US" sz="2800" dirty="0"/>
+              <a:t> per day</a:t>
+            </a:r>
+            <a:r>
+              <a:rPr lang="en-US" sz="2800" b="1" dirty="0"/>
+              <a:t>)</a:t>
+            </a:r>
+          </a:p>
+          <a:p>
+            <a:pPr marL="0" indent="0">
+              <a:buNone/>
+            </a:pPr>
+            <a:endParaRPr sz="2800" dirty="0"/>
           </a:p>
         </p:txBody>
       </p:sp>
@@ -3738,7 +9589,7 @@
 </file>
 
 <file path=ppt/slides/slide9.xml><?xml version="1.0" encoding="utf-8"?>
-<p:sld xmlns:a="http://schemas.openxmlformats.org/drawingml/2006/main" xmlns:p="http://schemas.openxmlformats.org/presentationml/2006/main" xmlns:r="http://schemas.openxmlformats.org/officeDocument/2006/relationships">
+<p:sld xmlns:a="http://schemas.openxmlformats.org/drawingml/2006/main" xmlns:r="http://schemas.openxmlformats.org/officeDocument/2006/relationships" xmlns:p="http://schemas.openxmlformats.org/presentationml/2006/main">
   <p:cSld>
     <p:spTree>
       <p:nvGrpSpPr>
@@ -3746,7 +9597,14 @@
         <p:cNvGrpSpPr/>
         <p:nvPr/>
       </p:nvGrpSpPr>
-      <p:grpSpPr/>
+      <p:grpSpPr>
+        <a:xfrm>
+          <a:off x="0" y="0"/>
+          <a:ext cx="0" cy="0"/>
+          <a:chOff x="0" y="0"/>
+          <a:chExt cx="0" cy="0"/>
+        </a:xfrm>
+      </p:grpSpPr>
       <p:sp>
         <p:nvSpPr>
           <p:cNvPr id="2" name="Title 1"/>
@@ -3759,12 +9617,24 @@
         </p:nvSpPr>
         <p:spPr/>
         <p:txBody>
-          <a:bodyPr/>
+          <a:bodyPr>
+            <a:normAutofit/>
+          </a:bodyPr>
           <a:lstStyle/>
           <a:p>
             <a:r>
-              <a:t>Commission-Based Business Model</a:t>
-            </a:r>
+              <a:rPr lang="en-US" sz="3600" b="1" dirty="0">
+                <a:solidFill>
+                  <a:srgbClr val="00B050"/>
+                </a:solidFill>
+              </a:rPr>
+              <a:t>Business Model</a:t>
+            </a:r>
+            <a:endParaRPr sz="3600" b="1" dirty="0">
+              <a:solidFill>
+                <a:srgbClr val="00B050"/>
+              </a:solidFill>
+            </a:endParaRPr>
           </a:p>
         </p:txBody>
       </p:sp>
@@ -3778,28 +9648,75 @@
             <p:ph idx="1"/>
           </p:nvPr>
         </p:nvSpPr>
-        <p:spPr/>
-        <p:txBody>
-          <a:bodyPr/>
+        <p:spPr>
+          <a:xfrm>
+            <a:off x="457200" y="1846384"/>
+            <a:ext cx="8229600" cy="4525963"/>
+          </a:xfrm>
+        </p:spPr>
+        <p:txBody>
+          <a:bodyPr>
+            <a:normAutofit/>
+          </a:bodyPr>
           <a:lstStyle/>
           <a:p>
             <a:r>
-              <a:t>- Entrepreneurs earn commissions on successful bookings.</a:t>
-            </a:r>
-          </a:p>
-          <a:p>
-            <a:r>
-              <a:t>- Register as affiliates and receive a percentage of the total booking value.</a:t>
-            </a:r>
-          </a:p>
-          <a:p>
-            <a:r>
-              <a:t>- Incentivizes promotion of the platform and facilitation of bookings.</a:t>
-            </a:r>
+              <a:rPr lang="en-US" sz="2800" dirty="0"/>
+              <a:t>5 days average trekking</a:t>
+            </a:r>
+          </a:p>
+          <a:p>
+            <a:r>
+              <a:rPr lang="en-US" sz="2800" dirty="0"/>
+              <a:t>Our yearly commission </a:t>
+            </a:r>
+          </a:p>
+          <a:p>
+            <a:r>
+              <a:rPr lang="en-US" dirty="0"/>
+              <a:t>Assuming 1$ = Rs. 125</a:t>
+            </a:r>
+          </a:p>
+          <a:p>
+            <a:pPr marL="0" indent="0" algn="ctr">
+              <a:buNone/>
+            </a:pPr>
+            <a:r>
+              <a:rPr lang="en-US" sz="3200" b="1" dirty="0"/>
+              <a:t>1421 * 5 * $5 </a:t>
+            </a:r>
+          </a:p>
+          <a:p>
+            <a:pPr marL="0" indent="0" algn="ctr">
+              <a:buNone/>
+            </a:pPr>
+            <a:r>
+              <a:rPr lang="en-US" sz="3200" b="1" dirty="0"/>
+              <a:t>$35,525 </a:t>
+            </a:r>
+          </a:p>
+          <a:p>
+            <a:pPr marL="0" indent="0" algn="ctr">
+              <a:buNone/>
+            </a:pPr>
+            <a:r>
+              <a:rPr lang="en-US" sz="3600" b="1" dirty="0"/>
+              <a:t>Gross margin : </a:t>
+            </a:r>
+            <a:r>
+              <a:rPr lang="en-US" sz="4800" b="1" dirty="0"/>
+              <a:t>NRs. 44,40,625</a:t>
+            </a:r>
+            <a:endParaRPr lang="en-US" sz="4400" b="1" dirty="0"/>
           </a:p>
         </p:txBody>
       </p:sp>
     </p:spTree>
+    <p:extLst>
+      <p:ext uri="{BB962C8B-B14F-4D97-AF65-F5344CB8AC3E}">
+        <p14:creationId xmlns:p14="http://schemas.microsoft.com/office/powerpoint/2010/main" val="2126618472"/>
+      </p:ext>
+    </p:extLst>
   </p:cSld>
   <p:clrMapOvr>
     <a:masterClrMapping/>
@@ -3808,6 +9725,262 @@
 </file>
 
 <file path=ppt/theme/theme1.xml><?xml version="1.0" encoding="utf-8"?>
+<a:theme xmlns:a="http://schemas.openxmlformats.org/drawingml/2006/main" name="Mesh">
+  <a:themeElements>
+    <a:clrScheme name="Mesh">
+      <a:dk1>
+        <a:sysClr val="windowText" lastClr="000000"/>
+      </a:dk1>
+      <a:lt1>
+        <a:sysClr val="window" lastClr="FFFFFF"/>
+      </a:lt1>
+      <a:dk2>
+        <a:srgbClr val="363D46"/>
+      </a:dk2>
+      <a:lt2>
+        <a:srgbClr val="EBEBEB"/>
+      </a:lt2>
+      <a:accent1>
+        <a:srgbClr val="6F6F6F"/>
+      </a:accent1>
+      <a:accent2>
+        <a:srgbClr val="BFBFA5"/>
+      </a:accent2>
+      <a:accent3>
+        <a:srgbClr val="DCD084"/>
+      </a:accent3>
+      <a:accent4>
+        <a:srgbClr val="E7BF5F"/>
+      </a:accent4>
+      <a:accent5>
+        <a:srgbClr val="E9A039"/>
+      </a:accent5>
+      <a:accent6>
+        <a:srgbClr val="CF7133"/>
+      </a:accent6>
+      <a:hlink>
+        <a:srgbClr val="F28943"/>
+      </a:hlink>
+      <a:folHlink>
+        <a:srgbClr val="F1B76C"/>
+      </a:folHlink>
+    </a:clrScheme>
+    <a:fontScheme name="Mesh">
+      <a:majorFont>
+        <a:latin typeface="Century Gothic" panose="020B0502020202020204"/>
+        <a:ea typeface=""/>
+        <a:cs typeface=""/>
+        <a:font script="Jpan" typeface="ＭＳ ゴシック"/>
+        <a:font script="Hang" typeface="맑은 고딕"/>
+        <a:font script="Hans" typeface="宋体"/>
+        <a:font script="Hant" typeface="新細明體"/>
+        <a:font script="Arab" typeface="Tahoma"/>
+        <a:font script="Hebr" typeface="Gisha"/>
+        <a:font script="Thai" typeface="DilleniaUPC"/>
+        <a:font script="Ethi" typeface="Nyala"/>
+        <a:font script="Beng" typeface="Vrinda"/>
+        <a:font script="Gujr" typeface="Shruti"/>
+        <a:font script="Khmr" typeface="DaunPenh"/>
+        <a:font script="Knda" typeface="Tunga"/>
+        <a:font script="Guru" typeface="Raavi"/>
+        <a:font script="Cans" typeface="Euphemia"/>
+        <a:font script="Cher" typeface="Plantagenet Cherokee"/>
+        <a:font script="Yiii" typeface="Microsoft Yi Baiti"/>
+        <a:font script="Tibt" typeface="Microsoft Himalaya"/>
+        <a:font script="Thaa" typeface="MV Boli"/>
+        <a:font script="Deva" typeface="Mangal"/>
+        <a:font script="Telu" typeface="Gautami"/>
+        <a:font script="Taml" typeface="Latha"/>
+        <a:font script="Syrc" typeface="Estrangelo Edessa"/>
+        <a:font script="Orya" typeface="Kalinga"/>
+        <a:font script="Mlym" typeface="Kartika"/>
+        <a:font script="Laoo" typeface="DokChampa"/>
+        <a:font script="Sinh" typeface="Iskoola Pota"/>
+        <a:font script="Mong" typeface="Mongolian Baiti"/>
+        <a:font script="Viet" typeface="Tahoma"/>
+        <a:font script="Uigh" typeface="Microsoft Uighur"/>
+        <a:font script="Geor" typeface="Sylfaen"/>
+      </a:majorFont>
+      <a:minorFont>
+        <a:latin typeface="Century Gothic" panose="020B0502020202020204"/>
+        <a:ea typeface=""/>
+        <a:cs typeface=""/>
+        <a:font script="Jpan" typeface="ＭＳ ゴシック"/>
+        <a:font script="Hang" typeface="맑은 고딕"/>
+        <a:font script="Hans" typeface="宋体"/>
+        <a:font script="Hant" typeface="新細明體"/>
+        <a:font script="Arab" typeface="Tahoma"/>
+        <a:font script="Hebr" typeface="Gisha"/>
+        <a:font script="Thai" typeface="DilleniaUPC"/>
+        <a:font script="Ethi" typeface="Nyala"/>
+        <a:font script="Beng" typeface="Vrinda"/>
+        <a:font script="Gujr" typeface="Shruti"/>
+        <a:font script="Khmr" typeface="DaunPenh"/>
+        <a:font script="Knda" typeface="Tunga"/>
+        <a:font script="Guru" typeface="Raavi"/>
+        <a:font script="Cans" typeface="Euphemia"/>
+        <a:font script="Cher" typeface="Plantagenet Cherokee"/>
+        <a:font script="Yiii" typeface="Microsoft Yi Baiti"/>
+        <a:font script="Tibt" typeface="Microsoft Himalaya"/>
+        <a:font script="Thaa" typeface="MV Boli"/>
+        <a:font script="Deva" typeface="Mangal"/>
+        <a:font script="Telu" typeface="Gautami"/>
+        <a:font script="Taml" typeface="Latha"/>
+        <a:font script="Syrc" typeface="Estrangelo Edessa"/>
+        <a:font script="Orya" typeface="Kalinga"/>
+        <a:font script="Mlym" typeface="Kartika"/>
+        <a:font script="Laoo" typeface="DokChampa"/>
+        <a:font script="Sinh" typeface="Iskoola Pota"/>
+        <a:font script="Mong" typeface="Mongolian Baiti"/>
+        <a:font script="Viet" typeface="Verdana"/>
+        <a:font script="Uigh" typeface="Microsoft Uighur"/>
+        <a:font script="Geor" typeface="Sylfaen"/>
+      </a:minorFont>
+    </a:fontScheme>
+    <a:fmtScheme name="Mesh">
+      <a:fillStyleLst>
+        <a:solidFill>
+          <a:schemeClr val="phClr"/>
+        </a:solidFill>
+        <a:gradFill rotWithShape="1">
+          <a:gsLst>
+            <a:gs pos="0">
+              <a:schemeClr val="phClr">
+                <a:tint val="60000"/>
+                <a:lumMod val="110000"/>
+              </a:schemeClr>
+            </a:gs>
+            <a:gs pos="100000">
+              <a:schemeClr val="phClr">
+                <a:tint val="82000"/>
+              </a:schemeClr>
+            </a:gs>
+          </a:gsLst>
+          <a:lin ang="5400000" scaled="0"/>
+        </a:gradFill>
+        <a:gradFill rotWithShape="1">
+          <a:gsLst>
+            <a:gs pos="0">
+              <a:schemeClr val="phClr">
+                <a:tint val="96000"/>
+                <a:lumMod val="104000"/>
+              </a:schemeClr>
+            </a:gs>
+            <a:gs pos="100000">
+              <a:schemeClr val="phClr">
+                <a:shade val="84000"/>
+                <a:lumMod val="84000"/>
+              </a:schemeClr>
+            </a:gs>
+          </a:gsLst>
+          <a:lin ang="5400000" scaled="0"/>
+        </a:gradFill>
+      </a:fillStyleLst>
+      <a:lnStyleLst>
+        <a:ln w="9525" cap="rnd" cmpd="sng" algn="ctr">
+          <a:solidFill>
+            <a:schemeClr val="phClr"/>
+          </a:solidFill>
+          <a:prstDash val="solid"/>
+        </a:ln>
+        <a:ln w="19050" cap="rnd" cmpd="sng" algn="ctr">
+          <a:solidFill>
+            <a:schemeClr val="phClr"/>
+          </a:solidFill>
+          <a:prstDash val="solid"/>
+        </a:ln>
+        <a:ln w="25400" cap="rnd" cmpd="sng" algn="ctr">
+          <a:solidFill>
+            <a:schemeClr val="phClr"/>
+          </a:solidFill>
+          <a:prstDash val="solid"/>
+        </a:ln>
+      </a:lnStyleLst>
+      <a:effectStyleLst>
+        <a:effectStyle>
+          <a:effectLst/>
+        </a:effectStyle>
+        <a:effectStyle>
+          <a:effectLst>
+            <a:innerShdw blurRad="50800" dist="25400" dir="13500000">
+              <a:srgbClr val="000000">
+                <a:alpha val="55000"/>
+              </a:srgbClr>
+            </a:innerShdw>
+          </a:effectLst>
+        </a:effectStyle>
+        <a:effectStyle>
+          <a:effectLst>
+            <a:outerShdw blurRad="50800" dist="38100" dir="5400000" rotWithShape="0">
+              <a:srgbClr val="000000">
+                <a:alpha val="60000"/>
+              </a:srgbClr>
+            </a:outerShdw>
+          </a:effectLst>
+          <a:scene3d>
+            <a:camera prst="orthographicFront">
+              <a:rot lat="0" lon="0" rev="0"/>
+            </a:camera>
+            <a:lightRig rig="threePt" dir="tl"/>
+          </a:scene3d>
+          <a:sp3d>
+            <a:bevelT w="25400" h="25400" prst="slope"/>
+          </a:sp3d>
+        </a:effectStyle>
+      </a:effectStyleLst>
+      <a:bgFillStyleLst>
+        <a:solidFill>
+          <a:schemeClr val="phClr"/>
+        </a:solidFill>
+        <a:gradFill rotWithShape="1">
+          <a:gsLst>
+            <a:gs pos="0">
+              <a:schemeClr val="phClr">
+                <a:tint val="90000"/>
+                <a:lumMod val="110000"/>
+              </a:schemeClr>
+            </a:gs>
+            <a:gs pos="100000">
+              <a:schemeClr val="phClr">
+                <a:shade val="64000"/>
+                <a:lumMod val="98000"/>
+              </a:schemeClr>
+            </a:gs>
+          </a:gsLst>
+          <a:lin ang="5400000" scaled="0"/>
+        </a:gradFill>
+        <a:blipFill rotWithShape="1">
+          <a:blip xmlns:r="http://schemas.openxmlformats.org/officeDocument/2006/relationships" r:embed="rId1">
+            <a:duotone>
+              <a:schemeClr val="phClr">
+                <a:shade val="28000"/>
+                <a:satMod val="94000"/>
+                <a:lumMod val="20000"/>
+              </a:schemeClr>
+              <a:schemeClr val="phClr">
+                <a:tint val="94000"/>
+                <a:shade val="84000"/>
+                <a:satMod val="148000"/>
+                <a:lumMod val="114000"/>
+              </a:schemeClr>
+            </a:duotone>
+          </a:blip>
+          <a:stretch/>
+        </a:blipFill>
+      </a:bgFillStyleLst>
+    </a:fmtScheme>
+  </a:themeElements>
+  <a:objectDefaults/>
+  <a:extraClrSchemeLst/>
+  <a:extLst>
+    <a:ext uri="{05A4C25C-085E-4340-85A3-A5531E510DB2}">
+      <thm15:themeFamily xmlns:thm15="http://schemas.microsoft.com/office/thememl/2012/main" name="Mesh" id="{789EC3FE-34FD-429C-9918-760025E6C145}" vid="{B8BE45C0-8141-4D58-8C71-A009BC26FBBB}"/>
+    </a:ext>
+  </a:extLst>
+</a:theme>
+</file>
+
+<file path=ppt/theme/theme2.xml><?xml version="1.0" encoding="utf-8"?>
 <a:theme xmlns:a="http://schemas.openxmlformats.org/drawingml/2006/main" name="Office Theme">
   <a:themeElements>
     <a:clrScheme name="Office">
@@ -3818,44 +9991,44 @@
         <a:sysClr val="window" lastClr="FFFFFF"/>
       </a:lt1>
       <a:dk2>
-        <a:srgbClr val="1F497D"/>
+        <a:srgbClr val="44546A"/>
       </a:dk2>
       <a:lt2>
-        <a:srgbClr val="EEECE1"/>
+        <a:srgbClr val="E7E6E6"/>
       </a:lt2>
       <a:accent1>
-        <a:srgbClr val="4F81BD"/>
+        <a:srgbClr val="4472C4"/>
       </a:accent1>
       <a:accent2>
-        <a:srgbClr val="C0504D"/>
+        <a:srgbClr val="ED7D31"/>
       </a:accent2>
       <a:accent3>
-        <a:srgbClr val="9BBB59"/>
+        <a:srgbClr val="A5A5A5"/>
       </a:accent3>
       <a:accent4>
-        <a:srgbClr val="8064A2"/>
+        <a:srgbClr val="FFC000"/>
       </a:accent4>
       <a:accent5>
-        <a:srgbClr val="4BACC6"/>
+        <a:srgbClr val="5B9BD5"/>
       </a:accent5>
       <a:accent6>
-        <a:srgbClr val="F79646"/>
+        <a:srgbClr val="70AD47"/>
       </a:accent6>
       <a:hlink>
-        <a:srgbClr val="0000FF"/>
+        <a:srgbClr val="0563C1"/>
       </a:hlink>
       <a:folHlink>
-        <a:srgbClr val="800080"/>
+        <a:srgbClr val="954F72"/>
       </a:folHlink>
     </a:clrScheme>
     <a:fontScheme name="Office">
       <a:majorFont>
-        <a:latin typeface="Calibri"/>
+        <a:latin typeface="Calibri Light" panose="020F0302020204030204"/>
         <a:ea typeface=""/>
         <a:cs typeface=""/>
-        <a:font script="Jpan" typeface="ＭＳ Ｐゴシック"/>
+        <a:font script="Jpan" typeface="游ゴシック Light"/>
         <a:font script="Hang" typeface="맑은 고딕"/>
-        <a:font script="Hans" typeface="宋体"/>
+        <a:font script="Hans" typeface="等线 Light"/>
         <a:font script="Hant" typeface="新細明體"/>
         <a:font script="Arab" typeface="Times New Roman"/>
         <a:font script="Hebr" typeface="Times New Roman"/>
@@ -3883,14 +10056,31 @@
         <a:font script="Viet" typeface="Times New Roman"/>
         <a:font script="Uigh" typeface="Microsoft Uighur"/>
         <a:font script="Geor" typeface="Sylfaen"/>
+        <a:font script="Armn" typeface="Arial"/>
+        <a:font script="Bugi" typeface="Leelawadee UI"/>
+        <a:font script="Bopo" typeface="Microsoft JhengHei"/>
+        <a:font script="Java" typeface="Javanese Text"/>
+        <a:font script="Lisu" typeface="Segoe UI"/>
+        <a:font script="Mymr" typeface="Myanmar Text"/>
+        <a:font script="Nkoo" typeface="Ebrima"/>
+        <a:font script="Olck" typeface="Nirmala UI"/>
+        <a:font script="Osma" typeface="Ebrima"/>
+        <a:font script="Phag" typeface="Phagspa"/>
+        <a:font script="Syrn" typeface="Estrangelo Edessa"/>
+        <a:font script="Syrj" typeface="Estrangelo Edessa"/>
+        <a:font script="Syre" typeface="Estrangelo Edessa"/>
+        <a:font script="Sora" typeface="Nirmala UI"/>
+        <a:font script="Tale" typeface="Microsoft Tai Le"/>
+        <a:font script="Talu" typeface="Microsoft New Tai Lue"/>
+        <a:font script="Tfng" typeface="Ebrima"/>
       </a:majorFont>
       <a:minorFont>
-        <a:latin typeface="Calibri"/>
+        <a:latin typeface="Calibri" panose="020F0502020204030204"/>
         <a:ea typeface=""/>
         <a:cs typeface=""/>
-        <a:font script="Jpan" typeface="ＭＳ Ｐゴシック"/>
+        <a:font script="Jpan" typeface="游ゴシック"/>
         <a:font script="Hang" typeface="맑은 고딕"/>
-        <a:font script="Hans" typeface="宋体"/>
+        <a:font script="Hans" typeface="等线"/>
         <a:font script="Hant" typeface="新細明體"/>
         <a:font script="Arab" typeface="Arial"/>
         <a:font script="Hebr" typeface="Arial"/>
@@ -3918,6 +10108,23 @@
         <a:font script="Viet" typeface="Arial"/>
         <a:font script="Uigh" typeface="Microsoft Uighur"/>
         <a:font script="Geor" typeface="Sylfaen"/>
+        <a:font script="Armn" typeface="Arial"/>
+        <a:font script="Bugi" typeface="Leelawadee UI"/>
+        <a:font script="Bopo" typeface="Microsoft JhengHei"/>
+        <a:font script="Java" typeface="Javanese Text"/>
+        <a:font script="Lisu" typeface="Segoe UI"/>
+        <a:font script="Mymr" typeface="Myanmar Text"/>
+        <a:font script="Nkoo" typeface="Ebrima"/>
+        <a:font script="Olck" typeface="Nirmala UI"/>
+        <a:font script="Osma" typeface="Ebrima"/>
+        <a:font script="Phag" typeface="Phagspa"/>
+        <a:font script="Syrn" typeface="Estrangelo Edessa"/>
+        <a:font script="Syrj" typeface="Estrangelo Edessa"/>
+        <a:font script="Syre" typeface="Estrangelo Edessa"/>
+        <a:font script="Sora" typeface="Nirmala UI"/>
+        <a:font script="Tale" typeface="Microsoft Tai Le"/>
+        <a:font script="Talu" typeface="Microsoft New Tai Lue"/>
+        <a:font script="Tfng" typeface="Ebrima"/>
       </a:minorFont>
     </a:fontScheme>
     <a:fmtScheme name="Office">
@@ -3929,200 +10136,141 @@
           <a:gsLst>
             <a:gs pos="0">
               <a:schemeClr val="phClr">
-                <a:tint val="50000"/>
-                <a:satMod val="300000"/>
+                <a:lumMod val="110000"/>
+                <a:satMod val="105000"/>
+                <a:tint val="67000"/>
               </a:schemeClr>
             </a:gs>
-            <a:gs pos="35000">
+            <a:gs pos="50000">
               <a:schemeClr val="phClr">
-                <a:tint val="37000"/>
-                <a:satMod val="300000"/>
+                <a:lumMod val="105000"/>
+                <a:satMod val="103000"/>
+                <a:tint val="73000"/>
               </a:schemeClr>
             </a:gs>
             <a:gs pos="100000">
               <a:schemeClr val="phClr">
-                <a:tint val="15000"/>
-                <a:satMod val="350000"/>
+                <a:lumMod val="105000"/>
+                <a:satMod val="109000"/>
+                <a:tint val="81000"/>
               </a:schemeClr>
             </a:gs>
           </a:gsLst>
-          <a:lin ang="16200000" scaled="1"/>
+          <a:lin ang="5400000" scaled="0"/>
         </a:gradFill>
         <a:gradFill rotWithShape="1">
           <a:gsLst>
             <a:gs pos="0">
               <a:schemeClr val="phClr">
-                <a:tint val="100000"/>
+                <a:satMod val="103000"/>
+                <a:lumMod val="102000"/>
+                <a:tint val="94000"/>
+              </a:schemeClr>
+            </a:gs>
+            <a:gs pos="50000">
+              <a:schemeClr val="phClr">
+                <a:satMod val="110000"/>
+                <a:lumMod val="100000"/>
                 <a:shade val="100000"/>
-                <a:satMod val="130000"/>
               </a:schemeClr>
             </a:gs>
             <a:gs pos="100000">
               <a:schemeClr val="phClr">
-                <a:tint val="50000"/>
-                <a:shade val="100000"/>
-                <a:satMod val="350000"/>
+                <a:lumMod val="99000"/>
+                <a:satMod val="120000"/>
+                <a:shade val="78000"/>
               </a:schemeClr>
             </a:gs>
           </a:gsLst>
-          <a:lin ang="16200000" scaled="0"/>
+          <a:lin ang="5400000" scaled="0"/>
         </a:gradFill>
       </a:fillStyleLst>
       <a:lnStyleLst>
-        <a:ln w="9525" cap="flat" cmpd="sng" algn="ctr">
-          <a:solidFill>
-            <a:schemeClr val="phClr">
-              <a:shade val="95000"/>
-              <a:satMod val="105000"/>
-            </a:schemeClr>
-          </a:solidFill>
-          <a:prstDash val="solid"/>
-        </a:ln>
-        <a:ln w="25400" cap="flat" cmpd="sng" algn="ctr">
+        <a:ln w="6350" cap="flat" cmpd="sng" algn="ctr">
           <a:solidFill>
             <a:schemeClr val="phClr"/>
           </a:solidFill>
           <a:prstDash val="solid"/>
+          <a:miter lim="800000"/>
         </a:ln>
-        <a:ln w="38100" cap="flat" cmpd="sng" algn="ctr">
+        <a:ln w="12700" cap="flat" cmpd="sng" algn="ctr">
           <a:solidFill>
             <a:schemeClr val="phClr"/>
           </a:solidFill>
           <a:prstDash val="solid"/>
+          <a:miter lim="800000"/>
+        </a:ln>
+        <a:ln w="19050" cap="flat" cmpd="sng" algn="ctr">
+          <a:solidFill>
+            <a:schemeClr val="phClr"/>
+          </a:solidFill>
+          <a:prstDash val="solid"/>
+          <a:miter lim="800000"/>
         </a:ln>
       </a:lnStyleLst>
       <a:effectStyleLst>
         <a:effectStyle>
+          <a:effectLst/>
+        </a:effectStyle>
+        <a:effectStyle>
+          <a:effectLst/>
+        </a:effectStyle>
+        <a:effectStyle>
           <a:effectLst>
-            <a:outerShdw blurRad="40000" dist="20000" dir="5400000" rotWithShape="0">
+            <a:outerShdw blurRad="57150" dist="19050" dir="5400000" algn="ctr" rotWithShape="0">
               <a:srgbClr val="000000">
-                <a:alpha val="38000"/>
+                <a:alpha val="63000"/>
               </a:srgbClr>
             </a:outerShdw>
           </a:effectLst>
-        </a:effectStyle>
-        <a:effectStyle>
-          <a:effectLst>
-            <a:outerShdw blurRad="40000" dist="23000" dir="5400000" rotWithShape="0">
-              <a:srgbClr val="000000">
-                <a:alpha val="35000"/>
-              </a:srgbClr>
-            </a:outerShdw>
-          </a:effectLst>
-        </a:effectStyle>
-        <a:effectStyle>
-          <a:effectLst>
-            <a:outerShdw blurRad="40000" dist="23000" dir="5400000" rotWithShape="0">
-              <a:srgbClr val="000000">
-                <a:alpha val="35000"/>
-              </a:srgbClr>
-            </a:outerShdw>
-          </a:effectLst>
-          <a:scene3d>
-            <a:camera prst="orthographicFront">
-              <a:rot lat="0" lon="0" rev="0"/>
-            </a:camera>
-            <a:lightRig rig="threePt" dir="t">
-              <a:rot lat="0" lon="0" rev="1200000"/>
-            </a:lightRig>
-          </a:scene3d>
-          <a:sp3d>
-            <a:bevelT w="63500" h="25400"/>
-          </a:sp3d>
         </a:effectStyle>
       </a:effectStyleLst>
       <a:bgFillStyleLst>
         <a:solidFill>
           <a:schemeClr val="phClr"/>
         </a:solidFill>
+        <a:solidFill>
+          <a:schemeClr val="phClr">
+            <a:tint val="95000"/>
+            <a:satMod val="170000"/>
+          </a:schemeClr>
+        </a:solidFill>
         <a:gradFill rotWithShape="1">
           <a:gsLst>
             <a:gs pos="0">
               <a:schemeClr val="phClr">
-                <a:tint val="40000"/>
-                <a:satMod val="350000"/>
+                <a:tint val="93000"/>
+                <a:satMod val="150000"/>
+                <a:shade val="98000"/>
+                <a:lumMod val="102000"/>
               </a:schemeClr>
             </a:gs>
-            <a:gs pos="40000">
+            <a:gs pos="50000">
               <a:schemeClr val="phClr">
-                <a:tint val="45000"/>
-                <a:shade val="99000"/>
-                <a:satMod val="350000"/>
+                <a:tint val="98000"/>
+                <a:satMod val="130000"/>
+                <a:shade val="90000"/>
+                <a:lumMod val="103000"/>
               </a:schemeClr>
             </a:gs>
             <a:gs pos="100000">
               <a:schemeClr val="phClr">
-                <a:shade val="20000"/>
-                <a:satMod val="255000"/>
+                <a:shade val="63000"/>
+                <a:satMod val="120000"/>
               </a:schemeClr>
             </a:gs>
           </a:gsLst>
-          <a:path path="circle">
-            <a:fillToRect l="50000" t="-80000" r="50000" b="180000"/>
-          </a:path>
-        </a:gradFill>
-        <a:gradFill rotWithShape="1">
-          <a:gsLst>
-            <a:gs pos="0">
-              <a:schemeClr val="phClr">
-                <a:tint val="80000"/>
-                <a:satMod val="300000"/>
-              </a:schemeClr>
-            </a:gs>
-            <a:gs pos="100000">
-              <a:schemeClr val="phClr">
-                <a:shade val="30000"/>
-                <a:satMod val="200000"/>
-              </a:schemeClr>
-            </a:gs>
-          </a:gsLst>
-          <a:path path="circle">
-            <a:fillToRect l="50000" t="50000" r="50000" b="50000"/>
-          </a:path>
+          <a:lin ang="5400000" scaled="0"/>
         </a:gradFill>
       </a:bgFillStyleLst>
     </a:fmtScheme>
   </a:themeElements>
-  <a:objectDefaults>
-    <a:spDef>
-      <a:spPr/>
-      <a:bodyPr/>
-      <a:lstStyle/>
-      <a:style>
-        <a:lnRef idx="1">
-          <a:schemeClr val="accent1"/>
-        </a:lnRef>
-        <a:fillRef idx="3">
-          <a:schemeClr val="accent1"/>
-        </a:fillRef>
-        <a:effectRef idx="2">
-          <a:schemeClr val="accent1"/>
-        </a:effectRef>
-        <a:fontRef idx="minor">
-          <a:schemeClr val="lt1"/>
-        </a:fontRef>
-      </a:style>
-    </a:spDef>
-    <a:lnDef>
-      <a:spPr/>
-      <a:bodyPr/>
-      <a:lstStyle/>
-      <a:style>
-        <a:lnRef idx="2">
-          <a:schemeClr val="accent1"/>
-        </a:lnRef>
-        <a:fillRef idx="0">
-          <a:schemeClr val="accent1"/>
-        </a:fillRef>
-        <a:effectRef idx="1">
-          <a:schemeClr val="accent1"/>
-        </a:effectRef>
-        <a:fontRef idx="minor">
-          <a:schemeClr val="tx1"/>
-        </a:fontRef>
-      </a:style>
-    </a:lnDef>
-  </a:objectDefaults>
+  <a:objectDefaults/>
   <a:extraClrSchemeLst/>
+  <a:extLst>
+    <a:ext uri="{05A4C25C-085E-4340-85A3-A5531E510DB2}">
+      <thm15:themeFamily xmlns:thm15="http://schemas.microsoft.com/office/thememl/2012/main" name="Office Theme" id="{62F939B6-93AF-4DB8-9C6B-D6C7DFDC589F}" vid="{4A3C46E8-61CC-4603-A589-7422A47A8E4A}"/>
+    </a:ext>
+  </a:extLst>
 </a:theme>
 </file>